--- a/opends4all-resources/opends4all-data-and-knowledge-modeling/DATA-KNOWLEDGE-MODELS-schemas-classes-instances-basic.pptx
+++ b/opends4all-resources/opends4all-data-and-knowledge-modeling/DATA-KNOWLEDGE-MODELS-schemas-classes-instances-basic.pptx
@@ -8,19 +8,19 @@
     <p:notesMasterId r:id="rId35"/>
   </p:notesMasterIdLst>
   <p:sldIdLst>
-    <p:sldId id="256" r:id="rId2"/>
-    <p:sldId id="257" r:id="rId3"/>
-    <p:sldId id="258" r:id="rId4"/>
+    <p:sldId id="261" r:id="rId2"/>
+    <p:sldId id="262" r:id="rId3"/>
+    <p:sldId id="263" r:id="rId4"/>
     <p:sldId id="259" r:id="rId5"/>
     <p:sldId id="260" r:id="rId6"/>
-    <p:sldId id="261" r:id="rId7"/>
-    <p:sldId id="262" r:id="rId8"/>
+    <p:sldId id="266" r:id="rId7"/>
+    <p:sldId id="267" r:id="rId8"/>
     <p:sldId id="288" r:id="rId9"/>
-    <p:sldId id="263" r:id="rId10"/>
-    <p:sldId id="264" r:id="rId11"/>
-    <p:sldId id="265" r:id="rId12"/>
-    <p:sldId id="266" r:id="rId13"/>
-    <p:sldId id="289" r:id="rId14"/>
+    <p:sldId id="289" r:id="rId10"/>
+    <p:sldId id="290" r:id="rId11"/>
+    <p:sldId id="291" r:id="rId12"/>
+    <p:sldId id="292" r:id="rId13"/>
+    <p:sldId id="293" r:id="rId14"/>
     <p:sldId id="268" r:id="rId15"/>
     <p:sldId id="269" r:id="rId16"/>
     <p:sldId id="270" r:id="rId17"/>
@@ -46,44 +46,53 @@
   <p:notesSz cx="6985000" cy="9283700"/>
   <p:embeddedFontLst>
     <p:embeddedFont>
+      <p:font typeface="Abadi Extra Light" panose="020B0204020104020204" pitchFamily="34" charset="0"/>
+      <p:regular r:id="rId36"/>
+    </p:embeddedFont>
+    <p:embeddedFont>
       <p:font typeface="Consolas" panose="020B0609020204030204" pitchFamily="49" charset="0"/>
-      <p:regular r:id="rId36"/>
-      <p:bold r:id="rId37"/>
-      <p:italic r:id="rId38"/>
-      <p:boldItalic r:id="rId39"/>
+      <p:regular r:id="rId37"/>
+      <p:bold r:id="rId38"/>
+      <p:italic r:id="rId39"/>
+      <p:boldItalic r:id="rId40"/>
     </p:embeddedFont>
     <p:embeddedFont>
       <p:font typeface="Constantia" panose="02030602050306030303" pitchFamily="18" charset="0"/>
-      <p:regular r:id="rId40"/>
-      <p:bold r:id="rId41"/>
-      <p:italic r:id="rId42"/>
-      <p:boldItalic r:id="rId43"/>
+      <p:regular r:id="rId41"/>
+      <p:bold r:id="rId42"/>
+      <p:italic r:id="rId43"/>
+      <p:boldItalic r:id="rId44"/>
     </p:embeddedFont>
     <p:embeddedFont>
       <p:font typeface="Corbel" panose="020B0503020204020204" pitchFamily="34" charset="0"/>
-      <p:regular r:id="rId44"/>
-      <p:bold r:id="rId45"/>
-      <p:italic r:id="rId46"/>
-      <p:boldItalic r:id="rId47"/>
+      <p:regular r:id="rId45"/>
+      <p:bold r:id="rId46"/>
+      <p:italic r:id="rId47"/>
+      <p:boldItalic r:id="rId48"/>
     </p:embeddedFont>
     <p:embeddedFont>
-      <p:font typeface="Franklin Gothic" panose="020B0603020102020204" pitchFamily="34" charset="0"/>
-      <p:regular r:id="rId48"/>
-      <p:bold r:id="rId49"/>
-      <p:italic r:id="rId50"/>
-      <p:boldItalic r:id="rId51"/>
+      <p:font typeface="Franklin Gothic" panose="020B0604020202020204" charset="0"/>
+      <p:regular r:id="rId49"/>
+      <p:bold r:id="rId50"/>
+      <p:italic r:id="rId51"/>
+      <p:boldItalic r:id="rId52"/>
     </p:embeddedFont>
     <p:embeddedFont>
-      <p:font typeface="Helvetica Neue" panose="02000503000000020004" pitchFamily="2" charset="0"/>
-      <p:regular r:id="rId52"/>
-      <p:bold r:id="rId53"/>
-      <p:italic r:id="rId54"/>
-      <p:boldItalic r:id="rId55"/>
+      <p:font typeface="Helvetica Neue" panose="020B0604020202020204" charset="0"/>
+      <p:regular r:id="rId53"/>
+      <p:bold r:id="rId54"/>
+      <p:italic r:id="rId55"/>
+      <p:boldItalic r:id="rId56"/>
+    </p:embeddedFont>
+    <p:embeddedFont>
+      <p:font typeface="Noto Sans Symbols" panose="020B0502040504020204" pitchFamily="34" charset="0"/>
+      <p:regular r:id="rId57"/>
+      <p:bold r:id="rId58"/>
     </p:embeddedFont>
     <p:embeddedFont>
       <p:font typeface="Tahoma" panose="020B0604030504040204" pitchFamily="34" charset="0"/>
-      <p:regular r:id="rId56"/>
-      <p:bold r:id="rId57"/>
+      <p:regular r:id="rId59"/>
+      <p:bold r:id="rId60"/>
     </p:embeddedFont>
   </p:embeddedFontLst>
   <p:defaultTextStyle>
@@ -345,7 +354,7 @@
       </p15:notesGuideLst>
     </p:ext>
     <p:ext uri="http://customooxmlschemas.google.com/">
-      <go:slidesCustomData xmlns="" xmlns:mc="http://schemas.openxmlformats.org/markup-compatibility/2006" xmlns:mv="urn:schemas-microsoft-com:mac:vml" xmlns:c="http://schemas.openxmlformats.org/drawingml/2006/chart" xmlns:dgm="http://schemas.openxmlformats.org/drawingml/2006/diagram" xmlns:o="urn:schemas-microsoft-com:office:office" xmlns:v="urn:schemas-microsoft-com:vml" xmlns:pvml="urn:schemas-microsoft-com:office:powerpoint" xmlns:com="http://schemas.openxmlformats.org/drawingml/2006/compatibility" xmlns:p14="http://schemas.microsoft.com/office/powerpoint/2010/main" xmlns:p15="http://schemas.microsoft.com/office/powerpoint/2012/main" xmlns:go="http://customooxmlschemas.google.com/" r:id="rId58" roundtripDataSignature="AMtx7mjV8pUO+Q9ektWNmIeN0WD9AxaToA=="/>
+      <go:slidesCustomData xmlns="" xmlns:mc="http://schemas.openxmlformats.org/markup-compatibility/2006" xmlns:mv="urn:schemas-microsoft-com:mac:vml" xmlns:c="http://schemas.openxmlformats.org/drawingml/2006/chart" xmlns:dgm="http://schemas.openxmlformats.org/drawingml/2006/diagram" xmlns:o="urn:schemas-microsoft-com:office:office" xmlns:v="urn:schemas-microsoft-com:vml" xmlns:pvml="urn:schemas-microsoft-com:office:powerpoint" xmlns:com="http://schemas.openxmlformats.org/drawingml/2006/compatibility" xmlns:p14="http://schemas.microsoft.com/office/powerpoint/2010/main" xmlns:p15="http://schemas.microsoft.com/office/powerpoint/2012/main" xmlns:go="http://customooxmlschemas.google.com/" r:id="rId61" roundtripDataSignature="AMtx7mjV8pUO+Q9ektWNmIeN0WD9AxaToA=="/>
     </p:ext>
   </p:extLst>
 </p:presentation>
@@ -5532,15 +5541,7 @@
             </a:pPr>
             <a:r>
               <a:rPr lang="en-US" dirty="0"/>
-              <a:t>It can get annoying to repeatedly reassemble the data, so we can create a view of the nested </a:t>
-            </a:r>
-            <a:r>
-              <a:rPr lang="en-US" dirty="0" err="1"/>
-              <a:t>reprentation</a:t>
-            </a:r>
-            <a:r>
-              <a:rPr lang="en-US" dirty="0"/>
-              <a:t>.</a:t>
+              <a:t>It can get annoying to repeatedly reassemble the data, so we can create a view of the nested representation.</a:t>
             </a:r>
           </a:p>
           <a:p>
@@ -8051,1715 +8052,6 @@
 </file>
 
 <file path=ppt/slideLayouts/slideLayout10.xml><?xml version="1.0" encoding="utf-8"?>
-<p:sldLayout xmlns:a="http://schemas.openxmlformats.org/drawingml/2006/main" xmlns:r="http://schemas.openxmlformats.org/officeDocument/2006/relationships" xmlns:p="http://schemas.openxmlformats.org/presentationml/2006/main" matchingName="Quote with Caption">
-  <p:cSld name="Quote with Caption">
-    <p:spTree>
-      <p:nvGrpSpPr>
-        <p:cNvPr id="1" name="Shape 80"/>
-        <p:cNvGrpSpPr/>
-        <p:nvPr/>
-      </p:nvGrpSpPr>
-      <p:grpSpPr>
-        <a:xfrm>
-          <a:off x="0" y="0"/>
-          <a:ext cx="0" cy="0"/>
-          <a:chOff x="0" y="0"/>
-          <a:chExt cx="0" cy="0"/>
-        </a:xfrm>
-      </p:grpSpPr>
-      <p:sp>
-        <p:nvSpPr>
-          <p:cNvPr id="81" name="Google Shape;81;p62"/>
-          <p:cNvSpPr txBox="1"/>
-          <p:nvPr/>
-        </p:nvSpPr>
-        <p:spPr>
-          <a:xfrm>
-            <a:off x="1198959" y="719186"/>
-            <a:ext cx="457200" cy="487313"/>
-          </a:xfrm>
-          <a:prstGeom prst="rect">
-            <a:avLst/>
-          </a:prstGeom>
-          <a:noFill/>
-          <a:ln>
-            <a:noFill/>
-          </a:ln>
-        </p:spPr>
-        <p:txBody>
-          <a:bodyPr spcFirstLastPara="1" wrap="square" lIns="57150" tIns="28575" rIns="57150" bIns="28575" anchor="ctr" anchorCtr="0">
-            <a:noAutofit/>
-          </a:bodyPr>
-          <a:lstStyle/>
-          <a:p>
-            <a:pPr marL="0" marR="0" lvl="0" indent="0" algn="ctr" rtl="0">
-              <a:lnSpc>
-                <a:spcPct val="100000"/>
-              </a:lnSpc>
-              <a:spcBef>
-                <a:spcPts val="0"/>
-              </a:spcBef>
-              <a:spcAft>
-                <a:spcPts val="0"/>
-              </a:spcAft>
-              <a:buClr>
-                <a:schemeClr val="hlink"/>
-              </a:buClr>
-              <a:buSzPts val="2750"/>
-              <a:buFont typeface="Noto Sans Symbols"/>
-              <a:buNone/>
-            </a:pPr>
-            <a:r>
-              <a:rPr lang="en-US" sz="5000" b="0" i="0" u="none" strike="noStrike" cap="none">
-                <a:solidFill>
-                  <a:schemeClr val="dk1"/>
-                </a:solidFill>
-                <a:latin typeface="Tahoma"/>
-                <a:ea typeface="Tahoma"/>
-                <a:cs typeface="Tahoma"/>
-                <a:sym typeface="Tahoma"/>
-              </a:rPr>
-              <a:t>“</a:t>
-            </a:r>
-            <a:endParaRPr/>
-          </a:p>
-        </p:txBody>
-      </p:sp>
-      <p:sp>
-        <p:nvSpPr>
-          <p:cNvPr id="82" name="Google Shape;82;p62"/>
-          <p:cNvSpPr txBox="1"/>
-          <p:nvPr/>
-        </p:nvSpPr>
-        <p:spPr>
-          <a:xfrm>
-            <a:off x="8170069" y="2349499"/>
-            <a:ext cx="457200" cy="487313"/>
-          </a:xfrm>
-          <a:prstGeom prst="rect">
-            <a:avLst/>
-          </a:prstGeom>
-          <a:noFill/>
-          <a:ln>
-            <a:noFill/>
-          </a:ln>
-        </p:spPr>
-        <p:txBody>
-          <a:bodyPr spcFirstLastPara="1" wrap="square" lIns="57150" tIns="28575" rIns="57150" bIns="28575" anchor="ctr" anchorCtr="0">
-            <a:noAutofit/>
-          </a:bodyPr>
-          <a:lstStyle/>
-          <a:p>
-            <a:pPr marL="0" marR="0" lvl="0" indent="0" algn="r" rtl="0">
-              <a:lnSpc>
-                <a:spcPct val="100000"/>
-              </a:lnSpc>
-              <a:spcBef>
-                <a:spcPts val="0"/>
-              </a:spcBef>
-              <a:spcAft>
-                <a:spcPts val="0"/>
-              </a:spcAft>
-              <a:buClr>
-                <a:schemeClr val="hlink"/>
-              </a:buClr>
-              <a:buSzPts val="2750"/>
-              <a:buFont typeface="Noto Sans Symbols"/>
-              <a:buNone/>
-            </a:pPr>
-            <a:r>
-              <a:rPr lang="en-US" sz="5000" b="0" i="0" u="none" strike="noStrike" cap="none">
-                <a:solidFill>
-                  <a:schemeClr val="dk1"/>
-                </a:solidFill>
-                <a:latin typeface="Tahoma"/>
-                <a:ea typeface="Tahoma"/>
-                <a:cs typeface="Tahoma"/>
-                <a:sym typeface="Tahoma"/>
-              </a:rPr>
-              <a:t>”</a:t>
-            </a:r>
-            <a:endParaRPr/>
-          </a:p>
-        </p:txBody>
-      </p:sp>
-      <p:sp>
-        <p:nvSpPr>
-          <p:cNvPr id="83" name="Google Shape;83;p62"/>
-          <p:cNvSpPr txBox="1">
-            <a:spLocks noGrp="1"/>
-          </p:cNvSpPr>
-          <p:nvPr>
-            <p:ph type="title"/>
-          </p:nvPr>
-        </p:nvSpPr>
-        <p:spPr>
-          <a:xfrm>
-            <a:off x="1656161" y="571501"/>
-            <a:ext cx="6742509" cy="2285999"/>
-          </a:xfrm>
-          <a:prstGeom prst="rect">
-            <a:avLst/>
-          </a:prstGeom>
-          <a:noFill/>
-          <a:ln>
-            <a:noFill/>
-          </a:ln>
-        </p:spPr>
-        <p:txBody>
-          <a:bodyPr spcFirstLastPara="1" wrap="square" lIns="91425" tIns="91425" rIns="91425" bIns="91425" anchor="ctr" anchorCtr="0">
-            <a:noAutofit/>
-          </a:bodyPr>
-          <a:lstStyle>
-            <a:lvl1pPr marR="0" lvl="0" algn="ctr">
-              <a:lnSpc>
-                <a:spcPct val="100000"/>
-              </a:lnSpc>
-              <a:spcBef>
-                <a:spcPts val="0"/>
-              </a:spcBef>
-              <a:spcAft>
-                <a:spcPts val="0"/>
-              </a:spcAft>
-              <a:buClr>
-                <a:schemeClr val="dk1"/>
-              </a:buClr>
-              <a:buSzPts val="3600"/>
-              <a:buFont typeface="Franklin Gothic"/>
-              <a:buNone/>
-              <a:defRPr sz="3600" b="0" i="0" u="none" strike="noStrike" cap="none">
-                <a:solidFill>
-                  <a:schemeClr val="dk1"/>
-                </a:solidFill>
-                <a:latin typeface="Franklin Gothic"/>
-                <a:ea typeface="Franklin Gothic"/>
-                <a:cs typeface="Franklin Gothic"/>
-                <a:sym typeface="Franklin Gothic"/>
-              </a:defRPr>
-            </a:lvl1pPr>
-            <a:lvl2pPr marR="0" lvl="1" algn="l">
-              <a:spcBef>
-                <a:spcPts val="0"/>
-              </a:spcBef>
-              <a:spcAft>
-                <a:spcPts val="0"/>
-              </a:spcAft>
-              <a:buClr>
-                <a:schemeClr val="dk2"/>
-              </a:buClr>
-              <a:buSzPts val="1400"/>
-              <a:buNone/>
-              <a:defRPr sz="1800" b="0" i="0" u="none" strike="noStrike" cap="none">
-                <a:solidFill>
-                  <a:schemeClr val="dk2"/>
-                </a:solidFill>
-              </a:defRPr>
-            </a:lvl2pPr>
-            <a:lvl3pPr marR="0" lvl="2" algn="l">
-              <a:spcBef>
-                <a:spcPts val="0"/>
-              </a:spcBef>
-              <a:spcAft>
-                <a:spcPts val="0"/>
-              </a:spcAft>
-              <a:buClr>
-                <a:schemeClr val="dk2"/>
-              </a:buClr>
-              <a:buSzPts val="1400"/>
-              <a:buNone/>
-              <a:defRPr sz="1800" b="0" i="0" u="none" strike="noStrike" cap="none">
-                <a:solidFill>
-                  <a:schemeClr val="dk2"/>
-                </a:solidFill>
-              </a:defRPr>
-            </a:lvl3pPr>
-            <a:lvl4pPr marR="0" lvl="3" algn="l">
-              <a:spcBef>
-                <a:spcPts val="0"/>
-              </a:spcBef>
-              <a:spcAft>
-                <a:spcPts val="0"/>
-              </a:spcAft>
-              <a:buClr>
-                <a:schemeClr val="dk2"/>
-              </a:buClr>
-              <a:buSzPts val="1400"/>
-              <a:buNone/>
-              <a:defRPr sz="1800" b="0" i="0" u="none" strike="noStrike" cap="none">
-                <a:solidFill>
-                  <a:schemeClr val="dk2"/>
-                </a:solidFill>
-              </a:defRPr>
-            </a:lvl4pPr>
-            <a:lvl5pPr marR="0" lvl="4" algn="l">
-              <a:spcBef>
-                <a:spcPts val="0"/>
-              </a:spcBef>
-              <a:spcAft>
-                <a:spcPts val="0"/>
-              </a:spcAft>
-              <a:buClr>
-                <a:schemeClr val="dk2"/>
-              </a:buClr>
-              <a:buSzPts val="1400"/>
-              <a:buNone/>
-              <a:defRPr sz="1800" b="0" i="0" u="none" strike="noStrike" cap="none">
-                <a:solidFill>
-                  <a:schemeClr val="dk2"/>
-                </a:solidFill>
-              </a:defRPr>
-            </a:lvl5pPr>
-            <a:lvl6pPr marR="0" lvl="5" algn="l">
-              <a:spcBef>
-                <a:spcPts val="0"/>
-              </a:spcBef>
-              <a:spcAft>
-                <a:spcPts val="0"/>
-              </a:spcAft>
-              <a:buClr>
-                <a:schemeClr val="dk2"/>
-              </a:buClr>
-              <a:buSzPts val="1400"/>
-              <a:buNone/>
-              <a:defRPr sz="1800" b="0" i="0" u="none" strike="noStrike" cap="none">
-                <a:solidFill>
-                  <a:schemeClr val="dk2"/>
-                </a:solidFill>
-              </a:defRPr>
-            </a:lvl6pPr>
-            <a:lvl7pPr marR="0" lvl="6" algn="l">
-              <a:spcBef>
-                <a:spcPts val="0"/>
-              </a:spcBef>
-              <a:spcAft>
-                <a:spcPts val="0"/>
-              </a:spcAft>
-              <a:buClr>
-                <a:schemeClr val="dk2"/>
-              </a:buClr>
-              <a:buSzPts val="1400"/>
-              <a:buNone/>
-              <a:defRPr sz="1800" b="0" i="0" u="none" strike="noStrike" cap="none">
-                <a:solidFill>
-                  <a:schemeClr val="dk2"/>
-                </a:solidFill>
-              </a:defRPr>
-            </a:lvl7pPr>
-            <a:lvl8pPr marR="0" lvl="7" algn="l">
-              <a:spcBef>
-                <a:spcPts val="0"/>
-              </a:spcBef>
-              <a:spcAft>
-                <a:spcPts val="0"/>
-              </a:spcAft>
-              <a:buClr>
-                <a:schemeClr val="dk2"/>
-              </a:buClr>
-              <a:buSzPts val="1400"/>
-              <a:buNone/>
-              <a:defRPr sz="1800" b="0" i="0" u="none" strike="noStrike" cap="none">
-                <a:solidFill>
-                  <a:schemeClr val="dk2"/>
-                </a:solidFill>
-              </a:defRPr>
-            </a:lvl8pPr>
-            <a:lvl9pPr marR="0" lvl="8" algn="l">
-              <a:spcBef>
-                <a:spcPts val="0"/>
-              </a:spcBef>
-              <a:spcAft>
-                <a:spcPts val="0"/>
-              </a:spcAft>
-              <a:buClr>
-                <a:schemeClr val="dk2"/>
-              </a:buClr>
-              <a:buSzPts val="1400"/>
-              <a:buNone/>
-              <a:defRPr sz="1800" b="0" i="0" u="none" strike="noStrike" cap="none">
-                <a:solidFill>
-                  <a:schemeClr val="dk2"/>
-                </a:solidFill>
-              </a:defRPr>
-            </a:lvl9pPr>
-          </a:lstStyle>
-          <a:p>
-            <a:endParaRPr/>
-          </a:p>
-        </p:txBody>
-      </p:sp>
-      <p:sp>
-        <p:nvSpPr>
-          <p:cNvPr id="84" name="Google Shape;84;p62"/>
-          <p:cNvSpPr txBox="1">
-            <a:spLocks noGrp="1"/>
-          </p:cNvSpPr>
-          <p:nvPr>
-            <p:ph type="body" idx="1"/>
-          </p:nvPr>
-        </p:nvSpPr>
-        <p:spPr>
-          <a:xfrm>
-            <a:off x="1827611" y="2857499"/>
-            <a:ext cx="6399611" cy="317500"/>
-          </a:xfrm>
-          <a:prstGeom prst="rect">
-            <a:avLst/>
-          </a:prstGeom>
-          <a:noFill/>
-          <a:ln>
-            <a:noFill/>
-          </a:ln>
-        </p:spPr>
-        <p:txBody>
-          <a:bodyPr spcFirstLastPara="1" wrap="square" lIns="91425" tIns="91425" rIns="91425" bIns="91425" anchor="ctr" anchorCtr="0">
-            <a:noAutofit/>
-          </a:bodyPr>
-          <a:lstStyle>
-            <a:lvl1pPr marL="457200" marR="0" lvl="0" indent="-228600" algn="l">
-              <a:lnSpc>
-                <a:spcPct val="100000"/>
-              </a:lnSpc>
-              <a:spcBef>
-                <a:spcPts val="360"/>
-              </a:spcBef>
-              <a:spcAft>
-                <a:spcPts val="0"/>
-              </a:spcAft>
-              <a:buClr>
-                <a:srgbClr val="7E241A"/>
-              </a:buClr>
-              <a:buSzPts val="2610"/>
-              <a:buFont typeface="Arial"/>
-              <a:buNone/>
-              <a:defRPr sz="1800" b="0" i="0" u="none" strike="noStrike" cap="none">
-                <a:solidFill>
-                  <a:schemeClr val="dk1"/>
-                </a:solidFill>
-                <a:latin typeface="Constantia"/>
-                <a:ea typeface="Constantia"/>
-                <a:cs typeface="Constantia"/>
-                <a:sym typeface="Constantia"/>
-              </a:defRPr>
-            </a:lvl1pPr>
-            <a:lvl2pPr marL="914400" marR="0" lvl="1" indent="-228600" algn="l">
-              <a:lnSpc>
-                <a:spcPct val="100000"/>
-              </a:lnSpc>
-              <a:spcBef>
-                <a:spcPts val="440"/>
-              </a:spcBef>
-              <a:spcAft>
-                <a:spcPts val="0"/>
-              </a:spcAft>
-              <a:buClr>
-                <a:srgbClr val="7E241A"/>
-              </a:buClr>
-              <a:buSzPts val="3190"/>
-              <a:buFont typeface="Arial"/>
-              <a:buNone/>
-              <a:defRPr sz="2200" b="0" i="0" u="none" strike="noStrike" cap="none">
-                <a:solidFill>
-                  <a:schemeClr val="dk1"/>
-                </a:solidFill>
-                <a:latin typeface="Constantia"/>
-                <a:ea typeface="Constantia"/>
-                <a:cs typeface="Constantia"/>
-                <a:sym typeface="Constantia"/>
-              </a:defRPr>
-            </a:lvl2pPr>
-            <a:lvl3pPr marL="1371600" marR="0" lvl="2" indent="-228600" algn="l">
-              <a:lnSpc>
-                <a:spcPct val="100000"/>
-              </a:lnSpc>
-              <a:spcBef>
-                <a:spcPts val="400"/>
-              </a:spcBef>
-              <a:spcAft>
-                <a:spcPts val="0"/>
-              </a:spcAft>
-              <a:buClr>
-                <a:srgbClr val="7E241A"/>
-              </a:buClr>
-              <a:buSzPts val="2900"/>
-              <a:buFont typeface="Arial"/>
-              <a:buNone/>
-              <a:defRPr sz="2000" b="0" i="0" u="none" strike="noStrike" cap="none">
-                <a:solidFill>
-                  <a:schemeClr val="dk1"/>
-                </a:solidFill>
-                <a:latin typeface="Constantia"/>
-                <a:ea typeface="Constantia"/>
-                <a:cs typeface="Constantia"/>
-                <a:sym typeface="Constantia"/>
-              </a:defRPr>
-            </a:lvl3pPr>
-            <a:lvl4pPr marL="1828800" marR="0" lvl="3" indent="-228600" algn="l">
-              <a:lnSpc>
-                <a:spcPct val="100000"/>
-              </a:lnSpc>
-              <a:spcBef>
-                <a:spcPts val="375"/>
-              </a:spcBef>
-              <a:spcAft>
-                <a:spcPts val="0"/>
-              </a:spcAft>
-              <a:buClr>
-                <a:srgbClr val="7E241A"/>
-              </a:buClr>
-              <a:buSzPts val="2610"/>
-              <a:buFont typeface="Arial"/>
-              <a:buNone/>
-              <a:defRPr sz="1800" b="0" i="0" u="none" strike="noStrike" cap="none">
-                <a:solidFill>
-                  <a:schemeClr val="dk1"/>
-                </a:solidFill>
-                <a:latin typeface="Constantia"/>
-                <a:ea typeface="Constantia"/>
-                <a:cs typeface="Constantia"/>
-                <a:sym typeface="Constantia"/>
-              </a:defRPr>
-            </a:lvl4pPr>
-            <a:lvl5pPr marL="2286000" marR="0" lvl="4" indent="-228600" algn="l">
-              <a:lnSpc>
-                <a:spcPct val="100000"/>
-              </a:lnSpc>
-              <a:spcBef>
-                <a:spcPts val="375"/>
-              </a:spcBef>
-              <a:spcAft>
-                <a:spcPts val="0"/>
-              </a:spcAft>
-              <a:buClr>
-                <a:srgbClr val="7E241A"/>
-              </a:buClr>
-              <a:buSzPts val="2320"/>
-              <a:buFont typeface="Arial"/>
-              <a:buNone/>
-              <a:defRPr sz="1600" b="0" i="0" u="none" strike="noStrike" cap="none">
-                <a:solidFill>
-                  <a:schemeClr val="dk1"/>
-                </a:solidFill>
-                <a:latin typeface="Constantia"/>
-                <a:ea typeface="Constantia"/>
-                <a:cs typeface="Constantia"/>
-                <a:sym typeface="Constantia"/>
-              </a:defRPr>
-            </a:lvl5pPr>
-            <a:lvl6pPr marL="2743200" marR="0" lvl="5" indent="-309181" algn="l">
-              <a:lnSpc>
-                <a:spcPct val="100000"/>
-              </a:lnSpc>
-              <a:spcBef>
-                <a:spcPts val="375"/>
-              </a:spcBef>
-              <a:spcAft>
-                <a:spcPts val="0"/>
-              </a:spcAft>
-              <a:buClr>
-                <a:srgbClr val="7E241A"/>
-              </a:buClr>
-              <a:buSzPts val="1269"/>
-              <a:buFont typeface="Arial"/>
-              <a:buChar char="•"/>
-              <a:defRPr sz="875" b="0" i="0" u="none" strike="noStrike" cap="none">
-                <a:solidFill>
-                  <a:schemeClr val="dk1"/>
-                </a:solidFill>
-                <a:latin typeface="Corbel"/>
-                <a:ea typeface="Corbel"/>
-                <a:cs typeface="Corbel"/>
-                <a:sym typeface="Corbel"/>
-              </a:defRPr>
-            </a:lvl6pPr>
-            <a:lvl7pPr marL="3200400" marR="0" lvl="6" indent="-309181" algn="l">
-              <a:lnSpc>
-                <a:spcPct val="100000"/>
-              </a:lnSpc>
-              <a:spcBef>
-                <a:spcPts val="375"/>
-              </a:spcBef>
-              <a:spcAft>
-                <a:spcPts val="0"/>
-              </a:spcAft>
-              <a:buClr>
-                <a:srgbClr val="7E241A"/>
-              </a:buClr>
-              <a:buSzPts val="1269"/>
-              <a:buFont typeface="Arial"/>
-              <a:buChar char="•"/>
-              <a:defRPr sz="875" b="0" i="0" u="none" strike="noStrike" cap="none">
-                <a:solidFill>
-                  <a:schemeClr val="dk1"/>
-                </a:solidFill>
-                <a:latin typeface="Corbel"/>
-                <a:ea typeface="Corbel"/>
-                <a:cs typeface="Corbel"/>
-                <a:sym typeface="Corbel"/>
-              </a:defRPr>
-            </a:lvl7pPr>
-            <a:lvl8pPr marL="3657600" marR="0" lvl="7" indent="-309181" algn="l">
-              <a:lnSpc>
-                <a:spcPct val="100000"/>
-              </a:lnSpc>
-              <a:spcBef>
-                <a:spcPts val="375"/>
-              </a:spcBef>
-              <a:spcAft>
-                <a:spcPts val="0"/>
-              </a:spcAft>
-              <a:buClr>
-                <a:srgbClr val="7E241A"/>
-              </a:buClr>
-              <a:buSzPts val="1269"/>
-              <a:buFont typeface="Arial"/>
-              <a:buChar char="•"/>
-              <a:defRPr sz="875" b="0" i="0" u="none" strike="noStrike" cap="none">
-                <a:solidFill>
-                  <a:schemeClr val="dk1"/>
-                </a:solidFill>
-                <a:latin typeface="Corbel"/>
-                <a:ea typeface="Corbel"/>
-                <a:cs typeface="Corbel"/>
-                <a:sym typeface="Corbel"/>
-              </a:defRPr>
-            </a:lvl8pPr>
-            <a:lvl9pPr marL="4114800" marR="0" lvl="8" indent="-309181" algn="l">
-              <a:lnSpc>
-                <a:spcPct val="100000"/>
-              </a:lnSpc>
-              <a:spcBef>
-                <a:spcPts val="375"/>
-              </a:spcBef>
-              <a:spcAft>
-                <a:spcPts val="375"/>
-              </a:spcAft>
-              <a:buClr>
-                <a:srgbClr val="7E241A"/>
-              </a:buClr>
-              <a:buSzPts val="1269"/>
-              <a:buFont typeface="Arial"/>
-              <a:buChar char="•"/>
-              <a:defRPr sz="875" b="0" i="0" u="none" strike="noStrike" cap="none">
-                <a:solidFill>
-                  <a:schemeClr val="dk1"/>
-                </a:solidFill>
-                <a:latin typeface="Corbel"/>
-                <a:ea typeface="Corbel"/>
-                <a:cs typeface="Corbel"/>
-                <a:sym typeface="Corbel"/>
-              </a:defRPr>
-            </a:lvl9pPr>
-          </a:lstStyle>
-          <a:p>
-            <a:endParaRPr/>
-          </a:p>
-        </p:txBody>
-      </p:sp>
-      <p:sp>
-        <p:nvSpPr>
-          <p:cNvPr id="85" name="Google Shape;85;p62"/>
-          <p:cNvSpPr txBox="1">
-            <a:spLocks noGrp="1"/>
-          </p:cNvSpPr>
-          <p:nvPr>
-            <p:ph type="body" idx="2"/>
-          </p:nvPr>
-        </p:nvSpPr>
-        <p:spPr>
-          <a:xfrm>
-            <a:off x="1113236" y="3619500"/>
-            <a:ext cx="7514033" cy="1206500"/>
-          </a:xfrm>
-          <a:prstGeom prst="rect">
-            <a:avLst/>
-          </a:prstGeom>
-          <a:noFill/>
-          <a:ln>
-            <a:noFill/>
-          </a:ln>
-        </p:spPr>
-        <p:txBody>
-          <a:bodyPr spcFirstLastPara="1" wrap="square" lIns="91425" tIns="91425" rIns="91425" bIns="91425" anchor="ctr" anchorCtr="0">
-            <a:noAutofit/>
-          </a:bodyPr>
-          <a:lstStyle>
-            <a:lvl1pPr marL="457200" marR="0" lvl="0" indent="-228600" algn="ctr">
-              <a:lnSpc>
-                <a:spcPct val="100000"/>
-              </a:lnSpc>
-              <a:spcBef>
-                <a:spcPts val="400"/>
-              </a:spcBef>
-              <a:spcAft>
-                <a:spcPts val="0"/>
-              </a:spcAft>
-              <a:buClr>
-                <a:srgbClr val="7E241A"/>
-              </a:buClr>
-              <a:buSzPts val="2900"/>
-              <a:buFont typeface="Arial"/>
-              <a:buNone/>
-              <a:defRPr sz="2000" b="0" i="0" u="none" strike="noStrike" cap="none">
-                <a:solidFill>
-                  <a:schemeClr val="dk1"/>
-                </a:solidFill>
-                <a:latin typeface="Constantia"/>
-                <a:ea typeface="Constantia"/>
-                <a:cs typeface="Constantia"/>
-                <a:sym typeface="Constantia"/>
-              </a:defRPr>
-            </a:lvl1pPr>
-            <a:lvl2pPr marL="914400" marR="0" lvl="1" indent="-228600" algn="l">
-              <a:lnSpc>
-                <a:spcPct val="100000"/>
-              </a:lnSpc>
-              <a:spcBef>
-                <a:spcPts val="375"/>
-              </a:spcBef>
-              <a:spcAft>
-                <a:spcPts val="0"/>
-              </a:spcAft>
-              <a:buClr>
-                <a:srgbClr val="7E241A"/>
-              </a:buClr>
-              <a:buSzPts val="1631"/>
-              <a:buFont typeface="Arial"/>
-              <a:buNone/>
-              <a:defRPr sz="1125" b="0" i="0" u="none" strike="noStrike" cap="none">
-                <a:solidFill>
-                  <a:srgbClr val="8891AD"/>
-                </a:solidFill>
-                <a:latin typeface="Constantia"/>
-                <a:ea typeface="Constantia"/>
-                <a:cs typeface="Constantia"/>
-                <a:sym typeface="Constantia"/>
-              </a:defRPr>
-            </a:lvl2pPr>
-            <a:lvl3pPr marL="1371600" marR="0" lvl="2" indent="-228600" algn="l">
-              <a:lnSpc>
-                <a:spcPct val="100000"/>
-              </a:lnSpc>
-              <a:spcBef>
-                <a:spcPts val="375"/>
-              </a:spcBef>
-              <a:spcAft>
-                <a:spcPts val="0"/>
-              </a:spcAft>
-              <a:buClr>
-                <a:srgbClr val="7E241A"/>
-              </a:buClr>
-              <a:buSzPts val="1450"/>
-              <a:buFont typeface="Arial"/>
-              <a:buNone/>
-              <a:defRPr sz="1000" b="0" i="0" u="none" strike="noStrike" cap="none">
-                <a:solidFill>
-                  <a:srgbClr val="8891AD"/>
-                </a:solidFill>
-                <a:latin typeface="Constantia"/>
-                <a:ea typeface="Constantia"/>
-                <a:cs typeface="Constantia"/>
-                <a:sym typeface="Constantia"/>
-              </a:defRPr>
-            </a:lvl3pPr>
-            <a:lvl4pPr marL="1828800" marR="0" lvl="3" indent="-228600" algn="l">
-              <a:lnSpc>
-                <a:spcPct val="100000"/>
-              </a:lnSpc>
-              <a:spcBef>
-                <a:spcPts val="375"/>
-              </a:spcBef>
-              <a:spcAft>
-                <a:spcPts val="0"/>
-              </a:spcAft>
-              <a:buClr>
-                <a:srgbClr val="7E241A"/>
-              </a:buClr>
-              <a:buSzPts val="1269"/>
-              <a:buFont typeface="Arial"/>
-              <a:buNone/>
-              <a:defRPr sz="875" b="0" i="0" u="none" strike="noStrike" cap="none">
-                <a:solidFill>
-                  <a:srgbClr val="8891AD"/>
-                </a:solidFill>
-                <a:latin typeface="Constantia"/>
-                <a:ea typeface="Constantia"/>
-                <a:cs typeface="Constantia"/>
-                <a:sym typeface="Constantia"/>
-              </a:defRPr>
-            </a:lvl4pPr>
-            <a:lvl5pPr marL="2286000" marR="0" lvl="4" indent="-228600" algn="l">
-              <a:lnSpc>
-                <a:spcPct val="100000"/>
-              </a:lnSpc>
-              <a:spcBef>
-                <a:spcPts val="375"/>
-              </a:spcBef>
-              <a:spcAft>
-                <a:spcPts val="0"/>
-              </a:spcAft>
-              <a:buClr>
-                <a:srgbClr val="7E241A"/>
-              </a:buClr>
-              <a:buSzPts val="1269"/>
-              <a:buFont typeface="Arial"/>
-              <a:buNone/>
-              <a:defRPr sz="875" b="0" i="0" u="none" strike="noStrike" cap="none">
-                <a:solidFill>
-                  <a:srgbClr val="8891AD"/>
-                </a:solidFill>
-                <a:latin typeface="Constantia"/>
-                <a:ea typeface="Constantia"/>
-                <a:cs typeface="Constantia"/>
-                <a:sym typeface="Constantia"/>
-              </a:defRPr>
-            </a:lvl5pPr>
-            <a:lvl6pPr marL="2743200" marR="0" lvl="5" indent="-228600" algn="l">
-              <a:lnSpc>
-                <a:spcPct val="100000"/>
-              </a:lnSpc>
-              <a:spcBef>
-                <a:spcPts val="375"/>
-              </a:spcBef>
-              <a:spcAft>
-                <a:spcPts val="0"/>
-              </a:spcAft>
-              <a:buClr>
-                <a:srgbClr val="7E241A"/>
-              </a:buClr>
-              <a:buSzPts val="1269"/>
-              <a:buFont typeface="Arial"/>
-              <a:buNone/>
-              <a:defRPr sz="875" b="0" i="0" u="none" strike="noStrike" cap="none">
-                <a:solidFill>
-                  <a:srgbClr val="8891AD"/>
-                </a:solidFill>
-                <a:latin typeface="Corbel"/>
-                <a:ea typeface="Corbel"/>
-                <a:cs typeface="Corbel"/>
-                <a:sym typeface="Corbel"/>
-              </a:defRPr>
-            </a:lvl6pPr>
-            <a:lvl7pPr marL="3200400" marR="0" lvl="6" indent="-228600" algn="l">
-              <a:lnSpc>
-                <a:spcPct val="100000"/>
-              </a:lnSpc>
-              <a:spcBef>
-                <a:spcPts val="375"/>
-              </a:spcBef>
-              <a:spcAft>
-                <a:spcPts val="0"/>
-              </a:spcAft>
-              <a:buClr>
-                <a:srgbClr val="7E241A"/>
-              </a:buClr>
-              <a:buSzPts val="1269"/>
-              <a:buFont typeface="Arial"/>
-              <a:buNone/>
-              <a:defRPr sz="875" b="0" i="0" u="none" strike="noStrike" cap="none">
-                <a:solidFill>
-                  <a:srgbClr val="8891AD"/>
-                </a:solidFill>
-                <a:latin typeface="Corbel"/>
-                <a:ea typeface="Corbel"/>
-                <a:cs typeface="Corbel"/>
-                <a:sym typeface="Corbel"/>
-              </a:defRPr>
-            </a:lvl7pPr>
-            <a:lvl8pPr marL="3657600" marR="0" lvl="7" indent="-228600" algn="l">
-              <a:lnSpc>
-                <a:spcPct val="100000"/>
-              </a:lnSpc>
-              <a:spcBef>
-                <a:spcPts val="375"/>
-              </a:spcBef>
-              <a:spcAft>
-                <a:spcPts val="0"/>
-              </a:spcAft>
-              <a:buClr>
-                <a:srgbClr val="7E241A"/>
-              </a:buClr>
-              <a:buSzPts val="1269"/>
-              <a:buFont typeface="Arial"/>
-              <a:buNone/>
-              <a:defRPr sz="875" b="0" i="0" u="none" strike="noStrike" cap="none">
-                <a:solidFill>
-                  <a:srgbClr val="8891AD"/>
-                </a:solidFill>
-                <a:latin typeface="Corbel"/>
-                <a:ea typeface="Corbel"/>
-                <a:cs typeface="Corbel"/>
-                <a:sym typeface="Corbel"/>
-              </a:defRPr>
-            </a:lvl8pPr>
-            <a:lvl9pPr marL="4114800" marR="0" lvl="8" indent="-228600" algn="l">
-              <a:lnSpc>
-                <a:spcPct val="100000"/>
-              </a:lnSpc>
-              <a:spcBef>
-                <a:spcPts val="375"/>
-              </a:spcBef>
-              <a:spcAft>
-                <a:spcPts val="375"/>
-              </a:spcAft>
-              <a:buClr>
-                <a:srgbClr val="7E241A"/>
-              </a:buClr>
-              <a:buSzPts val="1269"/>
-              <a:buFont typeface="Arial"/>
-              <a:buNone/>
-              <a:defRPr sz="875" b="0" i="0" u="none" strike="noStrike" cap="none">
-                <a:solidFill>
-                  <a:srgbClr val="8891AD"/>
-                </a:solidFill>
-                <a:latin typeface="Corbel"/>
-                <a:ea typeface="Corbel"/>
-                <a:cs typeface="Corbel"/>
-                <a:sym typeface="Corbel"/>
-              </a:defRPr>
-            </a:lvl9pPr>
-          </a:lstStyle>
-          <a:p>
-            <a:endParaRPr/>
-          </a:p>
-        </p:txBody>
-      </p:sp>
-      <p:sp>
-        <p:nvSpPr>
-          <p:cNvPr id="86" name="Google Shape;86;p62"/>
-          <p:cNvSpPr txBox="1">
-            <a:spLocks noGrp="1"/>
-          </p:cNvSpPr>
-          <p:nvPr>
-            <p:ph type="dt" idx="10"/>
-          </p:nvPr>
-        </p:nvSpPr>
-        <p:spPr>
-          <a:xfrm>
-            <a:off x="7299491" y="5258597"/>
-            <a:ext cx="857250" cy="304271"/>
-          </a:xfrm>
-          <a:prstGeom prst="rect">
-            <a:avLst/>
-          </a:prstGeom>
-          <a:noFill/>
-          <a:ln>
-            <a:noFill/>
-          </a:ln>
-        </p:spPr>
-        <p:txBody>
-          <a:bodyPr spcFirstLastPara="1" wrap="square" lIns="91425" tIns="91425" rIns="91425" bIns="91425" anchor="ctr" anchorCtr="0">
-            <a:noAutofit/>
-          </a:bodyPr>
-          <a:lstStyle>
-            <a:lvl1pPr marR="0" lvl="0" algn="r">
-              <a:lnSpc>
-                <a:spcPct val="100000"/>
-              </a:lnSpc>
-              <a:spcBef>
-                <a:spcPts val="160"/>
-              </a:spcBef>
-              <a:spcAft>
-                <a:spcPts val="0"/>
-              </a:spcAft>
-              <a:buClr>
-                <a:schemeClr val="dk1"/>
-              </a:buClr>
-              <a:buSzPts val="1400"/>
-              <a:buFont typeface="Corbel"/>
-              <a:buNone/>
-              <a:defRPr sz="800" b="0" i="0">
-                <a:solidFill>
-                  <a:schemeClr val="dk1"/>
-                </a:solidFill>
-                <a:latin typeface="Corbel"/>
-                <a:ea typeface="Corbel"/>
-                <a:cs typeface="Corbel"/>
-                <a:sym typeface="Corbel"/>
-              </a:defRPr>
-            </a:lvl1pPr>
-            <a:lvl2pPr marR="0" lvl="1" algn="ctr">
-              <a:lnSpc>
-                <a:spcPct val="100000"/>
-              </a:lnSpc>
-              <a:spcBef>
-                <a:spcPts val="400"/>
-              </a:spcBef>
-              <a:spcAft>
-                <a:spcPts val="0"/>
-              </a:spcAft>
-              <a:buClr>
-                <a:schemeClr val="dk1"/>
-              </a:buClr>
-              <a:buSzPts val="1400"/>
-              <a:buFont typeface="Tahoma"/>
-              <a:buNone/>
-              <a:defRPr sz="2000" b="0" i="0" u="none" strike="noStrike" cap="none">
-                <a:solidFill>
-                  <a:schemeClr val="dk1"/>
-                </a:solidFill>
-                <a:latin typeface="Tahoma"/>
-                <a:ea typeface="Tahoma"/>
-                <a:cs typeface="Tahoma"/>
-                <a:sym typeface="Tahoma"/>
-              </a:defRPr>
-            </a:lvl2pPr>
-            <a:lvl3pPr marR="0" lvl="2" algn="ctr">
-              <a:lnSpc>
-                <a:spcPct val="100000"/>
-              </a:lnSpc>
-              <a:spcBef>
-                <a:spcPts val="400"/>
-              </a:spcBef>
-              <a:spcAft>
-                <a:spcPts val="0"/>
-              </a:spcAft>
-              <a:buClr>
-                <a:schemeClr val="dk1"/>
-              </a:buClr>
-              <a:buSzPts val="1400"/>
-              <a:buFont typeface="Tahoma"/>
-              <a:buNone/>
-              <a:defRPr sz="2000" b="0" i="0" u="none" strike="noStrike" cap="none">
-                <a:solidFill>
-                  <a:schemeClr val="dk1"/>
-                </a:solidFill>
-                <a:latin typeface="Tahoma"/>
-                <a:ea typeface="Tahoma"/>
-                <a:cs typeface="Tahoma"/>
-                <a:sym typeface="Tahoma"/>
-              </a:defRPr>
-            </a:lvl3pPr>
-            <a:lvl4pPr marR="0" lvl="3" algn="ctr">
-              <a:lnSpc>
-                <a:spcPct val="100000"/>
-              </a:lnSpc>
-              <a:spcBef>
-                <a:spcPts val="400"/>
-              </a:spcBef>
-              <a:spcAft>
-                <a:spcPts val="0"/>
-              </a:spcAft>
-              <a:buClr>
-                <a:schemeClr val="dk1"/>
-              </a:buClr>
-              <a:buSzPts val="1400"/>
-              <a:buFont typeface="Tahoma"/>
-              <a:buNone/>
-              <a:defRPr sz="2000" b="0" i="0" u="none" strike="noStrike" cap="none">
-                <a:solidFill>
-                  <a:schemeClr val="dk1"/>
-                </a:solidFill>
-                <a:latin typeface="Tahoma"/>
-                <a:ea typeface="Tahoma"/>
-                <a:cs typeface="Tahoma"/>
-                <a:sym typeface="Tahoma"/>
-              </a:defRPr>
-            </a:lvl4pPr>
-            <a:lvl5pPr marR="0" lvl="4" algn="ctr">
-              <a:lnSpc>
-                <a:spcPct val="100000"/>
-              </a:lnSpc>
-              <a:spcBef>
-                <a:spcPts val="400"/>
-              </a:spcBef>
-              <a:spcAft>
-                <a:spcPts val="0"/>
-              </a:spcAft>
-              <a:buClr>
-                <a:schemeClr val="dk1"/>
-              </a:buClr>
-              <a:buSzPts val="1400"/>
-              <a:buFont typeface="Tahoma"/>
-              <a:buNone/>
-              <a:defRPr sz="2000" b="0" i="0" u="none" strike="noStrike" cap="none">
-                <a:solidFill>
-                  <a:schemeClr val="dk1"/>
-                </a:solidFill>
-                <a:latin typeface="Tahoma"/>
-                <a:ea typeface="Tahoma"/>
-                <a:cs typeface="Tahoma"/>
-                <a:sym typeface="Tahoma"/>
-              </a:defRPr>
-            </a:lvl5pPr>
-            <a:lvl6pPr marR="0" lvl="5" algn="l">
-              <a:lnSpc>
-                <a:spcPct val="100000"/>
-              </a:lnSpc>
-              <a:spcBef>
-                <a:spcPts val="0"/>
-              </a:spcBef>
-              <a:spcAft>
-                <a:spcPts val="0"/>
-              </a:spcAft>
-              <a:buClr>
-                <a:schemeClr val="dk1"/>
-              </a:buClr>
-              <a:buSzPts val="1400"/>
-              <a:buFont typeface="Tahoma"/>
-              <a:buNone/>
-              <a:defRPr sz="2000" b="0" i="0" u="none" strike="noStrike" cap="none">
-                <a:solidFill>
-                  <a:schemeClr val="dk1"/>
-                </a:solidFill>
-                <a:latin typeface="Tahoma"/>
-                <a:ea typeface="Tahoma"/>
-                <a:cs typeface="Tahoma"/>
-                <a:sym typeface="Tahoma"/>
-              </a:defRPr>
-            </a:lvl6pPr>
-            <a:lvl7pPr marR="0" lvl="6" algn="l">
-              <a:lnSpc>
-                <a:spcPct val="100000"/>
-              </a:lnSpc>
-              <a:spcBef>
-                <a:spcPts val="0"/>
-              </a:spcBef>
-              <a:spcAft>
-                <a:spcPts val="0"/>
-              </a:spcAft>
-              <a:buClr>
-                <a:schemeClr val="dk1"/>
-              </a:buClr>
-              <a:buSzPts val="1400"/>
-              <a:buFont typeface="Tahoma"/>
-              <a:buNone/>
-              <a:defRPr sz="2000" b="0" i="0" u="none" strike="noStrike" cap="none">
-                <a:solidFill>
-                  <a:schemeClr val="dk1"/>
-                </a:solidFill>
-                <a:latin typeface="Tahoma"/>
-                <a:ea typeface="Tahoma"/>
-                <a:cs typeface="Tahoma"/>
-                <a:sym typeface="Tahoma"/>
-              </a:defRPr>
-            </a:lvl7pPr>
-            <a:lvl8pPr marR="0" lvl="7" algn="l">
-              <a:lnSpc>
-                <a:spcPct val="100000"/>
-              </a:lnSpc>
-              <a:spcBef>
-                <a:spcPts val="0"/>
-              </a:spcBef>
-              <a:spcAft>
-                <a:spcPts val="0"/>
-              </a:spcAft>
-              <a:buClr>
-                <a:schemeClr val="dk1"/>
-              </a:buClr>
-              <a:buSzPts val="1400"/>
-              <a:buFont typeface="Tahoma"/>
-              <a:buNone/>
-              <a:defRPr sz="2000" b="0" i="0" u="none" strike="noStrike" cap="none">
-                <a:solidFill>
-                  <a:schemeClr val="dk1"/>
-                </a:solidFill>
-                <a:latin typeface="Tahoma"/>
-                <a:ea typeface="Tahoma"/>
-                <a:cs typeface="Tahoma"/>
-                <a:sym typeface="Tahoma"/>
-              </a:defRPr>
-            </a:lvl8pPr>
-            <a:lvl9pPr marR="0" lvl="8" algn="l">
-              <a:lnSpc>
-                <a:spcPct val="100000"/>
-              </a:lnSpc>
-              <a:spcBef>
-                <a:spcPts val="0"/>
-              </a:spcBef>
-              <a:spcAft>
-                <a:spcPts val="0"/>
-              </a:spcAft>
-              <a:buClr>
-                <a:schemeClr val="dk1"/>
-              </a:buClr>
-              <a:buSzPts val="1400"/>
-              <a:buFont typeface="Tahoma"/>
-              <a:buNone/>
-              <a:defRPr sz="2000" b="0" i="0" u="none" strike="noStrike" cap="none">
-                <a:solidFill>
-                  <a:schemeClr val="dk1"/>
-                </a:solidFill>
-                <a:latin typeface="Tahoma"/>
-                <a:ea typeface="Tahoma"/>
-                <a:cs typeface="Tahoma"/>
-                <a:sym typeface="Tahoma"/>
-              </a:defRPr>
-            </a:lvl9pPr>
-          </a:lstStyle>
-          <a:p>
-            <a:endParaRPr/>
-          </a:p>
-        </p:txBody>
-      </p:sp>
-      <p:sp>
-        <p:nvSpPr>
-          <p:cNvPr id="87" name="Google Shape;87;p62"/>
-          <p:cNvSpPr txBox="1">
-            <a:spLocks noGrp="1"/>
-          </p:cNvSpPr>
-          <p:nvPr>
-            <p:ph type="ftr" idx="11"/>
-          </p:nvPr>
-        </p:nvSpPr>
-        <p:spPr>
-          <a:xfrm>
-            <a:off x="1929211" y="5258597"/>
-            <a:ext cx="5313133" cy="304271"/>
-          </a:xfrm>
-          <a:prstGeom prst="rect">
-            <a:avLst/>
-          </a:prstGeom>
-          <a:noFill/>
-          <a:ln>
-            <a:noFill/>
-          </a:ln>
-        </p:spPr>
-        <p:txBody>
-          <a:bodyPr spcFirstLastPara="1" wrap="square" lIns="91425" tIns="91425" rIns="91425" bIns="91425" anchor="ctr" anchorCtr="0">
-            <a:noAutofit/>
-          </a:bodyPr>
-          <a:lstStyle>
-            <a:lvl1pPr marR="0" lvl="0" algn="l">
-              <a:lnSpc>
-                <a:spcPct val="100000"/>
-              </a:lnSpc>
-              <a:spcBef>
-                <a:spcPts val="160"/>
-              </a:spcBef>
-              <a:spcAft>
-                <a:spcPts val="0"/>
-              </a:spcAft>
-              <a:buClr>
-                <a:schemeClr val="dk1"/>
-              </a:buClr>
-              <a:buSzPts val="1400"/>
-              <a:buFont typeface="Corbel"/>
-              <a:buNone/>
-              <a:defRPr sz="800" b="0" i="0">
-                <a:solidFill>
-                  <a:schemeClr val="dk1"/>
-                </a:solidFill>
-                <a:latin typeface="Corbel"/>
-                <a:ea typeface="Corbel"/>
-                <a:cs typeface="Corbel"/>
-                <a:sym typeface="Corbel"/>
-              </a:defRPr>
-            </a:lvl1pPr>
-            <a:lvl2pPr marR="0" lvl="1" algn="ctr">
-              <a:lnSpc>
-                <a:spcPct val="100000"/>
-              </a:lnSpc>
-              <a:spcBef>
-                <a:spcPts val="400"/>
-              </a:spcBef>
-              <a:spcAft>
-                <a:spcPts val="0"/>
-              </a:spcAft>
-              <a:buClr>
-                <a:schemeClr val="dk1"/>
-              </a:buClr>
-              <a:buSzPts val="1400"/>
-              <a:buFont typeface="Tahoma"/>
-              <a:buNone/>
-              <a:defRPr sz="2000" b="0" i="0" u="none" strike="noStrike" cap="none">
-                <a:solidFill>
-                  <a:schemeClr val="dk1"/>
-                </a:solidFill>
-                <a:latin typeface="Tahoma"/>
-                <a:ea typeface="Tahoma"/>
-                <a:cs typeface="Tahoma"/>
-                <a:sym typeface="Tahoma"/>
-              </a:defRPr>
-            </a:lvl2pPr>
-            <a:lvl3pPr marR="0" lvl="2" algn="ctr">
-              <a:lnSpc>
-                <a:spcPct val="100000"/>
-              </a:lnSpc>
-              <a:spcBef>
-                <a:spcPts val="400"/>
-              </a:spcBef>
-              <a:spcAft>
-                <a:spcPts val="0"/>
-              </a:spcAft>
-              <a:buClr>
-                <a:schemeClr val="dk1"/>
-              </a:buClr>
-              <a:buSzPts val="1400"/>
-              <a:buFont typeface="Tahoma"/>
-              <a:buNone/>
-              <a:defRPr sz="2000" b="0" i="0" u="none" strike="noStrike" cap="none">
-                <a:solidFill>
-                  <a:schemeClr val="dk1"/>
-                </a:solidFill>
-                <a:latin typeface="Tahoma"/>
-                <a:ea typeface="Tahoma"/>
-                <a:cs typeface="Tahoma"/>
-                <a:sym typeface="Tahoma"/>
-              </a:defRPr>
-            </a:lvl3pPr>
-            <a:lvl4pPr marR="0" lvl="3" algn="ctr">
-              <a:lnSpc>
-                <a:spcPct val="100000"/>
-              </a:lnSpc>
-              <a:spcBef>
-                <a:spcPts val="400"/>
-              </a:spcBef>
-              <a:spcAft>
-                <a:spcPts val="0"/>
-              </a:spcAft>
-              <a:buClr>
-                <a:schemeClr val="dk1"/>
-              </a:buClr>
-              <a:buSzPts val="1400"/>
-              <a:buFont typeface="Tahoma"/>
-              <a:buNone/>
-              <a:defRPr sz="2000" b="0" i="0" u="none" strike="noStrike" cap="none">
-                <a:solidFill>
-                  <a:schemeClr val="dk1"/>
-                </a:solidFill>
-                <a:latin typeface="Tahoma"/>
-                <a:ea typeface="Tahoma"/>
-                <a:cs typeface="Tahoma"/>
-                <a:sym typeface="Tahoma"/>
-              </a:defRPr>
-            </a:lvl4pPr>
-            <a:lvl5pPr marR="0" lvl="4" algn="ctr">
-              <a:lnSpc>
-                <a:spcPct val="100000"/>
-              </a:lnSpc>
-              <a:spcBef>
-                <a:spcPts val="400"/>
-              </a:spcBef>
-              <a:spcAft>
-                <a:spcPts val="0"/>
-              </a:spcAft>
-              <a:buClr>
-                <a:schemeClr val="dk1"/>
-              </a:buClr>
-              <a:buSzPts val="1400"/>
-              <a:buFont typeface="Tahoma"/>
-              <a:buNone/>
-              <a:defRPr sz="2000" b="0" i="0" u="none" strike="noStrike" cap="none">
-                <a:solidFill>
-                  <a:schemeClr val="dk1"/>
-                </a:solidFill>
-                <a:latin typeface="Tahoma"/>
-                <a:ea typeface="Tahoma"/>
-                <a:cs typeface="Tahoma"/>
-                <a:sym typeface="Tahoma"/>
-              </a:defRPr>
-            </a:lvl5pPr>
-            <a:lvl6pPr marR="0" lvl="5" algn="l">
-              <a:lnSpc>
-                <a:spcPct val="100000"/>
-              </a:lnSpc>
-              <a:spcBef>
-                <a:spcPts val="0"/>
-              </a:spcBef>
-              <a:spcAft>
-                <a:spcPts val="0"/>
-              </a:spcAft>
-              <a:buClr>
-                <a:schemeClr val="dk1"/>
-              </a:buClr>
-              <a:buSzPts val="1400"/>
-              <a:buFont typeface="Tahoma"/>
-              <a:buNone/>
-              <a:defRPr sz="2000" b="0" i="0" u="none" strike="noStrike" cap="none">
-                <a:solidFill>
-                  <a:schemeClr val="dk1"/>
-                </a:solidFill>
-                <a:latin typeface="Tahoma"/>
-                <a:ea typeface="Tahoma"/>
-                <a:cs typeface="Tahoma"/>
-                <a:sym typeface="Tahoma"/>
-              </a:defRPr>
-            </a:lvl6pPr>
-            <a:lvl7pPr marR="0" lvl="6" algn="l">
-              <a:lnSpc>
-                <a:spcPct val="100000"/>
-              </a:lnSpc>
-              <a:spcBef>
-                <a:spcPts val="0"/>
-              </a:spcBef>
-              <a:spcAft>
-                <a:spcPts val="0"/>
-              </a:spcAft>
-              <a:buClr>
-                <a:schemeClr val="dk1"/>
-              </a:buClr>
-              <a:buSzPts val="1400"/>
-              <a:buFont typeface="Tahoma"/>
-              <a:buNone/>
-              <a:defRPr sz="2000" b="0" i="0" u="none" strike="noStrike" cap="none">
-                <a:solidFill>
-                  <a:schemeClr val="dk1"/>
-                </a:solidFill>
-                <a:latin typeface="Tahoma"/>
-                <a:ea typeface="Tahoma"/>
-                <a:cs typeface="Tahoma"/>
-                <a:sym typeface="Tahoma"/>
-              </a:defRPr>
-            </a:lvl7pPr>
-            <a:lvl8pPr marR="0" lvl="7" algn="l">
-              <a:lnSpc>
-                <a:spcPct val="100000"/>
-              </a:lnSpc>
-              <a:spcBef>
-                <a:spcPts val="0"/>
-              </a:spcBef>
-              <a:spcAft>
-                <a:spcPts val="0"/>
-              </a:spcAft>
-              <a:buClr>
-                <a:schemeClr val="dk1"/>
-              </a:buClr>
-              <a:buSzPts val="1400"/>
-              <a:buFont typeface="Tahoma"/>
-              <a:buNone/>
-              <a:defRPr sz="2000" b="0" i="0" u="none" strike="noStrike" cap="none">
-                <a:solidFill>
-                  <a:schemeClr val="dk1"/>
-                </a:solidFill>
-                <a:latin typeface="Tahoma"/>
-                <a:ea typeface="Tahoma"/>
-                <a:cs typeface="Tahoma"/>
-                <a:sym typeface="Tahoma"/>
-              </a:defRPr>
-            </a:lvl8pPr>
-            <a:lvl9pPr marR="0" lvl="8" algn="l">
-              <a:lnSpc>
-                <a:spcPct val="100000"/>
-              </a:lnSpc>
-              <a:spcBef>
-                <a:spcPts val="0"/>
-              </a:spcBef>
-              <a:spcAft>
-                <a:spcPts val="0"/>
-              </a:spcAft>
-              <a:buClr>
-                <a:schemeClr val="dk1"/>
-              </a:buClr>
-              <a:buSzPts val="1400"/>
-              <a:buFont typeface="Tahoma"/>
-              <a:buNone/>
-              <a:defRPr sz="2000" b="0" i="0" u="none" strike="noStrike" cap="none">
-                <a:solidFill>
-                  <a:schemeClr val="dk1"/>
-                </a:solidFill>
-                <a:latin typeface="Tahoma"/>
-                <a:ea typeface="Tahoma"/>
-                <a:cs typeface="Tahoma"/>
-                <a:sym typeface="Tahoma"/>
-              </a:defRPr>
-            </a:lvl9pPr>
-          </a:lstStyle>
-          <a:p>
-            <a:endParaRPr/>
-          </a:p>
-        </p:txBody>
-      </p:sp>
-      <p:sp>
-        <p:nvSpPr>
-          <p:cNvPr id="88" name="Google Shape;88;p62"/>
-          <p:cNvSpPr txBox="1">
-            <a:spLocks noGrp="1"/>
-          </p:cNvSpPr>
-          <p:nvPr>
-            <p:ph type="sldNum" idx="12"/>
-          </p:nvPr>
-        </p:nvSpPr>
-        <p:spPr>
-          <a:xfrm>
-            <a:off x="8213894" y="5258597"/>
-            <a:ext cx="413375" cy="304271"/>
-          </a:xfrm>
-          <a:prstGeom prst="rect">
-            <a:avLst/>
-          </a:prstGeom>
-          <a:noFill/>
-          <a:ln>
-            <a:noFill/>
-          </a:ln>
-        </p:spPr>
-        <p:txBody>
-          <a:bodyPr spcFirstLastPara="1" wrap="square" lIns="91425" tIns="45700" rIns="91425" bIns="45700" anchor="ctr" anchorCtr="0">
-            <a:noAutofit/>
-          </a:bodyPr>
-          <a:lstStyle>
-            <a:lvl1pPr marL="0" lvl="0" indent="0" algn="r">
-              <a:lnSpc>
-                <a:spcPct val="100000"/>
-              </a:lnSpc>
-              <a:spcBef>
-                <a:spcPts val="0"/>
-              </a:spcBef>
-              <a:spcAft>
-                <a:spcPts val="0"/>
-              </a:spcAft>
-              <a:buClr>
-                <a:srgbClr val="000000"/>
-              </a:buClr>
-              <a:buSzPts val="1400"/>
-              <a:buFont typeface="Arial"/>
-              <a:buNone/>
-              <a:defRPr/>
-            </a:lvl1pPr>
-            <a:lvl2pPr marL="0" lvl="1" indent="0" algn="r">
-              <a:lnSpc>
-                <a:spcPct val="100000"/>
-              </a:lnSpc>
-              <a:spcBef>
-                <a:spcPts val="0"/>
-              </a:spcBef>
-              <a:spcAft>
-                <a:spcPts val="0"/>
-              </a:spcAft>
-              <a:buClr>
-                <a:srgbClr val="000000"/>
-              </a:buClr>
-              <a:buSzPts val="1400"/>
-              <a:buFont typeface="Arial"/>
-              <a:buNone/>
-              <a:defRPr/>
-            </a:lvl2pPr>
-            <a:lvl3pPr marL="0" lvl="2" indent="0" algn="r">
-              <a:lnSpc>
-                <a:spcPct val="100000"/>
-              </a:lnSpc>
-              <a:spcBef>
-                <a:spcPts val="0"/>
-              </a:spcBef>
-              <a:spcAft>
-                <a:spcPts val="0"/>
-              </a:spcAft>
-              <a:buClr>
-                <a:srgbClr val="000000"/>
-              </a:buClr>
-              <a:buSzPts val="1400"/>
-              <a:buFont typeface="Arial"/>
-              <a:buNone/>
-              <a:defRPr/>
-            </a:lvl3pPr>
-            <a:lvl4pPr marL="0" lvl="3" indent="0" algn="r">
-              <a:lnSpc>
-                <a:spcPct val="100000"/>
-              </a:lnSpc>
-              <a:spcBef>
-                <a:spcPts val="0"/>
-              </a:spcBef>
-              <a:spcAft>
-                <a:spcPts val="0"/>
-              </a:spcAft>
-              <a:buClr>
-                <a:srgbClr val="000000"/>
-              </a:buClr>
-              <a:buSzPts val="1400"/>
-              <a:buFont typeface="Arial"/>
-              <a:buNone/>
-              <a:defRPr/>
-            </a:lvl4pPr>
-            <a:lvl5pPr marL="0" lvl="4" indent="0" algn="r">
-              <a:lnSpc>
-                <a:spcPct val="100000"/>
-              </a:lnSpc>
-              <a:spcBef>
-                <a:spcPts val="0"/>
-              </a:spcBef>
-              <a:spcAft>
-                <a:spcPts val="0"/>
-              </a:spcAft>
-              <a:buClr>
-                <a:srgbClr val="000000"/>
-              </a:buClr>
-              <a:buSzPts val="1400"/>
-              <a:buFont typeface="Arial"/>
-              <a:buNone/>
-              <a:defRPr/>
-            </a:lvl5pPr>
-            <a:lvl6pPr marL="0" lvl="5" indent="0" algn="r">
-              <a:lnSpc>
-                <a:spcPct val="100000"/>
-              </a:lnSpc>
-              <a:spcBef>
-                <a:spcPts val="0"/>
-              </a:spcBef>
-              <a:spcAft>
-                <a:spcPts val="0"/>
-              </a:spcAft>
-              <a:buClr>
-                <a:srgbClr val="000000"/>
-              </a:buClr>
-              <a:buSzPts val="1400"/>
-              <a:buFont typeface="Arial"/>
-              <a:buNone/>
-              <a:defRPr/>
-            </a:lvl6pPr>
-            <a:lvl7pPr marL="0" lvl="6" indent="0" algn="r">
-              <a:lnSpc>
-                <a:spcPct val="100000"/>
-              </a:lnSpc>
-              <a:spcBef>
-                <a:spcPts val="0"/>
-              </a:spcBef>
-              <a:spcAft>
-                <a:spcPts val="0"/>
-              </a:spcAft>
-              <a:buClr>
-                <a:srgbClr val="000000"/>
-              </a:buClr>
-              <a:buSzPts val="1400"/>
-              <a:buFont typeface="Arial"/>
-              <a:buNone/>
-              <a:defRPr/>
-            </a:lvl7pPr>
-            <a:lvl8pPr marL="0" lvl="7" indent="0" algn="r">
-              <a:lnSpc>
-                <a:spcPct val="100000"/>
-              </a:lnSpc>
-              <a:spcBef>
-                <a:spcPts val="0"/>
-              </a:spcBef>
-              <a:spcAft>
-                <a:spcPts val="0"/>
-              </a:spcAft>
-              <a:buClr>
-                <a:srgbClr val="000000"/>
-              </a:buClr>
-              <a:buSzPts val="1400"/>
-              <a:buFont typeface="Arial"/>
-              <a:buNone/>
-              <a:defRPr/>
-            </a:lvl8pPr>
-            <a:lvl9pPr marL="0" lvl="8" indent="0" algn="r">
-              <a:lnSpc>
-                <a:spcPct val="100000"/>
-              </a:lnSpc>
-              <a:spcBef>
-                <a:spcPts val="0"/>
-              </a:spcBef>
-              <a:spcAft>
-                <a:spcPts val="0"/>
-              </a:spcAft>
-              <a:buClr>
-                <a:srgbClr val="000000"/>
-              </a:buClr>
-              <a:buSzPts val="1400"/>
-              <a:buFont typeface="Arial"/>
-              <a:buNone/>
-              <a:defRPr/>
-            </a:lvl9pPr>
-          </a:lstStyle>
-          <a:p>
-            <a:pPr marL="0" lvl="0" indent="0" algn="r" rtl="0">
-              <a:spcBef>
-                <a:spcPts val="0"/>
-              </a:spcBef>
-              <a:spcAft>
-                <a:spcPts val="0"/>
-              </a:spcAft>
-              <a:buNone/>
-            </a:pPr>
-            <a:fld id="{00000000-1234-1234-1234-123412341234}" type="slidenum">
-              <a:rPr lang="en-US"/>
-              <a:t>‹#›</a:t>
-            </a:fld>
-            <a:endParaRPr/>
-          </a:p>
-        </p:txBody>
-      </p:sp>
-      <p:sp>
-        <p:nvSpPr>
-          <p:cNvPr id="89" name="Google Shape;89;p62"/>
-          <p:cNvSpPr/>
-          <p:nvPr/>
-        </p:nvSpPr>
-        <p:spPr>
-          <a:xfrm>
-            <a:off x="1" y="5504657"/>
-            <a:ext cx="6862232" cy="210343"/>
-          </a:xfrm>
-          <a:prstGeom prst="rect">
-            <a:avLst/>
-          </a:prstGeom>
-          <a:noFill/>
-          <a:ln>
-            <a:noFill/>
-          </a:ln>
-        </p:spPr>
-        <p:txBody>
-          <a:bodyPr spcFirstLastPara="1" wrap="square" lIns="91425" tIns="45700" rIns="91425" bIns="45700" anchor="b" anchorCtr="0">
-            <a:noAutofit/>
-          </a:bodyPr>
-          <a:lstStyle/>
-          <a:p>
-            <a:pPr marL="0" marR="0" lvl="0" indent="0" algn="l" rtl="0">
-              <a:lnSpc>
-                <a:spcPct val="100000"/>
-              </a:lnSpc>
-              <a:spcBef>
-                <a:spcPts val="0"/>
-              </a:spcBef>
-              <a:spcAft>
-                <a:spcPts val="0"/>
-              </a:spcAft>
-              <a:buClr>
-                <a:srgbClr val="000000"/>
-              </a:buClr>
-              <a:buSzPts val="800"/>
-              <a:buFont typeface="Arial"/>
-              <a:buNone/>
-            </a:pPr>
-            <a:r>
-              <a:rPr lang="en-US" sz="800" b="0" i="0" u="none" strike="noStrike" cap="none">
-                <a:solidFill>
-                  <a:srgbClr val="000000"/>
-                </a:solidFill>
-                <a:latin typeface="Arial"/>
-                <a:ea typeface="Arial"/>
-                <a:cs typeface="Arial"/>
-                <a:sym typeface="Arial"/>
-              </a:rPr>
-              <a:t>Except where otherwise noted, this work is licensed under a </a:t>
-            </a:r>
-            <a:r>
-              <a:rPr lang="en-US" sz="800" b="0" i="0" u="sng" strike="noStrike" cap="none">
-                <a:solidFill>
-                  <a:srgbClr val="000000"/>
-                </a:solidFill>
-                <a:latin typeface="Arial"/>
-                <a:ea typeface="Arial"/>
-                <a:cs typeface="Arial"/>
-                <a:sym typeface="Arial"/>
-                <a:hlinkClick r:id="rId2"/>
-              </a:rPr>
-              <a:t>Creative Commons Attribution-ShareAlike 4.0 International License</a:t>
-            </a:r>
-            <a:r>
-              <a:rPr lang="en-US" sz="800" b="0" i="0" u="none" strike="noStrike" cap="none">
-                <a:solidFill>
-                  <a:srgbClr val="000000"/>
-                </a:solidFill>
-                <a:latin typeface="Arial"/>
-                <a:ea typeface="Arial"/>
-                <a:cs typeface="Arial"/>
-                <a:sym typeface="Arial"/>
-              </a:rPr>
-              <a:t>.</a:t>
-            </a:r>
-            <a:endParaRPr/>
-          </a:p>
-        </p:txBody>
-      </p:sp>
-    </p:spTree>
-  </p:cSld>
-  <p:clrMapOvr>
-    <a:masterClrMapping/>
-  </p:clrMapOvr>
-</p:sldLayout>
-</file>
-
-<file path=ppt/slideLayouts/slideLayout11.xml><?xml version="1.0" encoding="utf-8"?>
 <p:sldLayout xmlns:a="http://schemas.openxmlformats.org/drawingml/2006/main" xmlns:r="http://schemas.openxmlformats.org/officeDocument/2006/relationships" xmlns:p="http://schemas.openxmlformats.org/presentationml/2006/main" matchingName="Name Card">
   <p:cSld name="Name Card">
     <p:spTree>
@@ -11084,7 +9376,7 @@
 </p:sldLayout>
 </file>
 
-<file path=ppt/slideLayouts/slideLayout12.xml><?xml version="1.0" encoding="utf-8"?>
+<file path=ppt/slideLayouts/slideLayout11.xml><?xml version="1.0" encoding="utf-8"?>
 <p:sldLayout xmlns:a="http://schemas.openxmlformats.org/drawingml/2006/main" xmlns:r="http://schemas.openxmlformats.org/officeDocument/2006/relationships" xmlns:p="http://schemas.openxmlformats.org/presentationml/2006/main" matchingName="Quote Name Card">
   <p:cSld name="Quote Name Card">
     <p:spTree>
@@ -12793,7 +11085,7 @@
 </p:sldLayout>
 </file>
 
-<file path=ppt/slideLayouts/slideLayout13.xml><?xml version="1.0" encoding="utf-8"?>
+<file path=ppt/slideLayouts/slideLayout12.xml><?xml version="1.0" encoding="utf-8"?>
 <p:sldLayout xmlns:a="http://schemas.openxmlformats.org/drawingml/2006/main" xmlns:r="http://schemas.openxmlformats.org/officeDocument/2006/relationships" xmlns:p="http://schemas.openxmlformats.org/presentationml/2006/main" matchingName="True or False">
   <p:cSld name="True or False">
     <p:spTree>
@@ -14386,7 +12678,7 @@
 </p:sldLayout>
 </file>
 
-<file path=ppt/slideLayouts/slideLayout14.xml><?xml version="1.0" encoding="utf-8"?>
+<file path=ppt/slideLayouts/slideLayout13.xml><?xml version="1.0" encoding="utf-8"?>
 <p:sldLayout xmlns:a="http://schemas.openxmlformats.org/drawingml/2006/main" xmlns:r="http://schemas.openxmlformats.org/officeDocument/2006/relationships" xmlns:p="http://schemas.openxmlformats.org/presentationml/2006/main" matchingName="Title and Vertical Text" type="vertTx">
   <p:cSld name="VERTICAL_TEXT">
     <p:spTree>
@@ -15711,7 +14003,7 @@
 </p:sldLayout>
 </file>
 
-<file path=ppt/slideLayouts/slideLayout15.xml><?xml version="1.0" encoding="utf-8"?>
+<file path=ppt/slideLayouts/slideLayout14.xml><?xml version="1.0" encoding="utf-8"?>
 <p:sldLayout xmlns:a="http://schemas.openxmlformats.org/drawingml/2006/main" xmlns:r="http://schemas.openxmlformats.org/officeDocument/2006/relationships" xmlns:p="http://schemas.openxmlformats.org/presentationml/2006/main" matchingName="Vertical Title and Text" type="vertTitleAndTx">
   <p:cSld name="VERTICAL_TITLE_AND_VERTICAL_TEXT">
     <p:spTree>
@@ -17036,7 +15328,7 @@
 </p:sldLayout>
 </file>
 
-<file path=ppt/slideLayouts/slideLayout16.xml><?xml version="1.0" encoding="utf-8"?>
+<file path=ppt/slideLayouts/slideLayout15.xml><?xml version="1.0" encoding="utf-8"?>
 <p:sldLayout xmlns:a="http://schemas.openxmlformats.org/drawingml/2006/main" xmlns:r="http://schemas.openxmlformats.org/officeDocument/2006/relationships" xmlns:p="http://schemas.openxmlformats.org/presentationml/2006/main" matchingName="Title Only" type="titleOnly">
   <p:cSld name="TITLE_ONLY">
     <p:spTree>
@@ -17617,7 +15909,7 @@
 </p:sldLayout>
 </file>
 
-<file path=ppt/slideLayouts/slideLayout17.xml><?xml version="1.0" encoding="utf-8"?>
+<file path=ppt/slideLayouts/slideLayout16.xml><?xml version="1.0" encoding="utf-8"?>
 <p:sldLayout xmlns:a="http://schemas.openxmlformats.org/drawingml/2006/main" xmlns:r="http://schemas.openxmlformats.org/officeDocument/2006/relationships" xmlns:p="http://schemas.openxmlformats.org/presentationml/2006/main" showMasterSp="0" matchingName="1_Title Slide">
   <p:cSld name="1_Title Slide">
     <p:spTree>
@@ -18229,6 +16521,944 @@
         </p:txBody>
       </p:sp>
     </p:spTree>
+  </p:cSld>
+  <p:clrMapOvr>
+    <a:masterClrMapping/>
+  </p:clrMapOvr>
+</p:sldLayout>
+</file>
+
+<file path=ppt/slideLayouts/slideLayout17.xml><?xml version="1.0" encoding="utf-8"?>
+<p:sldLayout xmlns:a="http://schemas.openxmlformats.org/drawingml/2006/main" xmlns:r="http://schemas.openxmlformats.org/officeDocument/2006/relationships" xmlns:p="http://schemas.openxmlformats.org/presentationml/2006/main" matchingName="Section Header" type="secHead">
+  <p:cSld name="Section Header">
+    <p:spTree>
+      <p:nvGrpSpPr>
+        <p:cNvPr id="1" name="Shape 28"/>
+        <p:cNvGrpSpPr/>
+        <p:nvPr/>
+      </p:nvGrpSpPr>
+      <p:grpSpPr>
+        <a:xfrm>
+          <a:off x="0" y="0"/>
+          <a:ext cx="0" cy="0"/>
+          <a:chOff x="0" y="0"/>
+          <a:chExt cx="0" cy="0"/>
+        </a:xfrm>
+      </p:grpSpPr>
+      <p:sp>
+        <p:nvSpPr>
+          <p:cNvPr id="29" name="Google Shape;29;p55"/>
+          <p:cNvSpPr txBox="1">
+            <a:spLocks noGrp="1"/>
+          </p:cNvSpPr>
+          <p:nvPr>
+            <p:ph type="title"/>
+          </p:nvPr>
+        </p:nvSpPr>
+        <p:spPr>
+          <a:xfrm>
+            <a:off x="1929211" y="2222499"/>
+            <a:ext cx="6698060" cy="1758652"/>
+          </a:xfrm>
+          <a:prstGeom prst="rect">
+            <a:avLst/>
+          </a:prstGeom>
+          <a:noFill/>
+          <a:ln>
+            <a:noFill/>
+          </a:ln>
+        </p:spPr>
+        <p:txBody>
+          <a:bodyPr spcFirstLastPara="1" wrap="square" lIns="91425" tIns="91425" rIns="91425" bIns="91425" anchor="b" anchorCtr="0">
+            <a:noAutofit/>
+          </a:bodyPr>
+          <a:lstStyle>
+            <a:lvl1pPr lvl="0" algn="r">
+              <a:lnSpc>
+                <a:spcPct val="100000"/>
+              </a:lnSpc>
+              <a:spcBef>
+                <a:spcPts val="0"/>
+              </a:spcBef>
+              <a:spcAft>
+                <a:spcPts val="0"/>
+              </a:spcAft>
+              <a:buSzPts val="3200"/>
+              <a:buNone/>
+              <a:defRPr sz="2500" b="0" cap="none"/>
+            </a:lvl1pPr>
+            <a:lvl2pPr lvl="1" algn="l">
+              <a:spcBef>
+                <a:spcPts val="0"/>
+              </a:spcBef>
+              <a:spcAft>
+                <a:spcPts val="0"/>
+              </a:spcAft>
+              <a:buClr>
+                <a:schemeClr val="dk2"/>
+              </a:buClr>
+              <a:buSzPts val="1400"/>
+              <a:buNone/>
+              <a:defRPr/>
+            </a:lvl2pPr>
+            <a:lvl3pPr lvl="2" algn="l">
+              <a:spcBef>
+                <a:spcPts val="0"/>
+              </a:spcBef>
+              <a:spcAft>
+                <a:spcPts val="0"/>
+              </a:spcAft>
+              <a:buClr>
+                <a:schemeClr val="dk2"/>
+              </a:buClr>
+              <a:buSzPts val="1400"/>
+              <a:buNone/>
+              <a:defRPr/>
+            </a:lvl3pPr>
+            <a:lvl4pPr lvl="3" algn="l">
+              <a:spcBef>
+                <a:spcPts val="0"/>
+              </a:spcBef>
+              <a:spcAft>
+                <a:spcPts val="0"/>
+              </a:spcAft>
+              <a:buClr>
+                <a:schemeClr val="dk2"/>
+              </a:buClr>
+              <a:buSzPts val="1400"/>
+              <a:buNone/>
+              <a:defRPr/>
+            </a:lvl4pPr>
+            <a:lvl5pPr lvl="4" algn="l">
+              <a:spcBef>
+                <a:spcPts val="0"/>
+              </a:spcBef>
+              <a:spcAft>
+                <a:spcPts val="0"/>
+              </a:spcAft>
+              <a:buClr>
+                <a:schemeClr val="dk2"/>
+              </a:buClr>
+              <a:buSzPts val="1400"/>
+              <a:buNone/>
+              <a:defRPr/>
+            </a:lvl5pPr>
+            <a:lvl6pPr lvl="5" algn="l">
+              <a:spcBef>
+                <a:spcPts val="0"/>
+              </a:spcBef>
+              <a:spcAft>
+                <a:spcPts val="0"/>
+              </a:spcAft>
+              <a:buClr>
+                <a:schemeClr val="dk2"/>
+              </a:buClr>
+              <a:buSzPts val="1400"/>
+              <a:buNone/>
+              <a:defRPr/>
+            </a:lvl6pPr>
+            <a:lvl7pPr lvl="6" algn="l">
+              <a:spcBef>
+                <a:spcPts val="0"/>
+              </a:spcBef>
+              <a:spcAft>
+                <a:spcPts val="0"/>
+              </a:spcAft>
+              <a:buClr>
+                <a:schemeClr val="dk2"/>
+              </a:buClr>
+              <a:buSzPts val="1400"/>
+              <a:buNone/>
+              <a:defRPr/>
+            </a:lvl7pPr>
+            <a:lvl8pPr lvl="7" algn="l">
+              <a:spcBef>
+                <a:spcPts val="0"/>
+              </a:spcBef>
+              <a:spcAft>
+                <a:spcPts val="0"/>
+              </a:spcAft>
+              <a:buClr>
+                <a:schemeClr val="dk2"/>
+              </a:buClr>
+              <a:buSzPts val="1400"/>
+              <a:buNone/>
+              <a:defRPr/>
+            </a:lvl8pPr>
+            <a:lvl9pPr lvl="8" algn="l">
+              <a:spcBef>
+                <a:spcPts val="0"/>
+              </a:spcBef>
+              <a:spcAft>
+                <a:spcPts val="0"/>
+              </a:spcAft>
+              <a:buClr>
+                <a:schemeClr val="dk2"/>
+              </a:buClr>
+              <a:buSzPts val="1400"/>
+              <a:buNone/>
+              <a:defRPr/>
+            </a:lvl9pPr>
+          </a:lstStyle>
+          <a:p>
+            <a:endParaRPr/>
+          </a:p>
+        </p:txBody>
+      </p:sp>
+      <p:sp>
+        <p:nvSpPr>
+          <p:cNvPr id="30" name="Google Shape;30;p55"/>
+          <p:cNvSpPr txBox="1">
+            <a:spLocks noGrp="1"/>
+          </p:cNvSpPr>
+          <p:nvPr>
+            <p:ph type="body" idx="1"/>
+          </p:nvPr>
+        </p:nvSpPr>
+        <p:spPr>
+          <a:xfrm>
+            <a:off x="1929210" y="3981151"/>
+            <a:ext cx="6698061" cy="717000"/>
+          </a:xfrm>
+          <a:prstGeom prst="rect">
+            <a:avLst/>
+          </a:prstGeom>
+          <a:noFill/>
+          <a:ln>
+            <a:noFill/>
+          </a:ln>
+        </p:spPr>
+        <p:txBody>
+          <a:bodyPr spcFirstLastPara="1" wrap="square" lIns="91425" tIns="91425" rIns="91425" bIns="91425" anchor="t" anchorCtr="0">
+            <a:normAutofit/>
+          </a:bodyPr>
+          <a:lstStyle>
+            <a:lvl1pPr marL="457200" lvl="0" indent="-228600" algn="r">
+              <a:lnSpc>
+                <a:spcPct val="100000"/>
+              </a:lnSpc>
+              <a:spcBef>
+                <a:spcPts val="480"/>
+              </a:spcBef>
+              <a:spcAft>
+                <a:spcPts val="0"/>
+              </a:spcAft>
+              <a:buSzPts val="3480"/>
+              <a:buNone/>
+              <a:defRPr sz="1250">
+                <a:solidFill>
+                  <a:schemeClr val="dk1"/>
+                </a:solidFill>
+              </a:defRPr>
+            </a:lvl1pPr>
+            <a:lvl2pPr marL="914400" lvl="1" indent="-228600" algn="l">
+              <a:lnSpc>
+                <a:spcPct val="100000"/>
+              </a:lnSpc>
+              <a:spcBef>
+                <a:spcPts val="440"/>
+              </a:spcBef>
+              <a:spcAft>
+                <a:spcPts val="0"/>
+              </a:spcAft>
+              <a:buSzPts val="3190"/>
+              <a:buNone/>
+              <a:defRPr sz="1125">
+                <a:solidFill>
+                  <a:srgbClr val="8891AD"/>
+                </a:solidFill>
+              </a:defRPr>
+            </a:lvl2pPr>
+            <a:lvl3pPr marL="1371600" lvl="2" indent="-228600" algn="l">
+              <a:lnSpc>
+                <a:spcPct val="100000"/>
+              </a:lnSpc>
+              <a:spcBef>
+                <a:spcPts val="400"/>
+              </a:spcBef>
+              <a:spcAft>
+                <a:spcPts val="0"/>
+              </a:spcAft>
+              <a:buSzPts val="2900"/>
+              <a:buNone/>
+              <a:defRPr sz="1000">
+                <a:solidFill>
+                  <a:srgbClr val="8891AD"/>
+                </a:solidFill>
+              </a:defRPr>
+            </a:lvl3pPr>
+            <a:lvl4pPr marL="1828800" lvl="3" indent="-228600" algn="l">
+              <a:lnSpc>
+                <a:spcPct val="100000"/>
+              </a:lnSpc>
+              <a:spcBef>
+                <a:spcPts val="375"/>
+              </a:spcBef>
+              <a:spcAft>
+                <a:spcPts val="0"/>
+              </a:spcAft>
+              <a:buSzPts val="2610"/>
+              <a:buNone/>
+              <a:defRPr sz="875">
+                <a:solidFill>
+                  <a:srgbClr val="8891AD"/>
+                </a:solidFill>
+              </a:defRPr>
+            </a:lvl4pPr>
+            <a:lvl5pPr marL="2286000" lvl="4" indent="-228600" algn="l">
+              <a:lnSpc>
+                <a:spcPct val="100000"/>
+              </a:lnSpc>
+              <a:spcBef>
+                <a:spcPts val="375"/>
+              </a:spcBef>
+              <a:spcAft>
+                <a:spcPts val="0"/>
+              </a:spcAft>
+              <a:buSzPts val="2320"/>
+              <a:buNone/>
+              <a:defRPr sz="875">
+                <a:solidFill>
+                  <a:srgbClr val="8891AD"/>
+                </a:solidFill>
+              </a:defRPr>
+            </a:lvl5pPr>
+            <a:lvl6pPr marL="2743200" lvl="5" indent="-228600" algn="l">
+              <a:lnSpc>
+                <a:spcPct val="100000"/>
+              </a:lnSpc>
+              <a:spcBef>
+                <a:spcPts val="375"/>
+              </a:spcBef>
+              <a:spcAft>
+                <a:spcPts val="0"/>
+              </a:spcAft>
+              <a:buSzPts val="1269"/>
+              <a:buNone/>
+              <a:defRPr sz="875">
+                <a:solidFill>
+                  <a:srgbClr val="8891AD"/>
+                </a:solidFill>
+              </a:defRPr>
+            </a:lvl6pPr>
+            <a:lvl7pPr marL="3200400" lvl="6" indent="-228600" algn="l">
+              <a:lnSpc>
+                <a:spcPct val="100000"/>
+              </a:lnSpc>
+              <a:spcBef>
+                <a:spcPts val="375"/>
+              </a:spcBef>
+              <a:spcAft>
+                <a:spcPts val="0"/>
+              </a:spcAft>
+              <a:buSzPts val="1269"/>
+              <a:buNone/>
+              <a:defRPr sz="875">
+                <a:solidFill>
+                  <a:srgbClr val="8891AD"/>
+                </a:solidFill>
+              </a:defRPr>
+            </a:lvl7pPr>
+            <a:lvl8pPr marL="3657600" lvl="7" indent="-228600" algn="l">
+              <a:lnSpc>
+                <a:spcPct val="100000"/>
+              </a:lnSpc>
+              <a:spcBef>
+                <a:spcPts val="375"/>
+              </a:spcBef>
+              <a:spcAft>
+                <a:spcPts val="0"/>
+              </a:spcAft>
+              <a:buSzPts val="1269"/>
+              <a:buNone/>
+              <a:defRPr sz="875">
+                <a:solidFill>
+                  <a:srgbClr val="8891AD"/>
+                </a:solidFill>
+              </a:defRPr>
+            </a:lvl8pPr>
+            <a:lvl9pPr marL="4114800" lvl="8" indent="-228600" algn="l">
+              <a:lnSpc>
+                <a:spcPct val="100000"/>
+              </a:lnSpc>
+              <a:spcBef>
+                <a:spcPts val="375"/>
+              </a:spcBef>
+              <a:spcAft>
+                <a:spcPts val="375"/>
+              </a:spcAft>
+              <a:buSzPts val="1269"/>
+              <a:buNone/>
+              <a:defRPr sz="875">
+                <a:solidFill>
+                  <a:srgbClr val="8891AD"/>
+                </a:solidFill>
+              </a:defRPr>
+            </a:lvl9pPr>
+          </a:lstStyle>
+          <a:p>
+            <a:endParaRPr/>
+          </a:p>
+        </p:txBody>
+      </p:sp>
+      <p:sp>
+        <p:nvSpPr>
+          <p:cNvPr id="31" name="Google Shape;31;p55"/>
+          <p:cNvSpPr txBox="1">
+            <a:spLocks noGrp="1"/>
+          </p:cNvSpPr>
+          <p:nvPr>
+            <p:ph type="dt" idx="10"/>
+          </p:nvPr>
+        </p:nvSpPr>
+        <p:spPr>
+          <a:xfrm>
+            <a:off x="7299491" y="5258597"/>
+            <a:ext cx="857250" cy="304271"/>
+          </a:xfrm>
+          <a:prstGeom prst="rect">
+            <a:avLst/>
+          </a:prstGeom>
+          <a:noFill/>
+          <a:ln>
+            <a:noFill/>
+          </a:ln>
+        </p:spPr>
+        <p:txBody>
+          <a:bodyPr spcFirstLastPara="1" wrap="square" lIns="91425" tIns="91425" rIns="91425" bIns="91425" anchor="ctr" anchorCtr="0">
+            <a:noAutofit/>
+          </a:bodyPr>
+          <a:lstStyle>
+            <a:lvl1pPr lvl="0" algn="r">
+              <a:lnSpc>
+                <a:spcPct val="100000"/>
+              </a:lnSpc>
+              <a:spcBef>
+                <a:spcPts val="160"/>
+              </a:spcBef>
+              <a:spcAft>
+                <a:spcPts val="0"/>
+              </a:spcAft>
+              <a:buClr>
+                <a:schemeClr val="dk1"/>
+              </a:buClr>
+              <a:buSzPts val="1400"/>
+              <a:buFont typeface="Corbel"/>
+              <a:buNone/>
+              <a:defRPr/>
+            </a:lvl1pPr>
+            <a:lvl2pPr lvl="1" algn="ctr">
+              <a:lnSpc>
+                <a:spcPct val="100000"/>
+              </a:lnSpc>
+              <a:spcBef>
+                <a:spcPts val="400"/>
+              </a:spcBef>
+              <a:spcAft>
+                <a:spcPts val="0"/>
+              </a:spcAft>
+              <a:buClr>
+                <a:schemeClr val="dk1"/>
+              </a:buClr>
+              <a:buSzPts val="1400"/>
+              <a:buNone/>
+              <a:defRPr/>
+            </a:lvl2pPr>
+            <a:lvl3pPr lvl="2" algn="ctr">
+              <a:lnSpc>
+                <a:spcPct val="100000"/>
+              </a:lnSpc>
+              <a:spcBef>
+                <a:spcPts val="400"/>
+              </a:spcBef>
+              <a:spcAft>
+                <a:spcPts val="0"/>
+              </a:spcAft>
+              <a:buClr>
+                <a:schemeClr val="dk1"/>
+              </a:buClr>
+              <a:buSzPts val="1400"/>
+              <a:buNone/>
+              <a:defRPr/>
+            </a:lvl3pPr>
+            <a:lvl4pPr lvl="3" algn="ctr">
+              <a:lnSpc>
+                <a:spcPct val="100000"/>
+              </a:lnSpc>
+              <a:spcBef>
+                <a:spcPts val="400"/>
+              </a:spcBef>
+              <a:spcAft>
+                <a:spcPts val="0"/>
+              </a:spcAft>
+              <a:buClr>
+                <a:schemeClr val="dk1"/>
+              </a:buClr>
+              <a:buSzPts val="1400"/>
+              <a:buNone/>
+              <a:defRPr/>
+            </a:lvl4pPr>
+            <a:lvl5pPr lvl="4" algn="ctr">
+              <a:lnSpc>
+                <a:spcPct val="100000"/>
+              </a:lnSpc>
+              <a:spcBef>
+                <a:spcPts val="400"/>
+              </a:spcBef>
+              <a:spcAft>
+                <a:spcPts val="0"/>
+              </a:spcAft>
+              <a:buClr>
+                <a:schemeClr val="dk1"/>
+              </a:buClr>
+              <a:buSzPts val="1400"/>
+              <a:buNone/>
+              <a:defRPr/>
+            </a:lvl5pPr>
+            <a:lvl6pPr lvl="5" algn="l">
+              <a:lnSpc>
+                <a:spcPct val="100000"/>
+              </a:lnSpc>
+              <a:spcBef>
+                <a:spcPts val="0"/>
+              </a:spcBef>
+              <a:spcAft>
+                <a:spcPts val="0"/>
+              </a:spcAft>
+              <a:buClr>
+                <a:schemeClr val="dk1"/>
+              </a:buClr>
+              <a:buSzPts val="1400"/>
+              <a:buNone/>
+              <a:defRPr/>
+            </a:lvl6pPr>
+            <a:lvl7pPr lvl="6" algn="l">
+              <a:lnSpc>
+                <a:spcPct val="100000"/>
+              </a:lnSpc>
+              <a:spcBef>
+                <a:spcPts val="0"/>
+              </a:spcBef>
+              <a:spcAft>
+                <a:spcPts val="0"/>
+              </a:spcAft>
+              <a:buClr>
+                <a:schemeClr val="dk1"/>
+              </a:buClr>
+              <a:buSzPts val="1400"/>
+              <a:buNone/>
+              <a:defRPr/>
+            </a:lvl7pPr>
+            <a:lvl8pPr lvl="7" algn="l">
+              <a:lnSpc>
+                <a:spcPct val="100000"/>
+              </a:lnSpc>
+              <a:spcBef>
+                <a:spcPts val="0"/>
+              </a:spcBef>
+              <a:spcAft>
+                <a:spcPts val="0"/>
+              </a:spcAft>
+              <a:buClr>
+                <a:schemeClr val="dk1"/>
+              </a:buClr>
+              <a:buSzPts val="1400"/>
+              <a:buNone/>
+              <a:defRPr/>
+            </a:lvl8pPr>
+            <a:lvl9pPr lvl="8" algn="l">
+              <a:lnSpc>
+                <a:spcPct val="100000"/>
+              </a:lnSpc>
+              <a:spcBef>
+                <a:spcPts val="0"/>
+              </a:spcBef>
+              <a:spcAft>
+                <a:spcPts val="0"/>
+              </a:spcAft>
+              <a:buClr>
+                <a:schemeClr val="dk1"/>
+              </a:buClr>
+              <a:buSzPts val="1400"/>
+              <a:buNone/>
+              <a:defRPr/>
+            </a:lvl9pPr>
+          </a:lstStyle>
+          <a:p>
+            <a:endParaRPr/>
+          </a:p>
+        </p:txBody>
+      </p:sp>
+      <p:sp>
+        <p:nvSpPr>
+          <p:cNvPr id="32" name="Google Shape;32;p55"/>
+          <p:cNvSpPr txBox="1">
+            <a:spLocks noGrp="1"/>
+          </p:cNvSpPr>
+          <p:nvPr>
+            <p:ph type="sldNum" idx="12"/>
+          </p:nvPr>
+        </p:nvSpPr>
+        <p:spPr>
+          <a:xfrm>
+            <a:off x="8213894" y="5258597"/>
+            <a:ext cx="413377" cy="304271"/>
+          </a:xfrm>
+          <a:prstGeom prst="rect">
+            <a:avLst/>
+          </a:prstGeom>
+          <a:noFill/>
+          <a:ln>
+            <a:noFill/>
+          </a:ln>
+        </p:spPr>
+        <p:txBody>
+          <a:bodyPr spcFirstLastPara="1" wrap="square" lIns="91425" tIns="45700" rIns="91425" bIns="45700" anchor="ctr" anchorCtr="0">
+            <a:noAutofit/>
+          </a:bodyPr>
+          <a:lstStyle>
+            <a:lvl1pPr marL="0" marR="0" lvl="0" indent="0" algn="r">
+              <a:lnSpc>
+                <a:spcPct val="100000"/>
+              </a:lnSpc>
+              <a:spcBef>
+                <a:spcPts val="0"/>
+              </a:spcBef>
+              <a:spcAft>
+                <a:spcPts val="0"/>
+              </a:spcAft>
+              <a:buClr>
+                <a:srgbClr val="000000"/>
+              </a:buClr>
+              <a:buSzPts val="1400"/>
+              <a:buFont typeface="Arial"/>
+              <a:buNone/>
+              <a:defRPr sz="1400" b="0" i="0" u="none" strike="noStrike" cap="none">
+                <a:solidFill>
+                  <a:srgbClr val="000000"/>
+                </a:solidFill>
+                <a:latin typeface="Arial"/>
+                <a:ea typeface="Arial"/>
+                <a:cs typeface="Arial"/>
+                <a:sym typeface="Arial"/>
+              </a:defRPr>
+            </a:lvl1pPr>
+            <a:lvl2pPr marL="0" marR="0" lvl="1" indent="0" algn="r">
+              <a:lnSpc>
+                <a:spcPct val="100000"/>
+              </a:lnSpc>
+              <a:spcBef>
+                <a:spcPts val="0"/>
+              </a:spcBef>
+              <a:spcAft>
+                <a:spcPts val="0"/>
+              </a:spcAft>
+              <a:buClr>
+                <a:srgbClr val="000000"/>
+              </a:buClr>
+              <a:buSzPts val="1400"/>
+              <a:buFont typeface="Arial"/>
+              <a:buNone/>
+              <a:defRPr sz="1400" b="0" i="0" u="none" strike="noStrike" cap="none">
+                <a:solidFill>
+                  <a:srgbClr val="000000"/>
+                </a:solidFill>
+                <a:latin typeface="Arial"/>
+                <a:ea typeface="Arial"/>
+                <a:cs typeface="Arial"/>
+                <a:sym typeface="Arial"/>
+              </a:defRPr>
+            </a:lvl2pPr>
+            <a:lvl3pPr marL="0" marR="0" lvl="2" indent="0" algn="r">
+              <a:lnSpc>
+                <a:spcPct val="100000"/>
+              </a:lnSpc>
+              <a:spcBef>
+                <a:spcPts val="0"/>
+              </a:spcBef>
+              <a:spcAft>
+                <a:spcPts val="0"/>
+              </a:spcAft>
+              <a:buClr>
+                <a:srgbClr val="000000"/>
+              </a:buClr>
+              <a:buSzPts val="1400"/>
+              <a:buFont typeface="Arial"/>
+              <a:buNone/>
+              <a:defRPr sz="1400" b="0" i="0" u="none" strike="noStrike" cap="none">
+                <a:solidFill>
+                  <a:srgbClr val="000000"/>
+                </a:solidFill>
+                <a:latin typeface="Arial"/>
+                <a:ea typeface="Arial"/>
+                <a:cs typeface="Arial"/>
+                <a:sym typeface="Arial"/>
+              </a:defRPr>
+            </a:lvl3pPr>
+            <a:lvl4pPr marL="0" marR="0" lvl="3" indent="0" algn="r">
+              <a:lnSpc>
+                <a:spcPct val="100000"/>
+              </a:lnSpc>
+              <a:spcBef>
+                <a:spcPts val="0"/>
+              </a:spcBef>
+              <a:spcAft>
+                <a:spcPts val="0"/>
+              </a:spcAft>
+              <a:buClr>
+                <a:srgbClr val="000000"/>
+              </a:buClr>
+              <a:buSzPts val="1400"/>
+              <a:buFont typeface="Arial"/>
+              <a:buNone/>
+              <a:defRPr sz="1400" b="0" i="0" u="none" strike="noStrike" cap="none">
+                <a:solidFill>
+                  <a:srgbClr val="000000"/>
+                </a:solidFill>
+                <a:latin typeface="Arial"/>
+                <a:ea typeface="Arial"/>
+                <a:cs typeface="Arial"/>
+                <a:sym typeface="Arial"/>
+              </a:defRPr>
+            </a:lvl4pPr>
+            <a:lvl5pPr marL="0" marR="0" lvl="4" indent="0" algn="r">
+              <a:lnSpc>
+                <a:spcPct val="100000"/>
+              </a:lnSpc>
+              <a:spcBef>
+                <a:spcPts val="0"/>
+              </a:spcBef>
+              <a:spcAft>
+                <a:spcPts val="0"/>
+              </a:spcAft>
+              <a:buClr>
+                <a:srgbClr val="000000"/>
+              </a:buClr>
+              <a:buSzPts val="1400"/>
+              <a:buFont typeface="Arial"/>
+              <a:buNone/>
+              <a:defRPr sz="1400" b="0" i="0" u="none" strike="noStrike" cap="none">
+                <a:solidFill>
+                  <a:srgbClr val="000000"/>
+                </a:solidFill>
+                <a:latin typeface="Arial"/>
+                <a:ea typeface="Arial"/>
+                <a:cs typeface="Arial"/>
+                <a:sym typeface="Arial"/>
+              </a:defRPr>
+            </a:lvl5pPr>
+            <a:lvl6pPr marL="0" marR="0" lvl="5" indent="0" algn="r">
+              <a:lnSpc>
+                <a:spcPct val="100000"/>
+              </a:lnSpc>
+              <a:spcBef>
+                <a:spcPts val="0"/>
+              </a:spcBef>
+              <a:spcAft>
+                <a:spcPts val="0"/>
+              </a:spcAft>
+              <a:buClr>
+                <a:srgbClr val="000000"/>
+              </a:buClr>
+              <a:buSzPts val="1400"/>
+              <a:buFont typeface="Arial"/>
+              <a:buNone/>
+              <a:defRPr sz="1400" b="0" i="0" u="none" strike="noStrike" cap="none">
+                <a:solidFill>
+                  <a:srgbClr val="000000"/>
+                </a:solidFill>
+                <a:latin typeface="Arial"/>
+                <a:ea typeface="Arial"/>
+                <a:cs typeface="Arial"/>
+                <a:sym typeface="Arial"/>
+              </a:defRPr>
+            </a:lvl6pPr>
+            <a:lvl7pPr marL="0" marR="0" lvl="6" indent="0" algn="r">
+              <a:lnSpc>
+                <a:spcPct val="100000"/>
+              </a:lnSpc>
+              <a:spcBef>
+                <a:spcPts val="0"/>
+              </a:spcBef>
+              <a:spcAft>
+                <a:spcPts val="0"/>
+              </a:spcAft>
+              <a:buClr>
+                <a:srgbClr val="000000"/>
+              </a:buClr>
+              <a:buSzPts val="1400"/>
+              <a:buFont typeface="Arial"/>
+              <a:buNone/>
+              <a:defRPr sz="1400" b="0" i="0" u="none" strike="noStrike" cap="none">
+                <a:solidFill>
+                  <a:srgbClr val="000000"/>
+                </a:solidFill>
+                <a:latin typeface="Arial"/>
+                <a:ea typeface="Arial"/>
+                <a:cs typeface="Arial"/>
+                <a:sym typeface="Arial"/>
+              </a:defRPr>
+            </a:lvl7pPr>
+            <a:lvl8pPr marL="0" marR="0" lvl="7" indent="0" algn="r">
+              <a:lnSpc>
+                <a:spcPct val="100000"/>
+              </a:lnSpc>
+              <a:spcBef>
+                <a:spcPts val="0"/>
+              </a:spcBef>
+              <a:spcAft>
+                <a:spcPts val="0"/>
+              </a:spcAft>
+              <a:buClr>
+                <a:srgbClr val="000000"/>
+              </a:buClr>
+              <a:buSzPts val="1400"/>
+              <a:buFont typeface="Arial"/>
+              <a:buNone/>
+              <a:defRPr sz="1400" b="0" i="0" u="none" strike="noStrike" cap="none">
+                <a:solidFill>
+                  <a:srgbClr val="000000"/>
+                </a:solidFill>
+                <a:latin typeface="Arial"/>
+                <a:ea typeface="Arial"/>
+                <a:cs typeface="Arial"/>
+                <a:sym typeface="Arial"/>
+              </a:defRPr>
+            </a:lvl8pPr>
+            <a:lvl9pPr marL="0" marR="0" lvl="8" indent="0" algn="r">
+              <a:lnSpc>
+                <a:spcPct val="100000"/>
+              </a:lnSpc>
+              <a:spcBef>
+                <a:spcPts val="0"/>
+              </a:spcBef>
+              <a:spcAft>
+                <a:spcPts val="0"/>
+              </a:spcAft>
+              <a:buClr>
+                <a:srgbClr val="000000"/>
+              </a:buClr>
+              <a:buSzPts val="1400"/>
+              <a:buFont typeface="Arial"/>
+              <a:buNone/>
+              <a:defRPr sz="1400" b="0" i="0" u="none" strike="noStrike" cap="none">
+                <a:solidFill>
+                  <a:srgbClr val="000000"/>
+                </a:solidFill>
+                <a:latin typeface="Arial"/>
+                <a:ea typeface="Arial"/>
+                <a:cs typeface="Arial"/>
+                <a:sym typeface="Arial"/>
+              </a:defRPr>
+            </a:lvl9pPr>
+          </a:lstStyle>
+          <a:p>
+            <a:pPr marL="0" lvl="0" indent="0" algn="r" rtl="0">
+              <a:spcBef>
+                <a:spcPts val="0"/>
+              </a:spcBef>
+              <a:spcAft>
+                <a:spcPts val="0"/>
+              </a:spcAft>
+              <a:buNone/>
+            </a:pPr>
+            <a:fld id="{00000000-1234-1234-1234-123412341234}" type="slidenum">
+              <a:rPr lang="en-US"/>
+              <a:t>‹#›</a:t>
+            </a:fld>
+            <a:endParaRPr/>
+          </a:p>
+        </p:txBody>
+      </p:sp>
+      <p:sp>
+        <p:nvSpPr>
+          <p:cNvPr id="33" name="Google Shape;33;p55"/>
+          <p:cNvSpPr/>
+          <p:nvPr/>
+        </p:nvSpPr>
+        <p:spPr>
+          <a:xfrm>
+            <a:off x="1" y="5504657"/>
+            <a:ext cx="6862232" cy="210343"/>
+          </a:xfrm>
+          <a:prstGeom prst="rect">
+            <a:avLst/>
+          </a:prstGeom>
+          <a:noFill/>
+          <a:ln>
+            <a:noFill/>
+          </a:ln>
+        </p:spPr>
+        <p:txBody>
+          <a:bodyPr spcFirstLastPara="1" wrap="square" lIns="91425" tIns="45700" rIns="91425" bIns="45700" anchor="b" anchorCtr="0">
+            <a:noAutofit/>
+          </a:bodyPr>
+          <a:lstStyle/>
+          <a:p>
+            <a:pPr marL="0" marR="0" lvl="0" indent="0" algn="l" rtl="0">
+              <a:lnSpc>
+                <a:spcPct val="100000"/>
+              </a:lnSpc>
+              <a:spcBef>
+                <a:spcPts val="0"/>
+              </a:spcBef>
+              <a:spcAft>
+                <a:spcPts val="0"/>
+              </a:spcAft>
+              <a:buClr>
+                <a:srgbClr val="000000"/>
+              </a:buClr>
+              <a:buSzPts val="800"/>
+              <a:buFont typeface="Arial"/>
+              <a:buNone/>
+            </a:pPr>
+            <a:r>
+              <a:rPr lang="en-US" sz="800" b="0" i="0" u="none" strike="noStrike" cap="none">
+                <a:solidFill>
+                  <a:srgbClr val="000000"/>
+                </a:solidFill>
+                <a:latin typeface="Arial"/>
+                <a:ea typeface="Arial"/>
+                <a:cs typeface="Arial"/>
+                <a:sym typeface="Arial"/>
+              </a:rPr>
+              <a:t>Except where otherwise noted, this work is licensed under a </a:t>
+            </a:r>
+            <a:r>
+              <a:rPr lang="en-US" sz="800" b="0" i="0" u="sng" strike="noStrike" cap="none">
+                <a:solidFill>
+                  <a:srgbClr val="000000"/>
+                </a:solidFill>
+                <a:latin typeface="Arial"/>
+                <a:ea typeface="Arial"/>
+                <a:cs typeface="Arial"/>
+                <a:sym typeface="Arial"/>
+                <a:hlinkClick r:id="rId2"/>
+              </a:rPr>
+              <a:t>Creative Commons Attribution-ShareAlike 4.0 International License</a:t>
+            </a:r>
+            <a:r>
+              <a:rPr lang="en-US" sz="800" b="0" i="0" u="none" strike="noStrike" cap="none">
+                <a:solidFill>
+                  <a:srgbClr val="000000"/>
+                </a:solidFill>
+                <a:latin typeface="Arial"/>
+                <a:ea typeface="Arial"/>
+                <a:cs typeface="Arial"/>
+                <a:sym typeface="Arial"/>
+              </a:rPr>
+              <a:t>.</a:t>
+            </a:r>
+            <a:endParaRPr/>
+          </a:p>
+        </p:txBody>
+      </p:sp>
+    </p:spTree>
+    <p:extLst>
+      <p:ext uri="{BB962C8B-B14F-4D97-AF65-F5344CB8AC3E}">
+        <p14:creationId xmlns:p14="http://schemas.microsoft.com/office/powerpoint/2010/main" val="1523931253"/>
+      </p:ext>
+    </p:extLst>
   </p:cSld>
   <p:clrMapOvr>
     <a:masterClrMapping/>
@@ -19159,939 +18389,6 @@
 </file>
 
 <file path=ppt/slideLayouts/slideLayout3.xml><?xml version="1.0" encoding="utf-8"?>
-<p:sldLayout xmlns:a="http://schemas.openxmlformats.org/drawingml/2006/main" xmlns:r="http://schemas.openxmlformats.org/officeDocument/2006/relationships" xmlns:p="http://schemas.openxmlformats.org/presentationml/2006/main" matchingName="Section Header" type="secHead">
-  <p:cSld name="SECTION_HEADER">
-    <p:spTree>
-      <p:nvGrpSpPr>
-        <p:cNvPr id="1" name="Shape 28"/>
-        <p:cNvGrpSpPr/>
-        <p:nvPr/>
-      </p:nvGrpSpPr>
-      <p:grpSpPr>
-        <a:xfrm>
-          <a:off x="0" y="0"/>
-          <a:ext cx="0" cy="0"/>
-          <a:chOff x="0" y="0"/>
-          <a:chExt cx="0" cy="0"/>
-        </a:xfrm>
-      </p:grpSpPr>
-      <p:sp>
-        <p:nvSpPr>
-          <p:cNvPr id="29" name="Google Shape;29;p55"/>
-          <p:cNvSpPr txBox="1">
-            <a:spLocks noGrp="1"/>
-          </p:cNvSpPr>
-          <p:nvPr>
-            <p:ph type="title"/>
-          </p:nvPr>
-        </p:nvSpPr>
-        <p:spPr>
-          <a:xfrm>
-            <a:off x="1929211" y="2222499"/>
-            <a:ext cx="6698060" cy="1758652"/>
-          </a:xfrm>
-          <a:prstGeom prst="rect">
-            <a:avLst/>
-          </a:prstGeom>
-          <a:noFill/>
-          <a:ln>
-            <a:noFill/>
-          </a:ln>
-        </p:spPr>
-        <p:txBody>
-          <a:bodyPr spcFirstLastPara="1" wrap="square" lIns="91425" tIns="91425" rIns="91425" bIns="91425" anchor="b" anchorCtr="0">
-            <a:noAutofit/>
-          </a:bodyPr>
-          <a:lstStyle>
-            <a:lvl1pPr lvl="0" algn="r">
-              <a:lnSpc>
-                <a:spcPct val="100000"/>
-              </a:lnSpc>
-              <a:spcBef>
-                <a:spcPts val="0"/>
-              </a:spcBef>
-              <a:spcAft>
-                <a:spcPts val="0"/>
-              </a:spcAft>
-              <a:buSzPts val="3200"/>
-              <a:buNone/>
-              <a:defRPr sz="2500" b="0" cap="none"/>
-            </a:lvl1pPr>
-            <a:lvl2pPr lvl="1" algn="l">
-              <a:spcBef>
-                <a:spcPts val="0"/>
-              </a:spcBef>
-              <a:spcAft>
-                <a:spcPts val="0"/>
-              </a:spcAft>
-              <a:buClr>
-                <a:schemeClr val="dk2"/>
-              </a:buClr>
-              <a:buSzPts val="1400"/>
-              <a:buNone/>
-              <a:defRPr/>
-            </a:lvl2pPr>
-            <a:lvl3pPr lvl="2" algn="l">
-              <a:spcBef>
-                <a:spcPts val="0"/>
-              </a:spcBef>
-              <a:spcAft>
-                <a:spcPts val="0"/>
-              </a:spcAft>
-              <a:buClr>
-                <a:schemeClr val="dk2"/>
-              </a:buClr>
-              <a:buSzPts val="1400"/>
-              <a:buNone/>
-              <a:defRPr/>
-            </a:lvl3pPr>
-            <a:lvl4pPr lvl="3" algn="l">
-              <a:spcBef>
-                <a:spcPts val="0"/>
-              </a:spcBef>
-              <a:spcAft>
-                <a:spcPts val="0"/>
-              </a:spcAft>
-              <a:buClr>
-                <a:schemeClr val="dk2"/>
-              </a:buClr>
-              <a:buSzPts val="1400"/>
-              <a:buNone/>
-              <a:defRPr/>
-            </a:lvl4pPr>
-            <a:lvl5pPr lvl="4" algn="l">
-              <a:spcBef>
-                <a:spcPts val="0"/>
-              </a:spcBef>
-              <a:spcAft>
-                <a:spcPts val="0"/>
-              </a:spcAft>
-              <a:buClr>
-                <a:schemeClr val="dk2"/>
-              </a:buClr>
-              <a:buSzPts val="1400"/>
-              <a:buNone/>
-              <a:defRPr/>
-            </a:lvl5pPr>
-            <a:lvl6pPr lvl="5" algn="l">
-              <a:spcBef>
-                <a:spcPts val="0"/>
-              </a:spcBef>
-              <a:spcAft>
-                <a:spcPts val="0"/>
-              </a:spcAft>
-              <a:buClr>
-                <a:schemeClr val="dk2"/>
-              </a:buClr>
-              <a:buSzPts val="1400"/>
-              <a:buNone/>
-              <a:defRPr/>
-            </a:lvl6pPr>
-            <a:lvl7pPr lvl="6" algn="l">
-              <a:spcBef>
-                <a:spcPts val="0"/>
-              </a:spcBef>
-              <a:spcAft>
-                <a:spcPts val="0"/>
-              </a:spcAft>
-              <a:buClr>
-                <a:schemeClr val="dk2"/>
-              </a:buClr>
-              <a:buSzPts val="1400"/>
-              <a:buNone/>
-              <a:defRPr/>
-            </a:lvl7pPr>
-            <a:lvl8pPr lvl="7" algn="l">
-              <a:spcBef>
-                <a:spcPts val="0"/>
-              </a:spcBef>
-              <a:spcAft>
-                <a:spcPts val="0"/>
-              </a:spcAft>
-              <a:buClr>
-                <a:schemeClr val="dk2"/>
-              </a:buClr>
-              <a:buSzPts val="1400"/>
-              <a:buNone/>
-              <a:defRPr/>
-            </a:lvl8pPr>
-            <a:lvl9pPr lvl="8" algn="l">
-              <a:spcBef>
-                <a:spcPts val="0"/>
-              </a:spcBef>
-              <a:spcAft>
-                <a:spcPts val="0"/>
-              </a:spcAft>
-              <a:buClr>
-                <a:schemeClr val="dk2"/>
-              </a:buClr>
-              <a:buSzPts val="1400"/>
-              <a:buNone/>
-              <a:defRPr/>
-            </a:lvl9pPr>
-          </a:lstStyle>
-          <a:p>
-            <a:endParaRPr/>
-          </a:p>
-        </p:txBody>
-      </p:sp>
-      <p:sp>
-        <p:nvSpPr>
-          <p:cNvPr id="30" name="Google Shape;30;p55"/>
-          <p:cNvSpPr txBox="1">
-            <a:spLocks noGrp="1"/>
-          </p:cNvSpPr>
-          <p:nvPr>
-            <p:ph type="body" idx="1"/>
-          </p:nvPr>
-        </p:nvSpPr>
-        <p:spPr>
-          <a:xfrm>
-            <a:off x="1929210" y="3981151"/>
-            <a:ext cx="6698061" cy="717000"/>
-          </a:xfrm>
-          <a:prstGeom prst="rect">
-            <a:avLst/>
-          </a:prstGeom>
-          <a:noFill/>
-          <a:ln>
-            <a:noFill/>
-          </a:ln>
-        </p:spPr>
-        <p:txBody>
-          <a:bodyPr spcFirstLastPara="1" wrap="square" lIns="91425" tIns="91425" rIns="91425" bIns="91425" anchor="t" anchorCtr="0">
-            <a:normAutofit/>
-          </a:bodyPr>
-          <a:lstStyle>
-            <a:lvl1pPr marL="457200" lvl="0" indent="-228600" algn="r">
-              <a:lnSpc>
-                <a:spcPct val="100000"/>
-              </a:lnSpc>
-              <a:spcBef>
-                <a:spcPts val="480"/>
-              </a:spcBef>
-              <a:spcAft>
-                <a:spcPts val="0"/>
-              </a:spcAft>
-              <a:buSzPts val="3480"/>
-              <a:buNone/>
-              <a:defRPr sz="1250">
-                <a:solidFill>
-                  <a:schemeClr val="dk1"/>
-                </a:solidFill>
-              </a:defRPr>
-            </a:lvl1pPr>
-            <a:lvl2pPr marL="914400" lvl="1" indent="-228600" algn="l">
-              <a:lnSpc>
-                <a:spcPct val="100000"/>
-              </a:lnSpc>
-              <a:spcBef>
-                <a:spcPts val="440"/>
-              </a:spcBef>
-              <a:spcAft>
-                <a:spcPts val="0"/>
-              </a:spcAft>
-              <a:buSzPts val="3190"/>
-              <a:buNone/>
-              <a:defRPr sz="1125">
-                <a:solidFill>
-                  <a:srgbClr val="8891AD"/>
-                </a:solidFill>
-              </a:defRPr>
-            </a:lvl2pPr>
-            <a:lvl3pPr marL="1371600" lvl="2" indent="-228600" algn="l">
-              <a:lnSpc>
-                <a:spcPct val="100000"/>
-              </a:lnSpc>
-              <a:spcBef>
-                <a:spcPts val="400"/>
-              </a:spcBef>
-              <a:spcAft>
-                <a:spcPts val="0"/>
-              </a:spcAft>
-              <a:buSzPts val="2900"/>
-              <a:buNone/>
-              <a:defRPr sz="1000">
-                <a:solidFill>
-                  <a:srgbClr val="8891AD"/>
-                </a:solidFill>
-              </a:defRPr>
-            </a:lvl3pPr>
-            <a:lvl4pPr marL="1828800" lvl="3" indent="-228600" algn="l">
-              <a:lnSpc>
-                <a:spcPct val="100000"/>
-              </a:lnSpc>
-              <a:spcBef>
-                <a:spcPts val="375"/>
-              </a:spcBef>
-              <a:spcAft>
-                <a:spcPts val="0"/>
-              </a:spcAft>
-              <a:buSzPts val="2610"/>
-              <a:buNone/>
-              <a:defRPr sz="875">
-                <a:solidFill>
-                  <a:srgbClr val="8891AD"/>
-                </a:solidFill>
-              </a:defRPr>
-            </a:lvl4pPr>
-            <a:lvl5pPr marL="2286000" lvl="4" indent="-228600" algn="l">
-              <a:lnSpc>
-                <a:spcPct val="100000"/>
-              </a:lnSpc>
-              <a:spcBef>
-                <a:spcPts val="375"/>
-              </a:spcBef>
-              <a:spcAft>
-                <a:spcPts val="0"/>
-              </a:spcAft>
-              <a:buSzPts val="2320"/>
-              <a:buNone/>
-              <a:defRPr sz="875">
-                <a:solidFill>
-                  <a:srgbClr val="8891AD"/>
-                </a:solidFill>
-              </a:defRPr>
-            </a:lvl5pPr>
-            <a:lvl6pPr marL="2743200" lvl="5" indent="-228600" algn="l">
-              <a:lnSpc>
-                <a:spcPct val="100000"/>
-              </a:lnSpc>
-              <a:spcBef>
-                <a:spcPts val="375"/>
-              </a:spcBef>
-              <a:spcAft>
-                <a:spcPts val="0"/>
-              </a:spcAft>
-              <a:buSzPts val="1269"/>
-              <a:buNone/>
-              <a:defRPr sz="875">
-                <a:solidFill>
-                  <a:srgbClr val="8891AD"/>
-                </a:solidFill>
-              </a:defRPr>
-            </a:lvl6pPr>
-            <a:lvl7pPr marL="3200400" lvl="6" indent="-228600" algn="l">
-              <a:lnSpc>
-                <a:spcPct val="100000"/>
-              </a:lnSpc>
-              <a:spcBef>
-                <a:spcPts val="375"/>
-              </a:spcBef>
-              <a:spcAft>
-                <a:spcPts val="0"/>
-              </a:spcAft>
-              <a:buSzPts val="1269"/>
-              <a:buNone/>
-              <a:defRPr sz="875">
-                <a:solidFill>
-                  <a:srgbClr val="8891AD"/>
-                </a:solidFill>
-              </a:defRPr>
-            </a:lvl7pPr>
-            <a:lvl8pPr marL="3657600" lvl="7" indent="-228600" algn="l">
-              <a:lnSpc>
-                <a:spcPct val="100000"/>
-              </a:lnSpc>
-              <a:spcBef>
-                <a:spcPts val="375"/>
-              </a:spcBef>
-              <a:spcAft>
-                <a:spcPts val="0"/>
-              </a:spcAft>
-              <a:buSzPts val="1269"/>
-              <a:buNone/>
-              <a:defRPr sz="875">
-                <a:solidFill>
-                  <a:srgbClr val="8891AD"/>
-                </a:solidFill>
-              </a:defRPr>
-            </a:lvl8pPr>
-            <a:lvl9pPr marL="4114800" lvl="8" indent="-228600" algn="l">
-              <a:lnSpc>
-                <a:spcPct val="100000"/>
-              </a:lnSpc>
-              <a:spcBef>
-                <a:spcPts val="375"/>
-              </a:spcBef>
-              <a:spcAft>
-                <a:spcPts val="375"/>
-              </a:spcAft>
-              <a:buSzPts val="1269"/>
-              <a:buNone/>
-              <a:defRPr sz="875">
-                <a:solidFill>
-                  <a:srgbClr val="8891AD"/>
-                </a:solidFill>
-              </a:defRPr>
-            </a:lvl9pPr>
-          </a:lstStyle>
-          <a:p>
-            <a:endParaRPr/>
-          </a:p>
-        </p:txBody>
-      </p:sp>
-      <p:sp>
-        <p:nvSpPr>
-          <p:cNvPr id="31" name="Google Shape;31;p55"/>
-          <p:cNvSpPr txBox="1">
-            <a:spLocks noGrp="1"/>
-          </p:cNvSpPr>
-          <p:nvPr>
-            <p:ph type="dt" idx="10"/>
-          </p:nvPr>
-        </p:nvSpPr>
-        <p:spPr>
-          <a:xfrm>
-            <a:off x="7299491" y="5258597"/>
-            <a:ext cx="857250" cy="304271"/>
-          </a:xfrm>
-          <a:prstGeom prst="rect">
-            <a:avLst/>
-          </a:prstGeom>
-          <a:noFill/>
-          <a:ln>
-            <a:noFill/>
-          </a:ln>
-        </p:spPr>
-        <p:txBody>
-          <a:bodyPr spcFirstLastPara="1" wrap="square" lIns="91425" tIns="91425" rIns="91425" bIns="91425" anchor="ctr" anchorCtr="0">
-            <a:noAutofit/>
-          </a:bodyPr>
-          <a:lstStyle>
-            <a:lvl1pPr lvl="0" algn="r">
-              <a:lnSpc>
-                <a:spcPct val="100000"/>
-              </a:lnSpc>
-              <a:spcBef>
-                <a:spcPts val="160"/>
-              </a:spcBef>
-              <a:spcAft>
-                <a:spcPts val="0"/>
-              </a:spcAft>
-              <a:buClr>
-                <a:schemeClr val="dk1"/>
-              </a:buClr>
-              <a:buSzPts val="1400"/>
-              <a:buFont typeface="Corbel"/>
-              <a:buNone/>
-              <a:defRPr/>
-            </a:lvl1pPr>
-            <a:lvl2pPr lvl="1" algn="ctr">
-              <a:lnSpc>
-                <a:spcPct val="100000"/>
-              </a:lnSpc>
-              <a:spcBef>
-                <a:spcPts val="400"/>
-              </a:spcBef>
-              <a:spcAft>
-                <a:spcPts val="0"/>
-              </a:spcAft>
-              <a:buClr>
-                <a:schemeClr val="dk1"/>
-              </a:buClr>
-              <a:buSzPts val="1400"/>
-              <a:buNone/>
-              <a:defRPr/>
-            </a:lvl2pPr>
-            <a:lvl3pPr lvl="2" algn="ctr">
-              <a:lnSpc>
-                <a:spcPct val="100000"/>
-              </a:lnSpc>
-              <a:spcBef>
-                <a:spcPts val="400"/>
-              </a:spcBef>
-              <a:spcAft>
-                <a:spcPts val="0"/>
-              </a:spcAft>
-              <a:buClr>
-                <a:schemeClr val="dk1"/>
-              </a:buClr>
-              <a:buSzPts val="1400"/>
-              <a:buNone/>
-              <a:defRPr/>
-            </a:lvl3pPr>
-            <a:lvl4pPr lvl="3" algn="ctr">
-              <a:lnSpc>
-                <a:spcPct val="100000"/>
-              </a:lnSpc>
-              <a:spcBef>
-                <a:spcPts val="400"/>
-              </a:spcBef>
-              <a:spcAft>
-                <a:spcPts val="0"/>
-              </a:spcAft>
-              <a:buClr>
-                <a:schemeClr val="dk1"/>
-              </a:buClr>
-              <a:buSzPts val="1400"/>
-              <a:buNone/>
-              <a:defRPr/>
-            </a:lvl4pPr>
-            <a:lvl5pPr lvl="4" algn="ctr">
-              <a:lnSpc>
-                <a:spcPct val="100000"/>
-              </a:lnSpc>
-              <a:spcBef>
-                <a:spcPts val="400"/>
-              </a:spcBef>
-              <a:spcAft>
-                <a:spcPts val="0"/>
-              </a:spcAft>
-              <a:buClr>
-                <a:schemeClr val="dk1"/>
-              </a:buClr>
-              <a:buSzPts val="1400"/>
-              <a:buNone/>
-              <a:defRPr/>
-            </a:lvl5pPr>
-            <a:lvl6pPr lvl="5" algn="l">
-              <a:lnSpc>
-                <a:spcPct val="100000"/>
-              </a:lnSpc>
-              <a:spcBef>
-                <a:spcPts val="0"/>
-              </a:spcBef>
-              <a:spcAft>
-                <a:spcPts val="0"/>
-              </a:spcAft>
-              <a:buClr>
-                <a:schemeClr val="dk1"/>
-              </a:buClr>
-              <a:buSzPts val="1400"/>
-              <a:buNone/>
-              <a:defRPr/>
-            </a:lvl6pPr>
-            <a:lvl7pPr lvl="6" algn="l">
-              <a:lnSpc>
-                <a:spcPct val="100000"/>
-              </a:lnSpc>
-              <a:spcBef>
-                <a:spcPts val="0"/>
-              </a:spcBef>
-              <a:spcAft>
-                <a:spcPts val="0"/>
-              </a:spcAft>
-              <a:buClr>
-                <a:schemeClr val="dk1"/>
-              </a:buClr>
-              <a:buSzPts val="1400"/>
-              <a:buNone/>
-              <a:defRPr/>
-            </a:lvl7pPr>
-            <a:lvl8pPr lvl="7" algn="l">
-              <a:lnSpc>
-                <a:spcPct val="100000"/>
-              </a:lnSpc>
-              <a:spcBef>
-                <a:spcPts val="0"/>
-              </a:spcBef>
-              <a:spcAft>
-                <a:spcPts val="0"/>
-              </a:spcAft>
-              <a:buClr>
-                <a:schemeClr val="dk1"/>
-              </a:buClr>
-              <a:buSzPts val="1400"/>
-              <a:buNone/>
-              <a:defRPr/>
-            </a:lvl8pPr>
-            <a:lvl9pPr lvl="8" algn="l">
-              <a:lnSpc>
-                <a:spcPct val="100000"/>
-              </a:lnSpc>
-              <a:spcBef>
-                <a:spcPts val="0"/>
-              </a:spcBef>
-              <a:spcAft>
-                <a:spcPts val="0"/>
-              </a:spcAft>
-              <a:buClr>
-                <a:schemeClr val="dk1"/>
-              </a:buClr>
-              <a:buSzPts val="1400"/>
-              <a:buNone/>
-              <a:defRPr/>
-            </a:lvl9pPr>
-          </a:lstStyle>
-          <a:p>
-            <a:endParaRPr/>
-          </a:p>
-        </p:txBody>
-      </p:sp>
-      <p:sp>
-        <p:nvSpPr>
-          <p:cNvPr id="32" name="Google Shape;32;p55"/>
-          <p:cNvSpPr txBox="1">
-            <a:spLocks noGrp="1"/>
-          </p:cNvSpPr>
-          <p:nvPr>
-            <p:ph type="sldNum" idx="12"/>
-          </p:nvPr>
-        </p:nvSpPr>
-        <p:spPr>
-          <a:xfrm>
-            <a:off x="8213894" y="5258597"/>
-            <a:ext cx="413377" cy="304271"/>
-          </a:xfrm>
-          <a:prstGeom prst="rect">
-            <a:avLst/>
-          </a:prstGeom>
-          <a:noFill/>
-          <a:ln>
-            <a:noFill/>
-          </a:ln>
-        </p:spPr>
-        <p:txBody>
-          <a:bodyPr spcFirstLastPara="1" wrap="square" lIns="91425" tIns="45700" rIns="91425" bIns="45700" anchor="ctr" anchorCtr="0">
-            <a:noAutofit/>
-          </a:bodyPr>
-          <a:lstStyle>
-            <a:lvl1pPr marL="0" marR="0" lvl="0" indent="0" algn="r">
-              <a:lnSpc>
-                <a:spcPct val="100000"/>
-              </a:lnSpc>
-              <a:spcBef>
-                <a:spcPts val="0"/>
-              </a:spcBef>
-              <a:spcAft>
-                <a:spcPts val="0"/>
-              </a:spcAft>
-              <a:buClr>
-                <a:srgbClr val="000000"/>
-              </a:buClr>
-              <a:buSzPts val="1400"/>
-              <a:buFont typeface="Arial"/>
-              <a:buNone/>
-              <a:defRPr sz="1400" b="0" i="0" u="none" strike="noStrike" cap="none">
-                <a:solidFill>
-                  <a:srgbClr val="000000"/>
-                </a:solidFill>
-                <a:latin typeface="Arial"/>
-                <a:ea typeface="Arial"/>
-                <a:cs typeface="Arial"/>
-                <a:sym typeface="Arial"/>
-              </a:defRPr>
-            </a:lvl1pPr>
-            <a:lvl2pPr marL="0" marR="0" lvl="1" indent="0" algn="r">
-              <a:lnSpc>
-                <a:spcPct val="100000"/>
-              </a:lnSpc>
-              <a:spcBef>
-                <a:spcPts val="0"/>
-              </a:spcBef>
-              <a:spcAft>
-                <a:spcPts val="0"/>
-              </a:spcAft>
-              <a:buClr>
-                <a:srgbClr val="000000"/>
-              </a:buClr>
-              <a:buSzPts val="1400"/>
-              <a:buFont typeface="Arial"/>
-              <a:buNone/>
-              <a:defRPr sz="1400" b="0" i="0" u="none" strike="noStrike" cap="none">
-                <a:solidFill>
-                  <a:srgbClr val="000000"/>
-                </a:solidFill>
-                <a:latin typeface="Arial"/>
-                <a:ea typeface="Arial"/>
-                <a:cs typeface="Arial"/>
-                <a:sym typeface="Arial"/>
-              </a:defRPr>
-            </a:lvl2pPr>
-            <a:lvl3pPr marL="0" marR="0" lvl="2" indent="0" algn="r">
-              <a:lnSpc>
-                <a:spcPct val="100000"/>
-              </a:lnSpc>
-              <a:spcBef>
-                <a:spcPts val="0"/>
-              </a:spcBef>
-              <a:spcAft>
-                <a:spcPts val="0"/>
-              </a:spcAft>
-              <a:buClr>
-                <a:srgbClr val="000000"/>
-              </a:buClr>
-              <a:buSzPts val="1400"/>
-              <a:buFont typeface="Arial"/>
-              <a:buNone/>
-              <a:defRPr sz="1400" b="0" i="0" u="none" strike="noStrike" cap="none">
-                <a:solidFill>
-                  <a:srgbClr val="000000"/>
-                </a:solidFill>
-                <a:latin typeface="Arial"/>
-                <a:ea typeface="Arial"/>
-                <a:cs typeface="Arial"/>
-                <a:sym typeface="Arial"/>
-              </a:defRPr>
-            </a:lvl3pPr>
-            <a:lvl4pPr marL="0" marR="0" lvl="3" indent="0" algn="r">
-              <a:lnSpc>
-                <a:spcPct val="100000"/>
-              </a:lnSpc>
-              <a:spcBef>
-                <a:spcPts val="0"/>
-              </a:spcBef>
-              <a:spcAft>
-                <a:spcPts val="0"/>
-              </a:spcAft>
-              <a:buClr>
-                <a:srgbClr val="000000"/>
-              </a:buClr>
-              <a:buSzPts val="1400"/>
-              <a:buFont typeface="Arial"/>
-              <a:buNone/>
-              <a:defRPr sz="1400" b="0" i="0" u="none" strike="noStrike" cap="none">
-                <a:solidFill>
-                  <a:srgbClr val="000000"/>
-                </a:solidFill>
-                <a:latin typeface="Arial"/>
-                <a:ea typeface="Arial"/>
-                <a:cs typeface="Arial"/>
-                <a:sym typeface="Arial"/>
-              </a:defRPr>
-            </a:lvl4pPr>
-            <a:lvl5pPr marL="0" marR="0" lvl="4" indent="0" algn="r">
-              <a:lnSpc>
-                <a:spcPct val="100000"/>
-              </a:lnSpc>
-              <a:spcBef>
-                <a:spcPts val="0"/>
-              </a:spcBef>
-              <a:spcAft>
-                <a:spcPts val="0"/>
-              </a:spcAft>
-              <a:buClr>
-                <a:srgbClr val="000000"/>
-              </a:buClr>
-              <a:buSzPts val="1400"/>
-              <a:buFont typeface="Arial"/>
-              <a:buNone/>
-              <a:defRPr sz="1400" b="0" i="0" u="none" strike="noStrike" cap="none">
-                <a:solidFill>
-                  <a:srgbClr val="000000"/>
-                </a:solidFill>
-                <a:latin typeface="Arial"/>
-                <a:ea typeface="Arial"/>
-                <a:cs typeface="Arial"/>
-                <a:sym typeface="Arial"/>
-              </a:defRPr>
-            </a:lvl5pPr>
-            <a:lvl6pPr marL="0" marR="0" lvl="5" indent="0" algn="r">
-              <a:lnSpc>
-                <a:spcPct val="100000"/>
-              </a:lnSpc>
-              <a:spcBef>
-                <a:spcPts val="0"/>
-              </a:spcBef>
-              <a:spcAft>
-                <a:spcPts val="0"/>
-              </a:spcAft>
-              <a:buClr>
-                <a:srgbClr val="000000"/>
-              </a:buClr>
-              <a:buSzPts val="1400"/>
-              <a:buFont typeface="Arial"/>
-              <a:buNone/>
-              <a:defRPr sz="1400" b="0" i="0" u="none" strike="noStrike" cap="none">
-                <a:solidFill>
-                  <a:srgbClr val="000000"/>
-                </a:solidFill>
-                <a:latin typeface="Arial"/>
-                <a:ea typeface="Arial"/>
-                <a:cs typeface="Arial"/>
-                <a:sym typeface="Arial"/>
-              </a:defRPr>
-            </a:lvl6pPr>
-            <a:lvl7pPr marL="0" marR="0" lvl="6" indent="0" algn="r">
-              <a:lnSpc>
-                <a:spcPct val="100000"/>
-              </a:lnSpc>
-              <a:spcBef>
-                <a:spcPts val="0"/>
-              </a:spcBef>
-              <a:spcAft>
-                <a:spcPts val="0"/>
-              </a:spcAft>
-              <a:buClr>
-                <a:srgbClr val="000000"/>
-              </a:buClr>
-              <a:buSzPts val="1400"/>
-              <a:buFont typeface="Arial"/>
-              <a:buNone/>
-              <a:defRPr sz="1400" b="0" i="0" u="none" strike="noStrike" cap="none">
-                <a:solidFill>
-                  <a:srgbClr val="000000"/>
-                </a:solidFill>
-                <a:latin typeface="Arial"/>
-                <a:ea typeface="Arial"/>
-                <a:cs typeface="Arial"/>
-                <a:sym typeface="Arial"/>
-              </a:defRPr>
-            </a:lvl7pPr>
-            <a:lvl8pPr marL="0" marR="0" lvl="7" indent="0" algn="r">
-              <a:lnSpc>
-                <a:spcPct val="100000"/>
-              </a:lnSpc>
-              <a:spcBef>
-                <a:spcPts val="0"/>
-              </a:spcBef>
-              <a:spcAft>
-                <a:spcPts val="0"/>
-              </a:spcAft>
-              <a:buClr>
-                <a:srgbClr val="000000"/>
-              </a:buClr>
-              <a:buSzPts val="1400"/>
-              <a:buFont typeface="Arial"/>
-              <a:buNone/>
-              <a:defRPr sz="1400" b="0" i="0" u="none" strike="noStrike" cap="none">
-                <a:solidFill>
-                  <a:srgbClr val="000000"/>
-                </a:solidFill>
-                <a:latin typeface="Arial"/>
-                <a:ea typeface="Arial"/>
-                <a:cs typeface="Arial"/>
-                <a:sym typeface="Arial"/>
-              </a:defRPr>
-            </a:lvl8pPr>
-            <a:lvl9pPr marL="0" marR="0" lvl="8" indent="0" algn="r">
-              <a:lnSpc>
-                <a:spcPct val="100000"/>
-              </a:lnSpc>
-              <a:spcBef>
-                <a:spcPts val="0"/>
-              </a:spcBef>
-              <a:spcAft>
-                <a:spcPts val="0"/>
-              </a:spcAft>
-              <a:buClr>
-                <a:srgbClr val="000000"/>
-              </a:buClr>
-              <a:buSzPts val="1400"/>
-              <a:buFont typeface="Arial"/>
-              <a:buNone/>
-              <a:defRPr sz="1400" b="0" i="0" u="none" strike="noStrike" cap="none">
-                <a:solidFill>
-                  <a:srgbClr val="000000"/>
-                </a:solidFill>
-                <a:latin typeface="Arial"/>
-                <a:ea typeface="Arial"/>
-                <a:cs typeface="Arial"/>
-                <a:sym typeface="Arial"/>
-              </a:defRPr>
-            </a:lvl9pPr>
-          </a:lstStyle>
-          <a:p>
-            <a:pPr marL="0" lvl="0" indent="0" algn="r" rtl="0">
-              <a:spcBef>
-                <a:spcPts val="0"/>
-              </a:spcBef>
-              <a:spcAft>
-                <a:spcPts val="0"/>
-              </a:spcAft>
-              <a:buNone/>
-            </a:pPr>
-            <a:fld id="{00000000-1234-1234-1234-123412341234}" type="slidenum">
-              <a:rPr lang="en-US"/>
-              <a:t>‹#›</a:t>
-            </a:fld>
-            <a:endParaRPr/>
-          </a:p>
-        </p:txBody>
-      </p:sp>
-      <p:sp>
-        <p:nvSpPr>
-          <p:cNvPr id="33" name="Google Shape;33;p55"/>
-          <p:cNvSpPr/>
-          <p:nvPr/>
-        </p:nvSpPr>
-        <p:spPr>
-          <a:xfrm>
-            <a:off x="1" y="5504657"/>
-            <a:ext cx="6862232" cy="210343"/>
-          </a:xfrm>
-          <a:prstGeom prst="rect">
-            <a:avLst/>
-          </a:prstGeom>
-          <a:noFill/>
-          <a:ln>
-            <a:noFill/>
-          </a:ln>
-        </p:spPr>
-        <p:txBody>
-          <a:bodyPr spcFirstLastPara="1" wrap="square" lIns="91425" tIns="45700" rIns="91425" bIns="45700" anchor="b" anchorCtr="0">
-            <a:noAutofit/>
-          </a:bodyPr>
-          <a:lstStyle/>
-          <a:p>
-            <a:pPr marL="0" marR="0" lvl="0" indent="0" algn="l" rtl="0">
-              <a:lnSpc>
-                <a:spcPct val="100000"/>
-              </a:lnSpc>
-              <a:spcBef>
-                <a:spcPts val="0"/>
-              </a:spcBef>
-              <a:spcAft>
-                <a:spcPts val="0"/>
-              </a:spcAft>
-              <a:buClr>
-                <a:srgbClr val="000000"/>
-              </a:buClr>
-              <a:buSzPts val="800"/>
-              <a:buFont typeface="Arial"/>
-              <a:buNone/>
-            </a:pPr>
-            <a:r>
-              <a:rPr lang="en-US" sz="800" b="0" i="0" u="none" strike="noStrike" cap="none">
-                <a:solidFill>
-                  <a:srgbClr val="000000"/>
-                </a:solidFill>
-                <a:latin typeface="Arial"/>
-                <a:ea typeface="Arial"/>
-                <a:cs typeface="Arial"/>
-                <a:sym typeface="Arial"/>
-              </a:rPr>
-              <a:t>Except where otherwise noted, this work is licensed under a </a:t>
-            </a:r>
-            <a:r>
-              <a:rPr lang="en-US" sz="800" b="0" i="0" u="sng" strike="noStrike" cap="none">
-                <a:solidFill>
-                  <a:srgbClr val="000000"/>
-                </a:solidFill>
-                <a:latin typeface="Arial"/>
-                <a:ea typeface="Arial"/>
-                <a:cs typeface="Arial"/>
-                <a:sym typeface="Arial"/>
-                <a:hlinkClick r:id="rId2"/>
-              </a:rPr>
-              <a:t>Creative Commons Attribution-ShareAlike 4.0 International License</a:t>
-            </a:r>
-            <a:r>
-              <a:rPr lang="en-US" sz="800" b="0" i="0" u="none" strike="noStrike" cap="none">
-                <a:solidFill>
-                  <a:srgbClr val="000000"/>
-                </a:solidFill>
-                <a:latin typeface="Arial"/>
-                <a:ea typeface="Arial"/>
-                <a:cs typeface="Arial"/>
-                <a:sym typeface="Arial"/>
-              </a:rPr>
-              <a:t>.</a:t>
-            </a:r>
-            <a:endParaRPr/>
-          </a:p>
-        </p:txBody>
-      </p:sp>
-    </p:spTree>
-  </p:cSld>
-  <p:clrMapOvr>
-    <a:masterClrMapping/>
-  </p:clrMapOvr>
-</p:sldLayout>
-</file>
-
-<file path=ppt/slideLayouts/slideLayout4.xml><?xml version="1.0" encoding="utf-8"?>
 <p:sldLayout xmlns:a="http://schemas.openxmlformats.org/drawingml/2006/main" xmlns:r="http://schemas.openxmlformats.org/officeDocument/2006/relationships" xmlns:p="http://schemas.openxmlformats.org/presentationml/2006/main" matchingName="Comparison" type="twoTxTwoObj">
   <p:cSld name="TWO_OBJECTS_WITH_TEXT">
     <p:spTree>
@@ -22220,7 +20517,7 @@
 </p:sldLayout>
 </file>
 
-<file path=ppt/slideLayouts/slideLayout5.xml><?xml version="1.0" encoding="utf-8"?>
+<file path=ppt/slideLayouts/slideLayout4.xml><?xml version="1.0" encoding="utf-8"?>
 <p:sldLayout xmlns:a="http://schemas.openxmlformats.org/drawingml/2006/main" xmlns:r="http://schemas.openxmlformats.org/officeDocument/2006/relationships" xmlns:p="http://schemas.openxmlformats.org/presentationml/2006/main" matchingName="Blank" type="blank">
   <p:cSld name="BLANK">
     <p:spTree>
@@ -23073,7 +21370,7 @@
 </p:sldLayout>
 </file>
 
-<file path=ppt/slideLayouts/slideLayout6.xml><?xml version="1.0" encoding="utf-8"?>
+<file path=ppt/slideLayouts/slideLayout5.xml><?xml version="1.0" encoding="utf-8"?>
 <p:sldLayout xmlns:a="http://schemas.openxmlformats.org/drawingml/2006/main" xmlns:r="http://schemas.openxmlformats.org/officeDocument/2006/relationships" xmlns:p="http://schemas.openxmlformats.org/presentationml/2006/main" matchingName="Content with Caption" type="objTx">
   <p:cSld name="OBJECT_WITH_CAPTION_TEXT">
     <p:spTree>
@@ -24666,7 +22963,7 @@
 </p:sldLayout>
 </file>
 
-<file path=ppt/slideLayouts/slideLayout7.xml><?xml version="1.0" encoding="utf-8"?>
+<file path=ppt/slideLayouts/slideLayout6.xml><?xml version="1.0" encoding="utf-8"?>
 <p:sldLayout xmlns:a="http://schemas.openxmlformats.org/drawingml/2006/main" xmlns:r="http://schemas.openxmlformats.org/officeDocument/2006/relationships" xmlns:p="http://schemas.openxmlformats.org/presentationml/2006/main" matchingName="Picture with Caption" type="picTx">
   <p:cSld name="PICTURE_WITH_CAPTION_TEXT">
     <p:spTree>
@@ -26267,7 +24564,7 @@
 </p:sldLayout>
 </file>
 
-<file path=ppt/slideLayouts/slideLayout8.xml><?xml version="1.0" encoding="utf-8"?>
+<file path=ppt/slideLayouts/slideLayout7.xml><?xml version="1.0" encoding="utf-8"?>
 <p:sldLayout xmlns:a="http://schemas.openxmlformats.org/drawingml/2006/main" xmlns:r="http://schemas.openxmlformats.org/officeDocument/2006/relationships" xmlns:p="http://schemas.openxmlformats.org/presentationml/2006/main" matchingName="Panoramic Picture with Caption">
   <p:cSld name="Panoramic Picture with Caption">
     <p:spTree>
@@ -27868,7 +26165,7 @@
 </p:sldLayout>
 </file>
 
-<file path=ppt/slideLayouts/slideLayout9.xml><?xml version="1.0" encoding="utf-8"?>
+<file path=ppt/slideLayouts/slideLayout8.xml><?xml version="1.0" encoding="utf-8"?>
 <p:sldLayout xmlns:a="http://schemas.openxmlformats.org/drawingml/2006/main" xmlns:r="http://schemas.openxmlformats.org/officeDocument/2006/relationships" xmlns:p="http://schemas.openxmlformats.org/presentationml/2006/main" matchingName="Title and Caption">
   <p:cSld name="Title and Caption">
     <p:spTree>
@@ -29105,6 +27402,1715 @@
       <p:sp>
         <p:nvSpPr>
           <p:cNvPr id="79" name="Google Shape;79;p61"/>
+          <p:cNvSpPr/>
+          <p:nvPr/>
+        </p:nvSpPr>
+        <p:spPr>
+          <a:xfrm>
+            <a:off x="1" y="5504657"/>
+            <a:ext cx="6862232" cy="210343"/>
+          </a:xfrm>
+          <a:prstGeom prst="rect">
+            <a:avLst/>
+          </a:prstGeom>
+          <a:noFill/>
+          <a:ln>
+            <a:noFill/>
+          </a:ln>
+        </p:spPr>
+        <p:txBody>
+          <a:bodyPr spcFirstLastPara="1" wrap="square" lIns="91425" tIns="45700" rIns="91425" bIns="45700" anchor="b" anchorCtr="0">
+            <a:noAutofit/>
+          </a:bodyPr>
+          <a:lstStyle/>
+          <a:p>
+            <a:pPr marL="0" marR="0" lvl="0" indent="0" algn="l" rtl="0">
+              <a:lnSpc>
+                <a:spcPct val="100000"/>
+              </a:lnSpc>
+              <a:spcBef>
+                <a:spcPts val="0"/>
+              </a:spcBef>
+              <a:spcAft>
+                <a:spcPts val="0"/>
+              </a:spcAft>
+              <a:buClr>
+                <a:srgbClr val="000000"/>
+              </a:buClr>
+              <a:buSzPts val="800"/>
+              <a:buFont typeface="Arial"/>
+              <a:buNone/>
+            </a:pPr>
+            <a:r>
+              <a:rPr lang="en-US" sz="800" b="0" i="0" u="none" strike="noStrike" cap="none">
+                <a:solidFill>
+                  <a:srgbClr val="000000"/>
+                </a:solidFill>
+                <a:latin typeface="Arial"/>
+                <a:ea typeface="Arial"/>
+                <a:cs typeface="Arial"/>
+                <a:sym typeface="Arial"/>
+              </a:rPr>
+              <a:t>Except where otherwise noted, this work is licensed under a </a:t>
+            </a:r>
+            <a:r>
+              <a:rPr lang="en-US" sz="800" b="0" i="0" u="sng" strike="noStrike" cap="none">
+                <a:solidFill>
+                  <a:srgbClr val="000000"/>
+                </a:solidFill>
+                <a:latin typeface="Arial"/>
+                <a:ea typeface="Arial"/>
+                <a:cs typeface="Arial"/>
+                <a:sym typeface="Arial"/>
+                <a:hlinkClick r:id="rId2"/>
+              </a:rPr>
+              <a:t>Creative Commons Attribution-ShareAlike 4.0 International License</a:t>
+            </a:r>
+            <a:r>
+              <a:rPr lang="en-US" sz="800" b="0" i="0" u="none" strike="noStrike" cap="none">
+                <a:solidFill>
+                  <a:srgbClr val="000000"/>
+                </a:solidFill>
+                <a:latin typeface="Arial"/>
+                <a:ea typeface="Arial"/>
+                <a:cs typeface="Arial"/>
+                <a:sym typeface="Arial"/>
+              </a:rPr>
+              <a:t>.</a:t>
+            </a:r>
+            <a:endParaRPr/>
+          </a:p>
+        </p:txBody>
+      </p:sp>
+    </p:spTree>
+  </p:cSld>
+  <p:clrMapOvr>
+    <a:masterClrMapping/>
+  </p:clrMapOvr>
+</p:sldLayout>
+</file>
+
+<file path=ppt/slideLayouts/slideLayout9.xml><?xml version="1.0" encoding="utf-8"?>
+<p:sldLayout xmlns:a="http://schemas.openxmlformats.org/drawingml/2006/main" xmlns:r="http://schemas.openxmlformats.org/officeDocument/2006/relationships" xmlns:p="http://schemas.openxmlformats.org/presentationml/2006/main" matchingName="Quote with Caption">
+  <p:cSld name="Quote with Caption">
+    <p:spTree>
+      <p:nvGrpSpPr>
+        <p:cNvPr id="1" name="Shape 80"/>
+        <p:cNvGrpSpPr/>
+        <p:nvPr/>
+      </p:nvGrpSpPr>
+      <p:grpSpPr>
+        <a:xfrm>
+          <a:off x="0" y="0"/>
+          <a:ext cx="0" cy="0"/>
+          <a:chOff x="0" y="0"/>
+          <a:chExt cx="0" cy="0"/>
+        </a:xfrm>
+      </p:grpSpPr>
+      <p:sp>
+        <p:nvSpPr>
+          <p:cNvPr id="81" name="Google Shape;81;p62"/>
+          <p:cNvSpPr txBox="1"/>
+          <p:nvPr/>
+        </p:nvSpPr>
+        <p:spPr>
+          <a:xfrm>
+            <a:off x="1198959" y="719186"/>
+            <a:ext cx="457200" cy="487313"/>
+          </a:xfrm>
+          <a:prstGeom prst="rect">
+            <a:avLst/>
+          </a:prstGeom>
+          <a:noFill/>
+          <a:ln>
+            <a:noFill/>
+          </a:ln>
+        </p:spPr>
+        <p:txBody>
+          <a:bodyPr spcFirstLastPara="1" wrap="square" lIns="57150" tIns="28575" rIns="57150" bIns="28575" anchor="ctr" anchorCtr="0">
+            <a:noAutofit/>
+          </a:bodyPr>
+          <a:lstStyle/>
+          <a:p>
+            <a:pPr marL="0" marR="0" lvl="0" indent="0" algn="ctr" rtl="0">
+              <a:lnSpc>
+                <a:spcPct val="100000"/>
+              </a:lnSpc>
+              <a:spcBef>
+                <a:spcPts val="0"/>
+              </a:spcBef>
+              <a:spcAft>
+                <a:spcPts val="0"/>
+              </a:spcAft>
+              <a:buClr>
+                <a:schemeClr val="hlink"/>
+              </a:buClr>
+              <a:buSzPts val="2750"/>
+              <a:buFont typeface="Noto Sans Symbols"/>
+              <a:buNone/>
+            </a:pPr>
+            <a:r>
+              <a:rPr lang="en-US" sz="5000" b="0" i="0" u="none" strike="noStrike" cap="none">
+                <a:solidFill>
+                  <a:schemeClr val="dk1"/>
+                </a:solidFill>
+                <a:latin typeface="Tahoma"/>
+                <a:ea typeface="Tahoma"/>
+                <a:cs typeface="Tahoma"/>
+                <a:sym typeface="Tahoma"/>
+              </a:rPr>
+              <a:t>“</a:t>
+            </a:r>
+            <a:endParaRPr/>
+          </a:p>
+        </p:txBody>
+      </p:sp>
+      <p:sp>
+        <p:nvSpPr>
+          <p:cNvPr id="82" name="Google Shape;82;p62"/>
+          <p:cNvSpPr txBox="1"/>
+          <p:nvPr/>
+        </p:nvSpPr>
+        <p:spPr>
+          <a:xfrm>
+            <a:off x="8170069" y="2349499"/>
+            <a:ext cx="457200" cy="487313"/>
+          </a:xfrm>
+          <a:prstGeom prst="rect">
+            <a:avLst/>
+          </a:prstGeom>
+          <a:noFill/>
+          <a:ln>
+            <a:noFill/>
+          </a:ln>
+        </p:spPr>
+        <p:txBody>
+          <a:bodyPr spcFirstLastPara="1" wrap="square" lIns="57150" tIns="28575" rIns="57150" bIns="28575" anchor="ctr" anchorCtr="0">
+            <a:noAutofit/>
+          </a:bodyPr>
+          <a:lstStyle/>
+          <a:p>
+            <a:pPr marL="0" marR="0" lvl="0" indent="0" algn="r" rtl="0">
+              <a:lnSpc>
+                <a:spcPct val="100000"/>
+              </a:lnSpc>
+              <a:spcBef>
+                <a:spcPts val="0"/>
+              </a:spcBef>
+              <a:spcAft>
+                <a:spcPts val="0"/>
+              </a:spcAft>
+              <a:buClr>
+                <a:schemeClr val="hlink"/>
+              </a:buClr>
+              <a:buSzPts val="2750"/>
+              <a:buFont typeface="Noto Sans Symbols"/>
+              <a:buNone/>
+            </a:pPr>
+            <a:r>
+              <a:rPr lang="en-US" sz="5000" b="0" i="0" u="none" strike="noStrike" cap="none">
+                <a:solidFill>
+                  <a:schemeClr val="dk1"/>
+                </a:solidFill>
+                <a:latin typeface="Tahoma"/>
+                <a:ea typeface="Tahoma"/>
+                <a:cs typeface="Tahoma"/>
+                <a:sym typeface="Tahoma"/>
+              </a:rPr>
+              <a:t>”</a:t>
+            </a:r>
+            <a:endParaRPr/>
+          </a:p>
+        </p:txBody>
+      </p:sp>
+      <p:sp>
+        <p:nvSpPr>
+          <p:cNvPr id="83" name="Google Shape;83;p62"/>
+          <p:cNvSpPr txBox="1">
+            <a:spLocks noGrp="1"/>
+          </p:cNvSpPr>
+          <p:nvPr>
+            <p:ph type="title"/>
+          </p:nvPr>
+        </p:nvSpPr>
+        <p:spPr>
+          <a:xfrm>
+            <a:off x="1656161" y="571501"/>
+            <a:ext cx="6742509" cy="2285999"/>
+          </a:xfrm>
+          <a:prstGeom prst="rect">
+            <a:avLst/>
+          </a:prstGeom>
+          <a:noFill/>
+          <a:ln>
+            <a:noFill/>
+          </a:ln>
+        </p:spPr>
+        <p:txBody>
+          <a:bodyPr spcFirstLastPara="1" wrap="square" lIns="91425" tIns="91425" rIns="91425" bIns="91425" anchor="ctr" anchorCtr="0">
+            <a:noAutofit/>
+          </a:bodyPr>
+          <a:lstStyle>
+            <a:lvl1pPr marR="0" lvl="0" algn="ctr">
+              <a:lnSpc>
+                <a:spcPct val="100000"/>
+              </a:lnSpc>
+              <a:spcBef>
+                <a:spcPts val="0"/>
+              </a:spcBef>
+              <a:spcAft>
+                <a:spcPts val="0"/>
+              </a:spcAft>
+              <a:buClr>
+                <a:schemeClr val="dk1"/>
+              </a:buClr>
+              <a:buSzPts val="3600"/>
+              <a:buFont typeface="Franklin Gothic"/>
+              <a:buNone/>
+              <a:defRPr sz="3600" b="0" i="0" u="none" strike="noStrike" cap="none">
+                <a:solidFill>
+                  <a:schemeClr val="dk1"/>
+                </a:solidFill>
+                <a:latin typeface="Franklin Gothic"/>
+                <a:ea typeface="Franklin Gothic"/>
+                <a:cs typeface="Franklin Gothic"/>
+                <a:sym typeface="Franklin Gothic"/>
+              </a:defRPr>
+            </a:lvl1pPr>
+            <a:lvl2pPr marR="0" lvl="1" algn="l">
+              <a:spcBef>
+                <a:spcPts val="0"/>
+              </a:spcBef>
+              <a:spcAft>
+                <a:spcPts val="0"/>
+              </a:spcAft>
+              <a:buClr>
+                <a:schemeClr val="dk2"/>
+              </a:buClr>
+              <a:buSzPts val="1400"/>
+              <a:buNone/>
+              <a:defRPr sz="1800" b="0" i="0" u="none" strike="noStrike" cap="none">
+                <a:solidFill>
+                  <a:schemeClr val="dk2"/>
+                </a:solidFill>
+              </a:defRPr>
+            </a:lvl2pPr>
+            <a:lvl3pPr marR="0" lvl="2" algn="l">
+              <a:spcBef>
+                <a:spcPts val="0"/>
+              </a:spcBef>
+              <a:spcAft>
+                <a:spcPts val="0"/>
+              </a:spcAft>
+              <a:buClr>
+                <a:schemeClr val="dk2"/>
+              </a:buClr>
+              <a:buSzPts val="1400"/>
+              <a:buNone/>
+              <a:defRPr sz="1800" b="0" i="0" u="none" strike="noStrike" cap="none">
+                <a:solidFill>
+                  <a:schemeClr val="dk2"/>
+                </a:solidFill>
+              </a:defRPr>
+            </a:lvl3pPr>
+            <a:lvl4pPr marR="0" lvl="3" algn="l">
+              <a:spcBef>
+                <a:spcPts val="0"/>
+              </a:spcBef>
+              <a:spcAft>
+                <a:spcPts val="0"/>
+              </a:spcAft>
+              <a:buClr>
+                <a:schemeClr val="dk2"/>
+              </a:buClr>
+              <a:buSzPts val="1400"/>
+              <a:buNone/>
+              <a:defRPr sz="1800" b="0" i="0" u="none" strike="noStrike" cap="none">
+                <a:solidFill>
+                  <a:schemeClr val="dk2"/>
+                </a:solidFill>
+              </a:defRPr>
+            </a:lvl4pPr>
+            <a:lvl5pPr marR="0" lvl="4" algn="l">
+              <a:spcBef>
+                <a:spcPts val="0"/>
+              </a:spcBef>
+              <a:spcAft>
+                <a:spcPts val="0"/>
+              </a:spcAft>
+              <a:buClr>
+                <a:schemeClr val="dk2"/>
+              </a:buClr>
+              <a:buSzPts val="1400"/>
+              <a:buNone/>
+              <a:defRPr sz="1800" b="0" i="0" u="none" strike="noStrike" cap="none">
+                <a:solidFill>
+                  <a:schemeClr val="dk2"/>
+                </a:solidFill>
+              </a:defRPr>
+            </a:lvl5pPr>
+            <a:lvl6pPr marR="0" lvl="5" algn="l">
+              <a:spcBef>
+                <a:spcPts val="0"/>
+              </a:spcBef>
+              <a:spcAft>
+                <a:spcPts val="0"/>
+              </a:spcAft>
+              <a:buClr>
+                <a:schemeClr val="dk2"/>
+              </a:buClr>
+              <a:buSzPts val="1400"/>
+              <a:buNone/>
+              <a:defRPr sz="1800" b="0" i="0" u="none" strike="noStrike" cap="none">
+                <a:solidFill>
+                  <a:schemeClr val="dk2"/>
+                </a:solidFill>
+              </a:defRPr>
+            </a:lvl6pPr>
+            <a:lvl7pPr marR="0" lvl="6" algn="l">
+              <a:spcBef>
+                <a:spcPts val="0"/>
+              </a:spcBef>
+              <a:spcAft>
+                <a:spcPts val="0"/>
+              </a:spcAft>
+              <a:buClr>
+                <a:schemeClr val="dk2"/>
+              </a:buClr>
+              <a:buSzPts val="1400"/>
+              <a:buNone/>
+              <a:defRPr sz="1800" b="0" i="0" u="none" strike="noStrike" cap="none">
+                <a:solidFill>
+                  <a:schemeClr val="dk2"/>
+                </a:solidFill>
+              </a:defRPr>
+            </a:lvl7pPr>
+            <a:lvl8pPr marR="0" lvl="7" algn="l">
+              <a:spcBef>
+                <a:spcPts val="0"/>
+              </a:spcBef>
+              <a:spcAft>
+                <a:spcPts val="0"/>
+              </a:spcAft>
+              <a:buClr>
+                <a:schemeClr val="dk2"/>
+              </a:buClr>
+              <a:buSzPts val="1400"/>
+              <a:buNone/>
+              <a:defRPr sz="1800" b="0" i="0" u="none" strike="noStrike" cap="none">
+                <a:solidFill>
+                  <a:schemeClr val="dk2"/>
+                </a:solidFill>
+              </a:defRPr>
+            </a:lvl8pPr>
+            <a:lvl9pPr marR="0" lvl="8" algn="l">
+              <a:spcBef>
+                <a:spcPts val="0"/>
+              </a:spcBef>
+              <a:spcAft>
+                <a:spcPts val="0"/>
+              </a:spcAft>
+              <a:buClr>
+                <a:schemeClr val="dk2"/>
+              </a:buClr>
+              <a:buSzPts val="1400"/>
+              <a:buNone/>
+              <a:defRPr sz="1800" b="0" i="0" u="none" strike="noStrike" cap="none">
+                <a:solidFill>
+                  <a:schemeClr val="dk2"/>
+                </a:solidFill>
+              </a:defRPr>
+            </a:lvl9pPr>
+          </a:lstStyle>
+          <a:p>
+            <a:endParaRPr/>
+          </a:p>
+        </p:txBody>
+      </p:sp>
+      <p:sp>
+        <p:nvSpPr>
+          <p:cNvPr id="84" name="Google Shape;84;p62"/>
+          <p:cNvSpPr txBox="1">
+            <a:spLocks noGrp="1"/>
+          </p:cNvSpPr>
+          <p:nvPr>
+            <p:ph type="body" idx="1"/>
+          </p:nvPr>
+        </p:nvSpPr>
+        <p:spPr>
+          <a:xfrm>
+            <a:off x="1827611" y="2857499"/>
+            <a:ext cx="6399611" cy="317500"/>
+          </a:xfrm>
+          <a:prstGeom prst="rect">
+            <a:avLst/>
+          </a:prstGeom>
+          <a:noFill/>
+          <a:ln>
+            <a:noFill/>
+          </a:ln>
+        </p:spPr>
+        <p:txBody>
+          <a:bodyPr spcFirstLastPara="1" wrap="square" lIns="91425" tIns="91425" rIns="91425" bIns="91425" anchor="ctr" anchorCtr="0">
+            <a:noAutofit/>
+          </a:bodyPr>
+          <a:lstStyle>
+            <a:lvl1pPr marL="457200" marR="0" lvl="0" indent="-228600" algn="l">
+              <a:lnSpc>
+                <a:spcPct val="100000"/>
+              </a:lnSpc>
+              <a:spcBef>
+                <a:spcPts val="360"/>
+              </a:spcBef>
+              <a:spcAft>
+                <a:spcPts val="0"/>
+              </a:spcAft>
+              <a:buClr>
+                <a:srgbClr val="7E241A"/>
+              </a:buClr>
+              <a:buSzPts val="2610"/>
+              <a:buFont typeface="Arial"/>
+              <a:buNone/>
+              <a:defRPr sz="1800" b="0" i="0" u="none" strike="noStrike" cap="none">
+                <a:solidFill>
+                  <a:schemeClr val="dk1"/>
+                </a:solidFill>
+                <a:latin typeface="Constantia"/>
+                <a:ea typeface="Constantia"/>
+                <a:cs typeface="Constantia"/>
+                <a:sym typeface="Constantia"/>
+              </a:defRPr>
+            </a:lvl1pPr>
+            <a:lvl2pPr marL="914400" marR="0" lvl="1" indent="-228600" algn="l">
+              <a:lnSpc>
+                <a:spcPct val="100000"/>
+              </a:lnSpc>
+              <a:spcBef>
+                <a:spcPts val="440"/>
+              </a:spcBef>
+              <a:spcAft>
+                <a:spcPts val="0"/>
+              </a:spcAft>
+              <a:buClr>
+                <a:srgbClr val="7E241A"/>
+              </a:buClr>
+              <a:buSzPts val="3190"/>
+              <a:buFont typeface="Arial"/>
+              <a:buNone/>
+              <a:defRPr sz="2200" b="0" i="0" u="none" strike="noStrike" cap="none">
+                <a:solidFill>
+                  <a:schemeClr val="dk1"/>
+                </a:solidFill>
+                <a:latin typeface="Constantia"/>
+                <a:ea typeface="Constantia"/>
+                <a:cs typeface="Constantia"/>
+                <a:sym typeface="Constantia"/>
+              </a:defRPr>
+            </a:lvl2pPr>
+            <a:lvl3pPr marL="1371600" marR="0" lvl="2" indent="-228600" algn="l">
+              <a:lnSpc>
+                <a:spcPct val="100000"/>
+              </a:lnSpc>
+              <a:spcBef>
+                <a:spcPts val="400"/>
+              </a:spcBef>
+              <a:spcAft>
+                <a:spcPts val="0"/>
+              </a:spcAft>
+              <a:buClr>
+                <a:srgbClr val="7E241A"/>
+              </a:buClr>
+              <a:buSzPts val="2900"/>
+              <a:buFont typeface="Arial"/>
+              <a:buNone/>
+              <a:defRPr sz="2000" b="0" i="0" u="none" strike="noStrike" cap="none">
+                <a:solidFill>
+                  <a:schemeClr val="dk1"/>
+                </a:solidFill>
+                <a:latin typeface="Constantia"/>
+                <a:ea typeface="Constantia"/>
+                <a:cs typeface="Constantia"/>
+                <a:sym typeface="Constantia"/>
+              </a:defRPr>
+            </a:lvl3pPr>
+            <a:lvl4pPr marL="1828800" marR="0" lvl="3" indent="-228600" algn="l">
+              <a:lnSpc>
+                <a:spcPct val="100000"/>
+              </a:lnSpc>
+              <a:spcBef>
+                <a:spcPts val="375"/>
+              </a:spcBef>
+              <a:spcAft>
+                <a:spcPts val="0"/>
+              </a:spcAft>
+              <a:buClr>
+                <a:srgbClr val="7E241A"/>
+              </a:buClr>
+              <a:buSzPts val="2610"/>
+              <a:buFont typeface="Arial"/>
+              <a:buNone/>
+              <a:defRPr sz="1800" b="0" i="0" u="none" strike="noStrike" cap="none">
+                <a:solidFill>
+                  <a:schemeClr val="dk1"/>
+                </a:solidFill>
+                <a:latin typeface="Constantia"/>
+                <a:ea typeface="Constantia"/>
+                <a:cs typeface="Constantia"/>
+                <a:sym typeface="Constantia"/>
+              </a:defRPr>
+            </a:lvl4pPr>
+            <a:lvl5pPr marL="2286000" marR="0" lvl="4" indent="-228600" algn="l">
+              <a:lnSpc>
+                <a:spcPct val="100000"/>
+              </a:lnSpc>
+              <a:spcBef>
+                <a:spcPts val="375"/>
+              </a:spcBef>
+              <a:spcAft>
+                <a:spcPts val="0"/>
+              </a:spcAft>
+              <a:buClr>
+                <a:srgbClr val="7E241A"/>
+              </a:buClr>
+              <a:buSzPts val="2320"/>
+              <a:buFont typeface="Arial"/>
+              <a:buNone/>
+              <a:defRPr sz="1600" b="0" i="0" u="none" strike="noStrike" cap="none">
+                <a:solidFill>
+                  <a:schemeClr val="dk1"/>
+                </a:solidFill>
+                <a:latin typeface="Constantia"/>
+                <a:ea typeface="Constantia"/>
+                <a:cs typeface="Constantia"/>
+                <a:sym typeface="Constantia"/>
+              </a:defRPr>
+            </a:lvl5pPr>
+            <a:lvl6pPr marL="2743200" marR="0" lvl="5" indent="-309181" algn="l">
+              <a:lnSpc>
+                <a:spcPct val="100000"/>
+              </a:lnSpc>
+              <a:spcBef>
+                <a:spcPts val="375"/>
+              </a:spcBef>
+              <a:spcAft>
+                <a:spcPts val="0"/>
+              </a:spcAft>
+              <a:buClr>
+                <a:srgbClr val="7E241A"/>
+              </a:buClr>
+              <a:buSzPts val="1269"/>
+              <a:buFont typeface="Arial"/>
+              <a:buChar char="•"/>
+              <a:defRPr sz="875" b="0" i="0" u="none" strike="noStrike" cap="none">
+                <a:solidFill>
+                  <a:schemeClr val="dk1"/>
+                </a:solidFill>
+                <a:latin typeface="Corbel"/>
+                <a:ea typeface="Corbel"/>
+                <a:cs typeface="Corbel"/>
+                <a:sym typeface="Corbel"/>
+              </a:defRPr>
+            </a:lvl6pPr>
+            <a:lvl7pPr marL="3200400" marR="0" lvl="6" indent="-309181" algn="l">
+              <a:lnSpc>
+                <a:spcPct val="100000"/>
+              </a:lnSpc>
+              <a:spcBef>
+                <a:spcPts val="375"/>
+              </a:spcBef>
+              <a:spcAft>
+                <a:spcPts val="0"/>
+              </a:spcAft>
+              <a:buClr>
+                <a:srgbClr val="7E241A"/>
+              </a:buClr>
+              <a:buSzPts val="1269"/>
+              <a:buFont typeface="Arial"/>
+              <a:buChar char="•"/>
+              <a:defRPr sz="875" b="0" i="0" u="none" strike="noStrike" cap="none">
+                <a:solidFill>
+                  <a:schemeClr val="dk1"/>
+                </a:solidFill>
+                <a:latin typeface="Corbel"/>
+                <a:ea typeface="Corbel"/>
+                <a:cs typeface="Corbel"/>
+                <a:sym typeface="Corbel"/>
+              </a:defRPr>
+            </a:lvl7pPr>
+            <a:lvl8pPr marL="3657600" marR="0" lvl="7" indent="-309181" algn="l">
+              <a:lnSpc>
+                <a:spcPct val="100000"/>
+              </a:lnSpc>
+              <a:spcBef>
+                <a:spcPts val="375"/>
+              </a:spcBef>
+              <a:spcAft>
+                <a:spcPts val="0"/>
+              </a:spcAft>
+              <a:buClr>
+                <a:srgbClr val="7E241A"/>
+              </a:buClr>
+              <a:buSzPts val="1269"/>
+              <a:buFont typeface="Arial"/>
+              <a:buChar char="•"/>
+              <a:defRPr sz="875" b="0" i="0" u="none" strike="noStrike" cap="none">
+                <a:solidFill>
+                  <a:schemeClr val="dk1"/>
+                </a:solidFill>
+                <a:latin typeface="Corbel"/>
+                <a:ea typeface="Corbel"/>
+                <a:cs typeface="Corbel"/>
+                <a:sym typeface="Corbel"/>
+              </a:defRPr>
+            </a:lvl8pPr>
+            <a:lvl9pPr marL="4114800" marR="0" lvl="8" indent="-309181" algn="l">
+              <a:lnSpc>
+                <a:spcPct val="100000"/>
+              </a:lnSpc>
+              <a:spcBef>
+                <a:spcPts val="375"/>
+              </a:spcBef>
+              <a:spcAft>
+                <a:spcPts val="375"/>
+              </a:spcAft>
+              <a:buClr>
+                <a:srgbClr val="7E241A"/>
+              </a:buClr>
+              <a:buSzPts val="1269"/>
+              <a:buFont typeface="Arial"/>
+              <a:buChar char="•"/>
+              <a:defRPr sz="875" b="0" i="0" u="none" strike="noStrike" cap="none">
+                <a:solidFill>
+                  <a:schemeClr val="dk1"/>
+                </a:solidFill>
+                <a:latin typeface="Corbel"/>
+                <a:ea typeface="Corbel"/>
+                <a:cs typeface="Corbel"/>
+                <a:sym typeface="Corbel"/>
+              </a:defRPr>
+            </a:lvl9pPr>
+          </a:lstStyle>
+          <a:p>
+            <a:endParaRPr/>
+          </a:p>
+        </p:txBody>
+      </p:sp>
+      <p:sp>
+        <p:nvSpPr>
+          <p:cNvPr id="85" name="Google Shape;85;p62"/>
+          <p:cNvSpPr txBox="1">
+            <a:spLocks noGrp="1"/>
+          </p:cNvSpPr>
+          <p:nvPr>
+            <p:ph type="body" idx="2"/>
+          </p:nvPr>
+        </p:nvSpPr>
+        <p:spPr>
+          <a:xfrm>
+            <a:off x="1113236" y="3619500"/>
+            <a:ext cx="7514033" cy="1206500"/>
+          </a:xfrm>
+          <a:prstGeom prst="rect">
+            <a:avLst/>
+          </a:prstGeom>
+          <a:noFill/>
+          <a:ln>
+            <a:noFill/>
+          </a:ln>
+        </p:spPr>
+        <p:txBody>
+          <a:bodyPr spcFirstLastPara="1" wrap="square" lIns="91425" tIns="91425" rIns="91425" bIns="91425" anchor="ctr" anchorCtr="0">
+            <a:noAutofit/>
+          </a:bodyPr>
+          <a:lstStyle>
+            <a:lvl1pPr marL="457200" marR="0" lvl="0" indent="-228600" algn="ctr">
+              <a:lnSpc>
+                <a:spcPct val="100000"/>
+              </a:lnSpc>
+              <a:spcBef>
+                <a:spcPts val="400"/>
+              </a:spcBef>
+              <a:spcAft>
+                <a:spcPts val="0"/>
+              </a:spcAft>
+              <a:buClr>
+                <a:srgbClr val="7E241A"/>
+              </a:buClr>
+              <a:buSzPts val="2900"/>
+              <a:buFont typeface="Arial"/>
+              <a:buNone/>
+              <a:defRPr sz="2000" b="0" i="0" u="none" strike="noStrike" cap="none">
+                <a:solidFill>
+                  <a:schemeClr val="dk1"/>
+                </a:solidFill>
+                <a:latin typeface="Constantia"/>
+                <a:ea typeface="Constantia"/>
+                <a:cs typeface="Constantia"/>
+                <a:sym typeface="Constantia"/>
+              </a:defRPr>
+            </a:lvl1pPr>
+            <a:lvl2pPr marL="914400" marR="0" lvl="1" indent="-228600" algn="l">
+              <a:lnSpc>
+                <a:spcPct val="100000"/>
+              </a:lnSpc>
+              <a:spcBef>
+                <a:spcPts val="375"/>
+              </a:spcBef>
+              <a:spcAft>
+                <a:spcPts val="0"/>
+              </a:spcAft>
+              <a:buClr>
+                <a:srgbClr val="7E241A"/>
+              </a:buClr>
+              <a:buSzPts val="1631"/>
+              <a:buFont typeface="Arial"/>
+              <a:buNone/>
+              <a:defRPr sz="1125" b="0" i="0" u="none" strike="noStrike" cap="none">
+                <a:solidFill>
+                  <a:srgbClr val="8891AD"/>
+                </a:solidFill>
+                <a:latin typeface="Constantia"/>
+                <a:ea typeface="Constantia"/>
+                <a:cs typeface="Constantia"/>
+                <a:sym typeface="Constantia"/>
+              </a:defRPr>
+            </a:lvl2pPr>
+            <a:lvl3pPr marL="1371600" marR="0" lvl="2" indent="-228600" algn="l">
+              <a:lnSpc>
+                <a:spcPct val="100000"/>
+              </a:lnSpc>
+              <a:spcBef>
+                <a:spcPts val="375"/>
+              </a:spcBef>
+              <a:spcAft>
+                <a:spcPts val="0"/>
+              </a:spcAft>
+              <a:buClr>
+                <a:srgbClr val="7E241A"/>
+              </a:buClr>
+              <a:buSzPts val="1450"/>
+              <a:buFont typeface="Arial"/>
+              <a:buNone/>
+              <a:defRPr sz="1000" b="0" i="0" u="none" strike="noStrike" cap="none">
+                <a:solidFill>
+                  <a:srgbClr val="8891AD"/>
+                </a:solidFill>
+                <a:latin typeface="Constantia"/>
+                <a:ea typeface="Constantia"/>
+                <a:cs typeface="Constantia"/>
+                <a:sym typeface="Constantia"/>
+              </a:defRPr>
+            </a:lvl3pPr>
+            <a:lvl4pPr marL="1828800" marR="0" lvl="3" indent="-228600" algn="l">
+              <a:lnSpc>
+                <a:spcPct val="100000"/>
+              </a:lnSpc>
+              <a:spcBef>
+                <a:spcPts val="375"/>
+              </a:spcBef>
+              <a:spcAft>
+                <a:spcPts val="0"/>
+              </a:spcAft>
+              <a:buClr>
+                <a:srgbClr val="7E241A"/>
+              </a:buClr>
+              <a:buSzPts val="1269"/>
+              <a:buFont typeface="Arial"/>
+              <a:buNone/>
+              <a:defRPr sz="875" b="0" i="0" u="none" strike="noStrike" cap="none">
+                <a:solidFill>
+                  <a:srgbClr val="8891AD"/>
+                </a:solidFill>
+                <a:latin typeface="Constantia"/>
+                <a:ea typeface="Constantia"/>
+                <a:cs typeface="Constantia"/>
+                <a:sym typeface="Constantia"/>
+              </a:defRPr>
+            </a:lvl4pPr>
+            <a:lvl5pPr marL="2286000" marR="0" lvl="4" indent="-228600" algn="l">
+              <a:lnSpc>
+                <a:spcPct val="100000"/>
+              </a:lnSpc>
+              <a:spcBef>
+                <a:spcPts val="375"/>
+              </a:spcBef>
+              <a:spcAft>
+                <a:spcPts val="0"/>
+              </a:spcAft>
+              <a:buClr>
+                <a:srgbClr val="7E241A"/>
+              </a:buClr>
+              <a:buSzPts val="1269"/>
+              <a:buFont typeface="Arial"/>
+              <a:buNone/>
+              <a:defRPr sz="875" b="0" i="0" u="none" strike="noStrike" cap="none">
+                <a:solidFill>
+                  <a:srgbClr val="8891AD"/>
+                </a:solidFill>
+                <a:latin typeface="Constantia"/>
+                <a:ea typeface="Constantia"/>
+                <a:cs typeface="Constantia"/>
+                <a:sym typeface="Constantia"/>
+              </a:defRPr>
+            </a:lvl5pPr>
+            <a:lvl6pPr marL="2743200" marR="0" lvl="5" indent="-228600" algn="l">
+              <a:lnSpc>
+                <a:spcPct val="100000"/>
+              </a:lnSpc>
+              <a:spcBef>
+                <a:spcPts val="375"/>
+              </a:spcBef>
+              <a:spcAft>
+                <a:spcPts val="0"/>
+              </a:spcAft>
+              <a:buClr>
+                <a:srgbClr val="7E241A"/>
+              </a:buClr>
+              <a:buSzPts val="1269"/>
+              <a:buFont typeface="Arial"/>
+              <a:buNone/>
+              <a:defRPr sz="875" b="0" i="0" u="none" strike="noStrike" cap="none">
+                <a:solidFill>
+                  <a:srgbClr val="8891AD"/>
+                </a:solidFill>
+                <a:latin typeface="Corbel"/>
+                <a:ea typeface="Corbel"/>
+                <a:cs typeface="Corbel"/>
+                <a:sym typeface="Corbel"/>
+              </a:defRPr>
+            </a:lvl6pPr>
+            <a:lvl7pPr marL="3200400" marR="0" lvl="6" indent="-228600" algn="l">
+              <a:lnSpc>
+                <a:spcPct val="100000"/>
+              </a:lnSpc>
+              <a:spcBef>
+                <a:spcPts val="375"/>
+              </a:spcBef>
+              <a:spcAft>
+                <a:spcPts val="0"/>
+              </a:spcAft>
+              <a:buClr>
+                <a:srgbClr val="7E241A"/>
+              </a:buClr>
+              <a:buSzPts val="1269"/>
+              <a:buFont typeface="Arial"/>
+              <a:buNone/>
+              <a:defRPr sz="875" b="0" i="0" u="none" strike="noStrike" cap="none">
+                <a:solidFill>
+                  <a:srgbClr val="8891AD"/>
+                </a:solidFill>
+                <a:latin typeface="Corbel"/>
+                <a:ea typeface="Corbel"/>
+                <a:cs typeface="Corbel"/>
+                <a:sym typeface="Corbel"/>
+              </a:defRPr>
+            </a:lvl7pPr>
+            <a:lvl8pPr marL="3657600" marR="0" lvl="7" indent="-228600" algn="l">
+              <a:lnSpc>
+                <a:spcPct val="100000"/>
+              </a:lnSpc>
+              <a:spcBef>
+                <a:spcPts val="375"/>
+              </a:spcBef>
+              <a:spcAft>
+                <a:spcPts val="0"/>
+              </a:spcAft>
+              <a:buClr>
+                <a:srgbClr val="7E241A"/>
+              </a:buClr>
+              <a:buSzPts val="1269"/>
+              <a:buFont typeface="Arial"/>
+              <a:buNone/>
+              <a:defRPr sz="875" b="0" i="0" u="none" strike="noStrike" cap="none">
+                <a:solidFill>
+                  <a:srgbClr val="8891AD"/>
+                </a:solidFill>
+                <a:latin typeface="Corbel"/>
+                <a:ea typeface="Corbel"/>
+                <a:cs typeface="Corbel"/>
+                <a:sym typeface="Corbel"/>
+              </a:defRPr>
+            </a:lvl8pPr>
+            <a:lvl9pPr marL="4114800" marR="0" lvl="8" indent="-228600" algn="l">
+              <a:lnSpc>
+                <a:spcPct val="100000"/>
+              </a:lnSpc>
+              <a:spcBef>
+                <a:spcPts val="375"/>
+              </a:spcBef>
+              <a:spcAft>
+                <a:spcPts val="375"/>
+              </a:spcAft>
+              <a:buClr>
+                <a:srgbClr val="7E241A"/>
+              </a:buClr>
+              <a:buSzPts val="1269"/>
+              <a:buFont typeface="Arial"/>
+              <a:buNone/>
+              <a:defRPr sz="875" b="0" i="0" u="none" strike="noStrike" cap="none">
+                <a:solidFill>
+                  <a:srgbClr val="8891AD"/>
+                </a:solidFill>
+                <a:latin typeface="Corbel"/>
+                <a:ea typeface="Corbel"/>
+                <a:cs typeface="Corbel"/>
+                <a:sym typeface="Corbel"/>
+              </a:defRPr>
+            </a:lvl9pPr>
+          </a:lstStyle>
+          <a:p>
+            <a:endParaRPr/>
+          </a:p>
+        </p:txBody>
+      </p:sp>
+      <p:sp>
+        <p:nvSpPr>
+          <p:cNvPr id="86" name="Google Shape;86;p62"/>
+          <p:cNvSpPr txBox="1">
+            <a:spLocks noGrp="1"/>
+          </p:cNvSpPr>
+          <p:nvPr>
+            <p:ph type="dt" idx="10"/>
+          </p:nvPr>
+        </p:nvSpPr>
+        <p:spPr>
+          <a:xfrm>
+            <a:off x="7299491" y="5258597"/>
+            <a:ext cx="857250" cy="304271"/>
+          </a:xfrm>
+          <a:prstGeom prst="rect">
+            <a:avLst/>
+          </a:prstGeom>
+          <a:noFill/>
+          <a:ln>
+            <a:noFill/>
+          </a:ln>
+        </p:spPr>
+        <p:txBody>
+          <a:bodyPr spcFirstLastPara="1" wrap="square" lIns="91425" tIns="91425" rIns="91425" bIns="91425" anchor="ctr" anchorCtr="0">
+            <a:noAutofit/>
+          </a:bodyPr>
+          <a:lstStyle>
+            <a:lvl1pPr marR="0" lvl="0" algn="r">
+              <a:lnSpc>
+                <a:spcPct val="100000"/>
+              </a:lnSpc>
+              <a:spcBef>
+                <a:spcPts val="160"/>
+              </a:spcBef>
+              <a:spcAft>
+                <a:spcPts val="0"/>
+              </a:spcAft>
+              <a:buClr>
+                <a:schemeClr val="dk1"/>
+              </a:buClr>
+              <a:buSzPts val="1400"/>
+              <a:buFont typeface="Corbel"/>
+              <a:buNone/>
+              <a:defRPr sz="800" b="0" i="0">
+                <a:solidFill>
+                  <a:schemeClr val="dk1"/>
+                </a:solidFill>
+                <a:latin typeface="Corbel"/>
+                <a:ea typeface="Corbel"/>
+                <a:cs typeface="Corbel"/>
+                <a:sym typeface="Corbel"/>
+              </a:defRPr>
+            </a:lvl1pPr>
+            <a:lvl2pPr marR="0" lvl="1" algn="ctr">
+              <a:lnSpc>
+                <a:spcPct val="100000"/>
+              </a:lnSpc>
+              <a:spcBef>
+                <a:spcPts val="400"/>
+              </a:spcBef>
+              <a:spcAft>
+                <a:spcPts val="0"/>
+              </a:spcAft>
+              <a:buClr>
+                <a:schemeClr val="dk1"/>
+              </a:buClr>
+              <a:buSzPts val="1400"/>
+              <a:buFont typeface="Tahoma"/>
+              <a:buNone/>
+              <a:defRPr sz="2000" b="0" i="0" u="none" strike="noStrike" cap="none">
+                <a:solidFill>
+                  <a:schemeClr val="dk1"/>
+                </a:solidFill>
+                <a:latin typeface="Tahoma"/>
+                <a:ea typeface="Tahoma"/>
+                <a:cs typeface="Tahoma"/>
+                <a:sym typeface="Tahoma"/>
+              </a:defRPr>
+            </a:lvl2pPr>
+            <a:lvl3pPr marR="0" lvl="2" algn="ctr">
+              <a:lnSpc>
+                <a:spcPct val="100000"/>
+              </a:lnSpc>
+              <a:spcBef>
+                <a:spcPts val="400"/>
+              </a:spcBef>
+              <a:spcAft>
+                <a:spcPts val="0"/>
+              </a:spcAft>
+              <a:buClr>
+                <a:schemeClr val="dk1"/>
+              </a:buClr>
+              <a:buSzPts val="1400"/>
+              <a:buFont typeface="Tahoma"/>
+              <a:buNone/>
+              <a:defRPr sz="2000" b="0" i="0" u="none" strike="noStrike" cap="none">
+                <a:solidFill>
+                  <a:schemeClr val="dk1"/>
+                </a:solidFill>
+                <a:latin typeface="Tahoma"/>
+                <a:ea typeface="Tahoma"/>
+                <a:cs typeface="Tahoma"/>
+                <a:sym typeface="Tahoma"/>
+              </a:defRPr>
+            </a:lvl3pPr>
+            <a:lvl4pPr marR="0" lvl="3" algn="ctr">
+              <a:lnSpc>
+                <a:spcPct val="100000"/>
+              </a:lnSpc>
+              <a:spcBef>
+                <a:spcPts val="400"/>
+              </a:spcBef>
+              <a:spcAft>
+                <a:spcPts val="0"/>
+              </a:spcAft>
+              <a:buClr>
+                <a:schemeClr val="dk1"/>
+              </a:buClr>
+              <a:buSzPts val="1400"/>
+              <a:buFont typeface="Tahoma"/>
+              <a:buNone/>
+              <a:defRPr sz="2000" b="0" i="0" u="none" strike="noStrike" cap="none">
+                <a:solidFill>
+                  <a:schemeClr val="dk1"/>
+                </a:solidFill>
+                <a:latin typeface="Tahoma"/>
+                <a:ea typeface="Tahoma"/>
+                <a:cs typeface="Tahoma"/>
+                <a:sym typeface="Tahoma"/>
+              </a:defRPr>
+            </a:lvl4pPr>
+            <a:lvl5pPr marR="0" lvl="4" algn="ctr">
+              <a:lnSpc>
+                <a:spcPct val="100000"/>
+              </a:lnSpc>
+              <a:spcBef>
+                <a:spcPts val="400"/>
+              </a:spcBef>
+              <a:spcAft>
+                <a:spcPts val="0"/>
+              </a:spcAft>
+              <a:buClr>
+                <a:schemeClr val="dk1"/>
+              </a:buClr>
+              <a:buSzPts val="1400"/>
+              <a:buFont typeface="Tahoma"/>
+              <a:buNone/>
+              <a:defRPr sz="2000" b="0" i="0" u="none" strike="noStrike" cap="none">
+                <a:solidFill>
+                  <a:schemeClr val="dk1"/>
+                </a:solidFill>
+                <a:latin typeface="Tahoma"/>
+                <a:ea typeface="Tahoma"/>
+                <a:cs typeface="Tahoma"/>
+                <a:sym typeface="Tahoma"/>
+              </a:defRPr>
+            </a:lvl5pPr>
+            <a:lvl6pPr marR="0" lvl="5" algn="l">
+              <a:lnSpc>
+                <a:spcPct val="100000"/>
+              </a:lnSpc>
+              <a:spcBef>
+                <a:spcPts val="0"/>
+              </a:spcBef>
+              <a:spcAft>
+                <a:spcPts val="0"/>
+              </a:spcAft>
+              <a:buClr>
+                <a:schemeClr val="dk1"/>
+              </a:buClr>
+              <a:buSzPts val="1400"/>
+              <a:buFont typeface="Tahoma"/>
+              <a:buNone/>
+              <a:defRPr sz="2000" b="0" i="0" u="none" strike="noStrike" cap="none">
+                <a:solidFill>
+                  <a:schemeClr val="dk1"/>
+                </a:solidFill>
+                <a:latin typeface="Tahoma"/>
+                <a:ea typeface="Tahoma"/>
+                <a:cs typeface="Tahoma"/>
+                <a:sym typeface="Tahoma"/>
+              </a:defRPr>
+            </a:lvl6pPr>
+            <a:lvl7pPr marR="0" lvl="6" algn="l">
+              <a:lnSpc>
+                <a:spcPct val="100000"/>
+              </a:lnSpc>
+              <a:spcBef>
+                <a:spcPts val="0"/>
+              </a:spcBef>
+              <a:spcAft>
+                <a:spcPts val="0"/>
+              </a:spcAft>
+              <a:buClr>
+                <a:schemeClr val="dk1"/>
+              </a:buClr>
+              <a:buSzPts val="1400"/>
+              <a:buFont typeface="Tahoma"/>
+              <a:buNone/>
+              <a:defRPr sz="2000" b="0" i="0" u="none" strike="noStrike" cap="none">
+                <a:solidFill>
+                  <a:schemeClr val="dk1"/>
+                </a:solidFill>
+                <a:latin typeface="Tahoma"/>
+                <a:ea typeface="Tahoma"/>
+                <a:cs typeface="Tahoma"/>
+                <a:sym typeface="Tahoma"/>
+              </a:defRPr>
+            </a:lvl7pPr>
+            <a:lvl8pPr marR="0" lvl="7" algn="l">
+              <a:lnSpc>
+                <a:spcPct val="100000"/>
+              </a:lnSpc>
+              <a:spcBef>
+                <a:spcPts val="0"/>
+              </a:spcBef>
+              <a:spcAft>
+                <a:spcPts val="0"/>
+              </a:spcAft>
+              <a:buClr>
+                <a:schemeClr val="dk1"/>
+              </a:buClr>
+              <a:buSzPts val="1400"/>
+              <a:buFont typeface="Tahoma"/>
+              <a:buNone/>
+              <a:defRPr sz="2000" b="0" i="0" u="none" strike="noStrike" cap="none">
+                <a:solidFill>
+                  <a:schemeClr val="dk1"/>
+                </a:solidFill>
+                <a:latin typeface="Tahoma"/>
+                <a:ea typeface="Tahoma"/>
+                <a:cs typeface="Tahoma"/>
+                <a:sym typeface="Tahoma"/>
+              </a:defRPr>
+            </a:lvl8pPr>
+            <a:lvl9pPr marR="0" lvl="8" algn="l">
+              <a:lnSpc>
+                <a:spcPct val="100000"/>
+              </a:lnSpc>
+              <a:spcBef>
+                <a:spcPts val="0"/>
+              </a:spcBef>
+              <a:spcAft>
+                <a:spcPts val="0"/>
+              </a:spcAft>
+              <a:buClr>
+                <a:schemeClr val="dk1"/>
+              </a:buClr>
+              <a:buSzPts val="1400"/>
+              <a:buFont typeface="Tahoma"/>
+              <a:buNone/>
+              <a:defRPr sz="2000" b="0" i="0" u="none" strike="noStrike" cap="none">
+                <a:solidFill>
+                  <a:schemeClr val="dk1"/>
+                </a:solidFill>
+                <a:latin typeface="Tahoma"/>
+                <a:ea typeface="Tahoma"/>
+                <a:cs typeface="Tahoma"/>
+                <a:sym typeface="Tahoma"/>
+              </a:defRPr>
+            </a:lvl9pPr>
+          </a:lstStyle>
+          <a:p>
+            <a:endParaRPr/>
+          </a:p>
+        </p:txBody>
+      </p:sp>
+      <p:sp>
+        <p:nvSpPr>
+          <p:cNvPr id="87" name="Google Shape;87;p62"/>
+          <p:cNvSpPr txBox="1">
+            <a:spLocks noGrp="1"/>
+          </p:cNvSpPr>
+          <p:nvPr>
+            <p:ph type="ftr" idx="11"/>
+          </p:nvPr>
+        </p:nvSpPr>
+        <p:spPr>
+          <a:xfrm>
+            <a:off x="1929211" y="5258597"/>
+            <a:ext cx="5313133" cy="304271"/>
+          </a:xfrm>
+          <a:prstGeom prst="rect">
+            <a:avLst/>
+          </a:prstGeom>
+          <a:noFill/>
+          <a:ln>
+            <a:noFill/>
+          </a:ln>
+        </p:spPr>
+        <p:txBody>
+          <a:bodyPr spcFirstLastPara="1" wrap="square" lIns="91425" tIns="91425" rIns="91425" bIns="91425" anchor="ctr" anchorCtr="0">
+            <a:noAutofit/>
+          </a:bodyPr>
+          <a:lstStyle>
+            <a:lvl1pPr marR="0" lvl="0" algn="l">
+              <a:lnSpc>
+                <a:spcPct val="100000"/>
+              </a:lnSpc>
+              <a:spcBef>
+                <a:spcPts val="160"/>
+              </a:spcBef>
+              <a:spcAft>
+                <a:spcPts val="0"/>
+              </a:spcAft>
+              <a:buClr>
+                <a:schemeClr val="dk1"/>
+              </a:buClr>
+              <a:buSzPts val="1400"/>
+              <a:buFont typeface="Corbel"/>
+              <a:buNone/>
+              <a:defRPr sz="800" b="0" i="0">
+                <a:solidFill>
+                  <a:schemeClr val="dk1"/>
+                </a:solidFill>
+                <a:latin typeface="Corbel"/>
+                <a:ea typeface="Corbel"/>
+                <a:cs typeface="Corbel"/>
+                <a:sym typeface="Corbel"/>
+              </a:defRPr>
+            </a:lvl1pPr>
+            <a:lvl2pPr marR="0" lvl="1" algn="ctr">
+              <a:lnSpc>
+                <a:spcPct val="100000"/>
+              </a:lnSpc>
+              <a:spcBef>
+                <a:spcPts val="400"/>
+              </a:spcBef>
+              <a:spcAft>
+                <a:spcPts val="0"/>
+              </a:spcAft>
+              <a:buClr>
+                <a:schemeClr val="dk1"/>
+              </a:buClr>
+              <a:buSzPts val="1400"/>
+              <a:buFont typeface="Tahoma"/>
+              <a:buNone/>
+              <a:defRPr sz="2000" b="0" i="0" u="none" strike="noStrike" cap="none">
+                <a:solidFill>
+                  <a:schemeClr val="dk1"/>
+                </a:solidFill>
+                <a:latin typeface="Tahoma"/>
+                <a:ea typeface="Tahoma"/>
+                <a:cs typeface="Tahoma"/>
+                <a:sym typeface="Tahoma"/>
+              </a:defRPr>
+            </a:lvl2pPr>
+            <a:lvl3pPr marR="0" lvl="2" algn="ctr">
+              <a:lnSpc>
+                <a:spcPct val="100000"/>
+              </a:lnSpc>
+              <a:spcBef>
+                <a:spcPts val="400"/>
+              </a:spcBef>
+              <a:spcAft>
+                <a:spcPts val="0"/>
+              </a:spcAft>
+              <a:buClr>
+                <a:schemeClr val="dk1"/>
+              </a:buClr>
+              <a:buSzPts val="1400"/>
+              <a:buFont typeface="Tahoma"/>
+              <a:buNone/>
+              <a:defRPr sz="2000" b="0" i="0" u="none" strike="noStrike" cap="none">
+                <a:solidFill>
+                  <a:schemeClr val="dk1"/>
+                </a:solidFill>
+                <a:latin typeface="Tahoma"/>
+                <a:ea typeface="Tahoma"/>
+                <a:cs typeface="Tahoma"/>
+                <a:sym typeface="Tahoma"/>
+              </a:defRPr>
+            </a:lvl3pPr>
+            <a:lvl4pPr marR="0" lvl="3" algn="ctr">
+              <a:lnSpc>
+                <a:spcPct val="100000"/>
+              </a:lnSpc>
+              <a:spcBef>
+                <a:spcPts val="400"/>
+              </a:spcBef>
+              <a:spcAft>
+                <a:spcPts val="0"/>
+              </a:spcAft>
+              <a:buClr>
+                <a:schemeClr val="dk1"/>
+              </a:buClr>
+              <a:buSzPts val="1400"/>
+              <a:buFont typeface="Tahoma"/>
+              <a:buNone/>
+              <a:defRPr sz="2000" b="0" i="0" u="none" strike="noStrike" cap="none">
+                <a:solidFill>
+                  <a:schemeClr val="dk1"/>
+                </a:solidFill>
+                <a:latin typeface="Tahoma"/>
+                <a:ea typeface="Tahoma"/>
+                <a:cs typeface="Tahoma"/>
+                <a:sym typeface="Tahoma"/>
+              </a:defRPr>
+            </a:lvl4pPr>
+            <a:lvl5pPr marR="0" lvl="4" algn="ctr">
+              <a:lnSpc>
+                <a:spcPct val="100000"/>
+              </a:lnSpc>
+              <a:spcBef>
+                <a:spcPts val="400"/>
+              </a:spcBef>
+              <a:spcAft>
+                <a:spcPts val="0"/>
+              </a:spcAft>
+              <a:buClr>
+                <a:schemeClr val="dk1"/>
+              </a:buClr>
+              <a:buSzPts val="1400"/>
+              <a:buFont typeface="Tahoma"/>
+              <a:buNone/>
+              <a:defRPr sz="2000" b="0" i="0" u="none" strike="noStrike" cap="none">
+                <a:solidFill>
+                  <a:schemeClr val="dk1"/>
+                </a:solidFill>
+                <a:latin typeface="Tahoma"/>
+                <a:ea typeface="Tahoma"/>
+                <a:cs typeface="Tahoma"/>
+                <a:sym typeface="Tahoma"/>
+              </a:defRPr>
+            </a:lvl5pPr>
+            <a:lvl6pPr marR="0" lvl="5" algn="l">
+              <a:lnSpc>
+                <a:spcPct val="100000"/>
+              </a:lnSpc>
+              <a:spcBef>
+                <a:spcPts val="0"/>
+              </a:spcBef>
+              <a:spcAft>
+                <a:spcPts val="0"/>
+              </a:spcAft>
+              <a:buClr>
+                <a:schemeClr val="dk1"/>
+              </a:buClr>
+              <a:buSzPts val="1400"/>
+              <a:buFont typeface="Tahoma"/>
+              <a:buNone/>
+              <a:defRPr sz="2000" b="0" i="0" u="none" strike="noStrike" cap="none">
+                <a:solidFill>
+                  <a:schemeClr val="dk1"/>
+                </a:solidFill>
+                <a:latin typeface="Tahoma"/>
+                <a:ea typeface="Tahoma"/>
+                <a:cs typeface="Tahoma"/>
+                <a:sym typeface="Tahoma"/>
+              </a:defRPr>
+            </a:lvl6pPr>
+            <a:lvl7pPr marR="0" lvl="6" algn="l">
+              <a:lnSpc>
+                <a:spcPct val="100000"/>
+              </a:lnSpc>
+              <a:spcBef>
+                <a:spcPts val="0"/>
+              </a:spcBef>
+              <a:spcAft>
+                <a:spcPts val="0"/>
+              </a:spcAft>
+              <a:buClr>
+                <a:schemeClr val="dk1"/>
+              </a:buClr>
+              <a:buSzPts val="1400"/>
+              <a:buFont typeface="Tahoma"/>
+              <a:buNone/>
+              <a:defRPr sz="2000" b="0" i="0" u="none" strike="noStrike" cap="none">
+                <a:solidFill>
+                  <a:schemeClr val="dk1"/>
+                </a:solidFill>
+                <a:latin typeface="Tahoma"/>
+                <a:ea typeface="Tahoma"/>
+                <a:cs typeface="Tahoma"/>
+                <a:sym typeface="Tahoma"/>
+              </a:defRPr>
+            </a:lvl7pPr>
+            <a:lvl8pPr marR="0" lvl="7" algn="l">
+              <a:lnSpc>
+                <a:spcPct val="100000"/>
+              </a:lnSpc>
+              <a:spcBef>
+                <a:spcPts val="0"/>
+              </a:spcBef>
+              <a:spcAft>
+                <a:spcPts val="0"/>
+              </a:spcAft>
+              <a:buClr>
+                <a:schemeClr val="dk1"/>
+              </a:buClr>
+              <a:buSzPts val="1400"/>
+              <a:buFont typeface="Tahoma"/>
+              <a:buNone/>
+              <a:defRPr sz="2000" b="0" i="0" u="none" strike="noStrike" cap="none">
+                <a:solidFill>
+                  <a:schemeClr val="dk1"/>
+                </a:solidFill>
+                <a:latin typeface="Tahoma"/>
+                <a:ea typeface="Tahoma"/>
+                <a:cs typeface="Tahoma"/>
+                <a:sym typeface="Tahoma"/>
+              </a:defRPr>
+            </a:lvl8pPr>
+            <a:lvl9pPr marR="0" lvl="8" algn="l">
+              <a:lnSpc>
+                <a:spcPct val="100000"/>
+              </a:lnSpc>
+              <a:spcBef>
+                <a:spcPts val="0"/>
+              </a:spcBef>
+              <a:spcAft>
+                <a:spcPts val="0"/>
+              </a:spcAft>
+              <a:buClr>
+                <a:schemeClr val="dk1"/>
+              </a:buClr>
+              <a:buSzPts val="1400"/>
+              <a:buFont typeface="Tahoma"/>
+              <a:buNone/>
+              <a:defRPr sz="2000" b="0" i="0" u="none" strike="noStrike" cap="none">
+                <a:solidFill>
+                  <a:schemeClr val="dk1"/>
+                </a:solidFill>
+                <a:latin typeface="Tahoma"/>
+                <a:ea typeface="Tahoma"/>
+                <a:cs typeface="Tahoma"/>
+                <a:sym typeface="Tahoma"/>
+              </a:defRPr>
+            </a:lvl9pPr>
+          </a:lstStyle>
+          <a:p>
+            <a:endParaRPr/>
+          </a:p>
+        </p:txBody>
+      </p:sp>
+      <p:sp>
+        <p:nvSpPr>
+          <p:cNvPr id="88" name="Google Shape;88;p62"/>
+          <p:cNvSpPr txBox="1">
+            <a:spLocks noGrp="1"/>
+          </p:cNvSpPr>
+          <p:nvPr>
+            <p:ph type="sldNum" idx="12"/>
+          </p:nvPr>
+        </p:nvSpPr>
+        <p:spPr>
+          <a:xfrm>
+            <a:off x="8213894" y="5258597"/>
+            <a:ext cx="413375" cy="304271"/>
+          </a:xfrm>
+          <a:prstGeom prst="rect">
+            <a:avLst/>
+          </a:prstGeom>
+          <a:noFill/>
+          <a:ln>
+            <a:noFill/>
+          </a:ln>
+        </p:spPr>
+        <p:txBody>
+          <a:bodyPr spcFirstLastPara="1" wrap="square" lIns="91425" tIns="45700" rIns="91425" bIns="45700" anchor="ctr" anchorCtr="0">
+            <a:noAutofit/>
+          </a:bodyPr>
+          <a:lstStyle>
+            <a:lvl1pPr marL="0" lvl="0" indent="0" algn="r">
+              <a:lnSpc>
+                <a:spcPct val="100000"/>
+              </a:lnSpc>
+              <a:spcBef>
+                <a:spcPts val="0"/>
+              </a:spcBef>
+              <a:spcAft>
+                <a:spcPts val="0"/>
+              </a:spcAft>
+              <a:buClr>
+                <a:srgbClr val="000000"/>
+              </a:buClr>
+              <a:buSzPts val="1400"/>
+              <a:buFont typeface="Arial"/>
+              <a:buNone/>
+              <a:defRPr/>
+            </a:lvl1pPr>
+            <a:lvl2pPr marL="0" lvl="1" indent="0" algn="r">
+              <a:lnSpc>
+                <a:spcPct val="100000"/>
+              </a:lnSpc>
+              <a:spcBef>
+                <a:spcPts val="0"/>
+              </a:spcBef>
+              <a:spcAft>
+                <a:spcPts val="0"/>
+              </a:spcAft>
+              <a:buClr>
+                <a:srgbClr val="000000"/>
+              </a:buClr>
+              <a:buSzPts val="1400"/>
+              <a:buFont typeface="Arial"/>
+              <a:buNone/>
+              <a:defRPr/>
+            </a:lvl2pPr>
+            <a:lvl3pPr marL="0" lvl="2" indent="0" algn="r">
+              <a:lnSpc>
+                <a:spcPct val="100000"/>
+              </a:lnSpc>
+              <a:spcBef>
+                <a:spcPts val="0"/>
+              </a:spcBef>
+              <a:spcAft>
+                <a:spcPts val="0"/>
+              </a:spcAft>
+              <a:buClr>
+                <a:srgbClr val="000000"/>
+              </a:buClr>
+              <a:buSzPts val="1400"/>
+              <a:buFont typeface="Arial"/>
+              <a:buNone/>
+              <a:defRPr/>
+            </a:lvl3pPr>
+            <a:lvl4pPr marL="0" lvl="3" indent="0" algn="r">
+              <a:lnSpc>
+                <a:spcPct val="100000"/>
+              </a:lnSpc>
+              <a:spcBef>
+                <a:spcPts val="0"/>
+              </a:spcBef>
+              <a:spcAft>
+                <a:spcPts val="0"/>
+              </a:spcAft>
+              <a:buClr>
+                <a:srgbClr val="000000"/>
+              </a:buClr>
+              <a:buSzPts val="1400"/>
+              <a:buFont typeface="Arial"/>
+              <a:buNone/>
+              <a:defRPr/>
+            </a:lvl4pPr>
+            <a:lvl5pPr marL="0" lvl="4" indent="0" algn="r">
+              <a:lnSpc>
+                <a:spcPct val="100000"/>
+              </a:lnSpc>
+              <a:spcBef>
+                <a:spcPts val="0"/>
+              </a:spcBef>
+              <a:spcAft>
+                <a:spcPts val="0"/>
+              </a:spcAft>
+              <a:buClr>
+                <a:srgbClr val="000000"/>
+              </a:buClr>
+              <a:buSzPts val="1400"/>
+              <a:buFont typeface="Arial"/>
+              <a:buNone/>
+              <a:defRPr/>
+            </a:lvl5pPr>
+            <a:lvl6pPr marL="0" lvl="5" indent="0" algn="r">
+              <a:lnSpc>
+                <a:spcPct val="100000"/>
+              </a:lnSpc>
+              <a:spcBef>
+                <a:spcPts val="0"/>
+              </a:spcBef>
+              <a:spcAft>
+                <a:spcPts val="0"/>
+              </a:spcAft>
+              <a:buClr>
+                <a:srgbClr val="000000"/>
+              </a:buClr>
+              <a:buSzPts val="1400"/>
+              <a:buFont typeface="Arial"/>
+              <a:buNone/>
+              <a:defRPr/>
+            </a:lvl6pPr>
+            <a:lvl7pPr marL="0" lvl="6" indent="0" algn="r">
+              <a:lnSpc>
+                <a:spcPct val="100000"/>
+              </a:lnSpc>
+              <a:spcBef>
+                <a:spcPts val="0"/>
+              </a:spcBef>
+              <a:spcAft>
+                <a:spcPts val="0"/>
+              </a:spcAft>
+              <a:buClr>
+                <a:srgbClr val="000000"/>
+              </a:buClr>
+              <a:buSzPts val="1400"/>
+              <a:buFont typeface="Arial"/>
+              <a:buNone/>
+              <a:defRPr/>
+            </a:lvl7pPr>
+            <a:lvl8pPr marL="0" lvl="7" indent="0" algn="r">
+              <a:lnSpc>
+                <a:spcPct val="100000"/>
+              </a:lnSpc>
+              <a:spcBef>
+                <a:spcPts val="0"/>
+              </a:spcBef>
+              <a:spcAft>
+                <a:spcPts val="0"/>
+              </a:spcAft>
+              <a:buClr>
+                <a:srgbClr val="000000"/>
+              </a:buClr>
+              <a:buSzPts val="1400"/>
+              <a:buFont typeface="Arial"/>
+              <a:buNone/>
+              <a:defRPr/>
+            </a:lvl8pPr>
+            <a:lvl9pPr marL="0" lvl="8" indent="0" algn="r">
+              <a:lnSpc>
+                <a:spcPct val="100000"/>
+              </a:lnSpc>
+              <a:spcBef>
+                <a:spcPts val="0"/>
+              </a:spcBef>
+              <a:spcAft>
+                <a:spcPts val="0"/>
+              </a:spcAft>
+              <a:buClr>
+                <a:srgbClr val="000000"/>
+              </a:buClr>
+              <a:buSzPts val="1400"/>
+              <a:buFont typeface="Arial"/>
+              <a:buNone/>
+              <a:defRPr/>
+            </a:lvl9pPr>
+          </a:lstStyle>
+          <a:p>
+            <a:pPr marL="0" lvl="0" indent="0" algn="r" rtl="0">
+              <a:spcBef>
+                <a:spcPts val="0"/>
+              </a:spcBef>
+              <a:spcAft>
+                <a:spcPts val="0"/>
+              </a:spcAft>
+              <a:buNone/>
+            </a:pPr>
+            <a:fld id="{00000000-1234-1234-1234-123412341234}" type="slidenum">
+              <a:rPr lang="en-US"/>
+              <a:t>‹#›</a:t>
+            </a:fld>
+            <a:endParaRPr/>
+          </a:p>
+        </p:txBody>
+      </p:sp>
+      <p:sp>
+        <p:nvSpPr>
+          <p:cNvPr id="89" name="Google Shape;89;p62"/>
           <p:cNvSpPr/>
           <p:nvPr/>
         </p:nvSpPr>
@@ -30521,21 +30527,21 @@
   <p:sldLayoutIdLst>
     <p:sldLayoutId id="2147483649" r:id="rId1"/>
     <p:sldLayoutId id="2147483650" r:id="rId2"/>
-    <p:sldLayoutId id="2147483651" r:id="rId3"/>
-    <p:sldLayoutId id="2147483652" r:id="rId4"/>
-    <p:sldLayoutId id="2147483653" r:id="rId5"/>
-    <p:sldLayoutId id="2147483654" r:id="rId6"/>
-    <p:sldLayoutId id="2147483655" r:id="rId7"/>
-    <p:sldLayoutId id="2147483656" r:id="rId8"/>
-    <p:sldLayoutId id="2147483657" r:id="rId9"/>
-    <p:sldLayoutId id="2147483658" r:id="rId10"/>
-    <p:sldLayoutId id="2147483659" r:id="rId11"/>
-    <p:sldLayoutId id="2147483660" r:id="rId12"/>
-    <p:sldLayoutId id="2147483661" r:id="rId13"/>
-    <p:sldLayoutId id="2147483662" r:id="rId14"/>
-    <p:sldLayoutId id="2147483663" r:id="rId15"/>
-    <p:sldLayoutId id="2147483664" r:id="rId16"/>
-    <p:sldLayoutId id="2147483665" r:id="rId17"/>
+    <p:sldLayoutId id="2147483652" r:id="rId3"/>
+    <p:sldLayoutId id="2147483653" r:id="rId4"/>
+    <p:sldLayoutId id="2147483654" r:id="rId5"/>
+    <p:sldLayoutId id="2147483655" r:id="rId6"/>
+    <p:sldLayoutId id="2147483656" r:id="rId7"/>
+    <p:sldLayoutId id="2147483657" r:id="rId8"/>
+    <p:sldLayoutId id="2147483658" r:id="rId9"/>
+    <p:sldLayoutId id="2147483659" r:id="rId10"/>
+    <p:sldLayoutId id="2147483660" r:id="rId11"/>
+    <p:sldLayoutId id="2147483661" r:id="rId12"/>
+    <p:sldLayoutId id="2147483662" r:id="rId13"/>
+    <p:sldLayoutId id="2147483663" r:id="rId14"/>
+    <p:sldLayoutId id="2147483664" r:id="rId15"/>
+    <p:sldLayoutId id="2147483665" r:id="rId16"/>
+    <p:sldLayoutId id="2147483666" r:id="rId17"/>
   </p:sldLayoutIdLst>
   <p:hf hdr="0" ftr="0" dt="0"/>
   <p:txStyles>
@@ -31324,6 +31330,52 @@
           </a:ln>
         </p:spPr>
       </p:pic>
+      <p:sp>
+        <p:nvSpPr>
+          <p:cNvPr id="4" name="TextBox 3">
+            <a:extLst>
+              <a:ext uri="{FF2B5EF4-FFF2-40B4-BE49-F238E27FC236}">
+                <a16:creationId xmlns:a16="http://schemas.microsoft.com/office/drawing/2014/main" id="{BDE91F81-9F43-472F-BCE3-0C56F85D9CD8}"/>
+              </a:ext>
+            </a:extLst>
+          </p:cNvPr>
+          <p:cNvSpPr txBox="1"/>
+          <p:nvPr/>
+        </p:nvSpPr>
+        <p:spPr>
+          <a:xfrm>
+            <a:off x="6459687" y="351064"/>
+            <a:ext cx="1382110" cy="276999"/>
+          </a:xfrm>
+          <a:prstGeom prst="rect">
+            <a:avLst/>
+          </a:prstGeom>
+          <a:noFill/>
+        </p:spPr>
+        <p:txBody>
+          <a:bodyPr wrap="none" rtlCol="0">
+            <a:spAutoFit/>
+          </a:bodyPr>
+          <a:lstStyle/>
+          <a:p>
+            <a:r>
+              <a:rPr lang="en-US" sz="1200" dirty="0">
+                <a:solidFill>
+                  <a:schemeClr val="accent2"/>
+                </a:solidFill>
+                <a:latin typeface="Abadi Extra Light" panose="020B0604020202020204" pitchFamily="34" charset="0"/>
+              </a:rPr>
+              <a:t>Difficulty level: basic</a:t>
+            </a:r>
+            <a:endParaRPr lang="en-US" sz="1200" dirty="0">
+              <a:solidFill>
+                <a:schemeClr val="accent6"/>
+              </a:solidFill>
+              <a:latin typeface="Abadi Extra Light" panose="020B0604020202020204" pitchFamily="34" charset="0"/>
+            </a:endParaRPr>
+          </a:p>
+        </p:txBody>
+      </p:sp>
     </p:spTree>
   </p:cSld>
   <p:clrMapOvr>
@@ -40678,7 +40730,7 @@
         </p:spPr>
         <p:txBody>
           <a:bodyPr spcFirstLastPara="1" wrap="square" lIns="91425" tIns="45700" rIns="91425" bIns="45700" anchor="ctr" anchorCtr="0">
-            <a:normAutofit fontScale="92500"/>
+            <a:normAutofit lnSpcReduction="10000"/>
           </a:bodyPr>
           <a:lstStyle/>
           <a:p>
@@ -41038,69 +41090,6 @@
                 <a:sym typeface="Arial"/>
               </a:rPr>
               <a:t>How do we encode data?  What are the implications?</a:t>
-            </a:r>
-            <a:endParaRPr sz="1530" dirty="0">
-              <a:latin typeface="Helvetica Neue" panose="02000503000000020004" pitchFamily="2" charset="0"/>
-              <a:ea typeface="Helvetica Neue" panose="02000503000000020004" pitchFamily="2" charset="0"/>
-              <a:cs typeface="Helvetica Neue" panose="02000503000000020004" pitchFamily="2" charset="0"/>
-              <a:sym typeface="Arial"/>
-            </a:endParaRPr>
-          </a:p>
-          <a:p>
-            <a:pPr marL="463550" lvl="1" indent="-177800" algn="l" rtl="0">
-              <a:spcBef>
-                <a:spcPts val="675"/>
-              </a:spcBef>
-              <a:spcAft>
-                <a:spcPts val="0"/>
-              </a:spcAft>
-              <a:buSzPts val="2175"/>
-              <a:buChar char="•"/>
-            </a:pPr>
-            <a:r>
-              <a:rPr lang="en-US" sz="1530" dirty="0">
-                <a:latin typeface="Helvetica Neue" panose="02000503000000020004" pitchFamily="2" charset="0"/>
-                <a:ea typeface="Helvetica Neue" panose="02000503000000020004" pitchFamily="2" charset="0"/>
-                <a:cs typeface="Helvetica Neue" panose="02000503000000020004" pitchFamily="2" charset="0"/>
-                <a:sym typeface="Arial"/>
-              </a:rPr>
-              <a:t>How do operations affect </a:t>
-            </a:r>
-            <a:r>
-              <a:rPr lang="en-US" sz="1530" b="1" dirty="0">
-                <a:latin typeface="Helvetica Neue" panose="02000503000000020004" pitchFamily="2" charset="0"/>
-                <a:ea typeface="Helvetica Neue" panose="02000503000000020004" pitchFamily="2" charset="0"/>
-                <a:cs typeface="Helvetica Neue" panose="02000503000000020004" pitchFamily="2" charset="0"/>
-                <a:sym typeface="Arial"/>
-              </a:rPr>
-              <a:t>performance</a:t>
-            </a:r>
-            <a:r>
-              <a:rPr lang="en-US" sz="1530" dirty="0">
-                <a:latin typeface="Helvetica Neue" panose="02000503000000020004" pitchFamily="2" charset="0"/>
-                <a:ea typeface="Helvetica Neue" panose="02000503000000020004" pitchFamily="2" charset="0"/>
-                <a:cs typeface="Helvetica Neue" panose="02000503000000020004" pitchFamily="2" charset="0"/>
-                <a:sym typeface="Arial"/>
-              </a:rPr>
-              <a:t> and </a:t>
-            </a:r>
-            <a:r>
-              <a:rPr lang="en-US" sz="1530" b="1" dirty="0">
-                <a:latin typeface="Helvetica Neue" panose="02000503000000020004" pitchFamily="2" charset="0"/>
-                <a:ea typeface="Helvetica Neue" panose="02000503000000020004" pitchFamily="2" charset="0"/>
-                <a:cs typeface="Helvetica Neue" panose="02000503000000020004" pitchFamily="2" charset="0"/>
-                <a:sym typeface="Arial"/>
-              </a:rPr>
-              <a:t>scale</a:t>
-            </a:r>
-            <a:r>
-              <a:rPr lang="en-US" sz="1530" dirty="0">
-                <a:latin typeface="Helvetica Neue" panose="02000503000000020004" pitchFamily="2" charset="0"/>
-                <a:ea typeface="Helvetica Neue" panose="02000503000000020004" pitchFamily="2" charset="0"/>
-                <a:cs typeface="Helvetica Neue" panose="02000503000000020004" pitchFamily="2" charset="0"/>
-                <a:sym typeface="Arial"/>
-              </a:rPr>
-              <a:t>?</a:t>
             </a:r>
             <a:endParaRPr sz="1530" dirty="0">
               <a:latin typeface="Helvetica Neue" panose="02000503000000020004" pitchFamily="2" charset="0"/>
@@ -41343,7 +41332,7 @@
             </a:r>
             <a:r>
               <a:rPr lang="en-US" sz="1800" dirty="0"/>
-              <a:t>, which an be generally thought of as corresponding to tables</a:t>
+              <a:t>, which can be generally thought of as corresponding to tables</a:t>
             </a:r>
             <a:endParaRPr sz="2400" dirty="0"/>
           </a:p>
@@ -48393,7 +48382,7 @@
         <p:spPr>
           <a:xfrm>
             <a:off x="470263" y="1043492"/>
-            <a:ext cx="8157007" cy="4176921"/>
+            <a:ext cx="8157007" cy="4437009"/>
           </a:xfrm>
           <a:prstGeom prst="rect">
             <a:avLst/>
@@ -48428,7 +48417,7 @@
                 <a:ea typeface="Helvetica Neue" panose="02000503000000020004" pitchFamily="2" charset="0"/>
                 <a:cs typeface="Helvetica Neue" panose="02000503000000020004" pitchFamily="2" charset="0"/>
               </a:rPr>
-              <a:t>We model knowledge using the following notions:</a:t>
+              <a:t>We model knowledge using notions dating back to ancient Greece:</a:t>
             </a:r>
             <a:endParaRPr sz="2400" dirty="0">
               <a:latin typeface="Helvetica Neue" panose="02000503000000020004" pitchFamily="2" charset="0"/>
